--- a/trunk/core/State machine.pptx
+++ b/trunk/core/State machine.pptx
@@ -7,6 +7,8 @@
   <p:sldIdLst>
     <p:sldId id="256" r:id="rId2"/>
     <p:sldId id="257" r:id="rId3"/>
+    <p:sldId id="258" r:id="rId4"/>
+    <p:sldId id="259" r:id="rId5"/>
   </p:sldIdLst>
   <p:sldSz cx="9144000" cy="6858000" type="screen4x3"/>
   <p:notesSz cx="6858000" cy="9144000"/>
@@ -290,7 +292,7 @@
             <a:fld id="{1D8BD707-D9CF-40AE-B4C6-C98DA3205C09}" type="datetimeFigureOut">
               <a:rPr lang="en-US" smtClean="0"/>
               <a:pPr/>
-              <a:t>9/18/2012</a:t>
+              <a:t>9/20/2012</a:t>
             </a:fld>
             <a:endParaRPr lang="en-US"/>
           </a:p>
@@ -457,7 +459,7 @@
             <a:fld id="{1D8BD707-D9CF-40AE-B4C6-C98DA3205C09}" type="datetimeFigureOut">
               <a:rPr lang="en-US" smtClean="0"/>
               <a:pPr/>
-              <a:t>9/18/2012</a:t>
+              <a:t>9/20/2012</a:t>
             </a:fld>
             <a:endParaRPr lang="en-US"/>
           </a:p>
@@ -634,7 +636,7 @@
             <a:fld id="{1D8BD707-D9CF-40AE-B4C6-C98DA3205C09}" type="datetimeFigureOut">
               <a:rPr lang="en-US" smtClean="0"/>
               <a:pPr/>
-              <a:t>9/18/2012</a:t>
+              <a:t>9/20/2012</a:t>
             </a:fld>
             <a:endParaRPr lang="en-US"/>
           </a:p>
@@ -801,7 +803,7 @@
             <a:fld id="{1D8BD707-D9CF-40AE-B4C6-C98DA3205C09}" type="datetimeFigureOut">
               <a:rPr lang="en-US" smtClean="0"/>
               <a:pPr/>
-              <a:t>9/18/2012</a:t>
+              <a:t>9/20/2012</a:t>
             </a:fld>
             <a:endParaRPr lang="en-US"/>
           </a:p>
@@ -1044,7 +1046,7 @@
             <a:fld id="{1D8BD707-D9CF-40AE-B4C6-C98DA3205C09}" type="datetimeFigureOut">
               <a:rPr lang="en-US" smtClean="0"/>
               <a:pPr/>
-              <a:t>9/18/2012</a:t>
+              <a:t>9/20/2012</a:t>
             </a:fld>
             <a:endParaRPr lang="en-US"/>
           </a:p>
@@ -1329,7 +1331,7 @@
             <a:fld id="{1D8BD707-D9CF-40AE-B4C6-C98DA3205C09}" type="datetimeFigureOut">
               <a:rPr lang="en-US" smtClean="0"/>
               <a:pPr/>
-              <a:t>9/18/2012</a:t>
+              <a:t>9/20/2012</a:t>
             </a:fld>
             <a:endParaRPr lang="en-US"/>
           </a:p>
@@ -1748,7 +1750,7 @@
             <a:fld id="{1D8BD707-D9CF-40AE-B4C6-C98DA3205C09}" type="datetimeFigureOut">
               <a:rPr lang="en-US" smtClean="0"/>
               <a:pPr/>
-              <a:t>9/18/2012</a:t>
+              <a:t>9/20/2012</a:t>
             </a:fld>
             <a:endParaRPr lang="en-US"/>
           </a:p>
@@ -1863,7 +1865,7 @@
             <a:fld id="{1D8BD707-D9CF-40AE-B4C6-C98DA3205C09}" type="datetimeFigureOut">
               <a:rPr lang="en-US" smtClean="0"/>
               <a:pPr/>
-              <a:t>9/18/2012</a:t>
+              <a:t>9/20/2012</a:t>
             </a:fld>
             <a:endParaRPr lang="en-US"/>
           </a:p>
@@ -1955,7 +1957,7 @@
             <a:fld id="{1D8BD707-D9CF-40AE-B4C6-C98DA3205C09}" type="datetimeFigureOut">
               <a:rPr lang="en-US" smtClean="0"/>
               <a:pPr/>
-              <a:t>9/18/2012</a:t>
+              <a:t>9/20/2012</a:t>
             </a:fld>
             <a:endParaRPr lang="en-US"/>
           </a:p>
@@ -2229,7 +2231,7 @@
             <a:fld id="{1D8BD707-D9CF-40AE-B4C6-C98DA3205C09}" type="datetimeFigureOut">
               <a:rPr lang="en-US" smtClean="0"/>
               <a:pPr/>
-              <a:t>9/18/2012</a:t>
+              <a:t>9/20/2012</a:t>
             </a:fld>
             <a:endParaRPr lang="en-US"/>
           </a:p>
@@ -2479,7 +2481,7 @@
             <a:fld id="{1D8BD707-D9CF-40AE-B4C6-C98DA3205C09}" type="datetimeFigureOut">
               <a:rPr lang="en-US" smtClean="0"/>
               <a:pPr/>
-              <a:t>9/18/2012</a:t>
+              <a:t>9/20/2012</a:t>
             </a:fld>
             <a:endParaRPr lang="en-US"/>
           </a:p>
@@ -2689,7 +2691,7 @@
             <a:fld id="{1D8BD707-D9CF-40AE-B4C6-C98DA3205C09}" type="datetimeFigureOut">
               <a:rPr lang="en-US" smtClean="0"/>
               <a:pPr/>
-              <a:t>9/18/2012</a:t>
+              <a:t>9/20/2012</a:t>
             </a:fld>
             <a:endParaRPr lang="en-US"/>
           </a:p>
@@ -3639,15 +3641,7 @@
           <a:p>
             <a:r>
               <a:rPr lang="en-US" dirty="0" smtClean="0"/>
-              <a:t>Trig conf </a:t>
-            </a:r>
-            <a:r>
-              <a:rPr lang="en-US" dirty="0" smtClean="0"/>
-              <a:t>≠</a:t>
-            </a:r>
-            <a:r>
-              <a:rPr lang="en-US" dirty="0" smtClean="0"/>
-              <a:t> 1</a:t>
+              <a:t>Trig conf ≠ 1</a:t>
             </a:r>
             <a:endParaRPr lang="he-IL" dirty="0"/>
           </a:p>
@@ -5083,6 +5077,5950 @@
             <a:r>
               <a:rPr lang="en-US" dirty="0" smtClean="0"/>
               <a:t>WRITE CONTROLLER FSM</a:t>
+            </a:r>
+            <a:endParaRPr lang="he-IL" dirty="0"/>
+          </a:p>
+        </p:txBody>
+      </p:sp>
+      <p:grpSp>
+        <p:nvGrpSpPr>
+          <p:cNvPr id="3" name="Group 2"/>
+          <p:cNvGrpSpPr/>
+          <p:nvPr/>
+        </p:nvGrpSpPr>
+        <p:grpSpPr>
+          <a:xfrm>
+            <a:off x="3810000" y="914400"/>
+            <a:ext cx="1447800" cy="1447800"/>
+            <a:chOff x="2819400" y="990600"/>
+            <a:chExt cx="1447800" cy="1447800"/>
+          </a:xfrm>
+        </p:grpSpPr>
+        <p:sp>
+          <p:nvSpPr>
+            <p:cNvPr id="5" name="Oval 4"/>
+            <p:cNvSpPr/>
+            <p:nvPr/>
+          </p:nvSpPr>
+          <p:spPr>
+            <a:xfrm>
+              <a:off x="2819400" y="990600"/>
+              <a:ext cx="1447800" cy="1447800"/>
+            </a:xfrm>
+            <a:prstGeom prst="ellipse">
+              <a:avLst/>
+            </a:prstGeom>
+            <a:solidFill>
+              <a:schemeClr val="tx2">
+                <a:lumMod val="20000"/>
+                <a:lumOff val="80000"/>
+              </a:schemeClr>
+            </a:solidFill>
+            <a:ln>
+              <a:solidFill>
+                <a:schemeClr val="tx1"/>
+              </a:solidFill>
+            </a:ln>
+          </p:spPr>
+          <p:style>
+            <a:lnRef idx="2">
+              <a:schemeClr val="accent1">
+                <a:shade val="50000"/>
+              </a:schemeClr>
+            </a:lnRef>
+            <a:fillRef idx="1">
+              <a:schemeClr val="accent1"/>
+            </a:fillRef>
+            <a:effectRef idx="0">
+              <a:schemeClr val="accent1"/>
+            </a:effectRef>
+            <a:fontRef idx="minor">
+              <a:schemeClr val="lt1"/>
+            </a:fontRef>
+          </p:style>
+          <p:txBody>
+            <a:bodyPr rtlCol="1" anchor="ctr"/>
+            <a:lstStyle/>
+            <a:p>
+              <a:pPr algn="ctr"/>
+              <a:endParaRPr lang="he-IL"/>
+            </a:p>
+          </p:txBody>
+        </p:sp>
+        <p:sp>
+          <p:nvSpPr>
+            <p:cNvPr id="6" name="TextBox 5"/>
+            <p:cNvSpPr txBox="1"/>
+            <p:nvPr/>
+          </p:nvSpPr>
+          <p:spPr>
+            <a:xfrm>
+              <a:off x="3200400" y="1447800"/>
+              <a:ext cx="838200" cy="461665"/>
+            </a:xfrm>
+            <a:prstGeom prst="rect">
+              <a:avLst/>
+            </a:prstGeom>
+            <a:noFill/>
+          </p:spPr>
+          <p:txBody>
+            <a:bodyPr wrap="square" rtlCol="1">
+              <a:spAutoFit/>
+            </a:bodyPr>
+            <a:lstStyle/>
+            <a:p>
+              <a:r>
+                <a:rPr lang="en-US" sz="2400" dirty="0" smtClean="0"/>
+                <a:t>IDLE</a:t>
+              </a:r>
+              <a:endParaRPr lang="he-IL" sz="2400" dirty="0"/>
+            </a:p>
+          </p:txBody>
+        </p:sp>
+      </p:grpSp>
+      <p:grpSp>
+        <p:nvGrpSpPr>
+          <p:cNvPr id="7" name="Group 6"/>
+          <p:cNvGrpSpPr/>
+          <p:nvPr/>
+        </p:nvGrpSpPr>
+        <p:grpSpPr>
+          <a:xfrm>
+            <a:off x="2286000" y="2209800"/>
+            <a:ext cx="1447800" cy="1447800"/>
+            <a:chOff x="2819400" y="990600"/>
+            <a:chExt cx="1447800" cy="1447800"/>
+          </a:xfrm>
+        </p:grpSpPr>
+        <p:sp>
+          <p:nvSpPr>
+            <p:cNvPr id="8" name="Oval 7"/>
+            <p:cNvSpPr/>
+            <p:nvPr/>
+          </p:nvSpPr>
+          <p:spPr>
+            <a:xfrm>
+              <a:off x="2819400" y="990600"/>
+              <a:ext cx="1447800" cy="1447800"/>
+            </a:xfrm>
+            <a:prstGeom prst="ellipse">
+              <a:avLst/>
+            </a:prstGeom>
+            <a:solidFill>
+              <a:schemeClr val="tx2">
+                <a:lumMod val="20000"/>
+                <a:lumOff val="80000"/>
+              </a:schemeClr>
+            </a:solidFill>
+            <a:ln>
+              <a:solidFill>
+                <a:schemeClr val="tx1"/>
+              </a:solidFill>
+            </a:ln>
+          </p:spPr>
+          <p:style>
+            <a:lnRef idx="2">
+              <a:schemeClr val="accent1">
+                <a:shade val="50000"/>
+              </a:schemeClr>
+            </a:lnRef>
+            <a:fillRef idx="1">
+              <a:schemeClr val="accent1"/>
+            </a:fillRef>
+            <a:effectRef idx="0">
+              <a:schemeClr val="accent1"/>
+            </a:effectRef>
+            <a:fontRef idx="minor">
+              <a:schemeClr val="lt1"/>
+            </a:fontRef>
+          </p:style>
+          <p:txBody>
+            <a:bodyPr rtlCol="1" anchor="ctr"/>
+            <a:lstStyle/>
+            <a:p>
+              <a:pPr algn="ctr"/>
+              <a:endParaRPr lang="he-IL"/>
+            </a:p>
+          </p:txBody>
+        </p:sp>
+        <p:sp>
+          <p:nvSpPr>
+            <p:cNvPr id="9" name="TextBox 8"/>
+            <p:cNvSpPr txBox="1"/>
+            <p:nvPr/>
+          </p:nvSpPr>
+          <p:spPr>
+            <a:xfrm>
+              <a:off x="3124200" y="1161871"/>
+              <a:ext cx="838200" cy="1200329"/>
+            </a:xfrm>
+            <a:prstGeom prst="rect">
+              <a:avLst/>
+            </a:prstGeom>
+            <a:noFill/>
+          </p:spPr>
+          <p:txBody>
+            <a:bodyPr wrap="square" rtlCol="1">
+              <a:spAutoFit/>
+            </a:bodyPr>
+            <a:lstStyle/>
+            <a:p>
+              <a:pPr algn="ctr"/>
+              <a:r>
+                <a:rPr lang="en-US" sz="2400" dirty="0" smtClean="0"/>
+                <a:t>GET NEW DATA</a:t>
+              </a:r>
+              <a:endParaRPr lang="he-IL" sz="2400" dirty="0"/>
+            </a:p>
+          </p:txBody>
+        </p:sp>
+      </p:grpSp>
+      <p:grpSp>
+        <p:nvGrpSpPr>
+          <p:cNvPr id="10" name="Group 9"/>
+          <p:cNvGrpSpPr/>
+          <p:nvPr/>
+        </p:nvGrpSpPr>
+        <p:grpSpPr>
+          <a:xfrm>
+            <a:off x="152400" y="3657600"/>
+            <a:ext cx="1447800" cy="1447800"/>
+            <a:chOff x="2819400" y="990600"/>
+            <a:chExt cx="1447800" cy="1447800"/>
+          </a:xfrm>
+        </p:grpSpPr>
+        <p:sp>
+          <p:nvSpPr>
+            <p:cNvPr id="11" name="Oval 10"/>
+            <p:cNvSpPr/>
+            <p:nvPr/>
+          </p:nvSpPr>
+          <p:spPr>
+            <a:xfrm>
+              <a:off x="2819400" y="990600"/>
+              <a:ext cx="1447800" cy="1447800"/>
+            </a:xfrm>
+            <a:prstGeom prst="ellipse">
+              <a:avLst/>
+            </a:prstGeom>
+            <a:solidFill>
+              <a:schemeClr val="tx2">
+                <a:lumMod val="20000"/>
+                <a:lumOff val="80000"/>
+              </a:schemeClr>
+            </a:solidFill>
+            <a:ln>
+              <a:solidFill>
+                <a:schemeClr val="tx1"/>
+              </a:solidFill>
+            </a:ln>
+          </p:spPr>
+          <p:style>
+            <a:lnRef idx="2">
+              <a:schemeClr val="accent1">
+                <a:shade val="50000"/>
+              </a:schemeClr>
+            </a:lnRef>
+            <a:fillRef idx="1">
+              <a:schemeClr val="accent1"/>
+            </a:fillRef>
+            <a:effectRef idx="0">
+              <a:schemeClr val="accent1"/>
+            </a:effectRef>
+            <a:fontRef idx="minor">
+              <a:schemeClr val="lt1"/>
+            </a:fontRef>
+          </p:style>
+          <p:txBody>
+            <a:bodyPr rtlCol="1" anchor="ctr"/>
+            <a:lstStyle/>
+            <a:p>
+              <a:pPr algn="ctr"/>
+              <a:endParaRPr lang="he-IL"/>
+            </a:p>
+          </p:txBody>
+        </p:sp>
+        <p:sp>
+          <p:nvSpPr>
+            <p:cNvPr id="12" name="TextBox 11"/>
+            <p:cNvSpPr txBox="1"/>
+            <p:nvPr/>
+          </p:nvSpPr>
+          <p:spPr>
+            <a:xfrm>
+              <a:off x="3048000" y="1161871"/>
+              <a:ext cx="914400" cy="1200329"/>
+            </a:xfrm>
+            <a:prstGeom prst="rect">
+              <a:avLst/>
+            </a:prstGeom>
+            <a:noFill/>
+          </p:spPr>
+          <p:txBody>
+            <a:bodyPr wrap="square" rtlCol="1">
+              <a:spAutoFit/>
+            </a:bodyPr>
+            <a:lstStyle/>
+            <a:p>
+              <a:pPr algn="ctr"/>
+              <a:r>
+                <a:rPr lang="en-US" sz="2400" dirty="0" smtClean="0"/>
+                <a:t>CALC RAM ADDR</a:t>
+              </a:r>
+              <a:endParaRPr lang="he-IL" sz="2400" dirty="0"/>
+            </a:p>
+          </p:txBody>
+        </p:sp>
+      </p:grpSp>
+      <p:grpSp>
+        <p:nvGrpSpPr>
+          <p:cNvPr id="13" name="Group 12"/>
+          <p:cNvGrpSpPr/>
+          <p:nvPr/>
+        </p:nvGrpSpPr>
+        <p:grpSpPr>
+          <a:xfrm>
+            <a:off x="0" y="1219200"/>
+            <a:ext cx="1447800" cy="1447800"/>
+            <a:chOff x="2819400" y="990600"/>
+            <a:chExt cx="1447800" cy="1447800"/>
+          </a:xfrm>
+        </p:grpSpPr>
+        <p:sp>
+          <p:nvSpPr>
+            <p:cNvPr id="14" name="Oval 13"/>
+            <p:cNvSpPr/>
+            <p:nvPr/>
+          </p:nvSpPr>
+          <p:spPr>
+            <a:xfrm>
+              <a:off x="2819400" y="990600"/>
+              <a:ext cx="1447800" cy="1447800"/>
+            </a:xfrm>
+            <a:prstGeom prst="ellipse">
+              <a:avLst/>
+            </a:prstGeom>
+            <a:solidFill>
+              <a:schemeClr val="tx2">
+                <a:lumMod val="20000"/>
+                <a:lumOff val="80000"/>
+              </a:schemeClr>
+            </a:solidFill>
+            <a:ln>
+              <a:solidFill>
+                <a:schemeClr val="tx1"/>
+              </a:solidFill>
+            </a:ln>
+          </p:spPr>
+          <p:style>
+            <a:lnRef idx="2">
+              <a:schemeClr val="accent1">
+                <a:shade val="50000"/>
+              </a:schemeClr>
+            </a:lnRef>
+            <a:fillRef idx="1">
+              <a:schemeClr val="accent1"/>
+            </a:fillRef>
+            <a:effectRef idx="0">
+              <a:schemeClr val="accent1"/>
+            </a:effectRef>
+            <a:fontRef idx="minor">
+              <a:schemeClr val="lt1"/>
+            </a:fontRef>
+          </p:style>
+          <p:txBody>
+            <a:bodyPr rtlCol="1" anchor="ctr"/>
+            <a:lstStyle/>
+            <a:p>
+              <a:pPr algn="ctr"/>
+              <a:endParaRPr lang="he-IL"/>
+            </a:p>
+          </p:txBody>
+        </p:sp>
+        <p:sp>
+          <p:nvSpPr>
+            <p:cNvPr id="15" name="TextBox 14"/>
+            <p:cNvSpPr txBox="1"/>
+            <p:nvPr/>
+          </p:nvSpPr>
+          <p:spPr>
+            <a:xfrm>
+              <a:off x="2895600" y="1066800"/>
+              <a:ext cx="1219200" cy="1323439"/>
+            </a:xfrm>
+            <a:prstGeom prst="rect">
+              <a:avLst/>
+            </a:prstGeom>
+            <a:noFill/>
+          </p:spPr>
+          <p:txBody>
+            <a:bodyPr wrap="square" rtlCol="1">
+              <a:spAutoFit/>
+            </a:bodyPr>
+            <a:lstStyle/>
+            <a:p>
+              <a:pPr algn="ctr"/>
+              <a:r>
+                <a:rPr lang="en-US" sz="2000" dirty="0" smtClean="0"/>
+                <a:t>SEND </a:t>
+              </a:r>
+              <a:r>
+                <a:rPr lang="en-US" sz="2000" dirty="0" smtClean="0"/>
+                <a:t>DATA ADDR </a:t>
+              </a:r>
+              <a:r>
+                <a:rPr lang="en-US" sz="2000" dirty="0" smtClean="0"/>
+                <a:t>TO RAM</a:t>
+              </a:r>
+              <a:endParaRPr lang="he-IL" sz="2000" dirty="0"/>
+            </a:p>
+          </p:txBody>
+        </p:sp>
+      </p:grpSp>
+      <p:sp>
+        <p:nvSpPr>
+          <p:cNvPr id="17" name="Freeform 16"/>
+          <p:cNvSpPr/>
+          <p:nvPr/>
+        </p:nvSpPr>
+        <p:spPr>
+          <a:xfrm rot="1128894">
+            <a:off x="3854496" y="2319525"/>
+            <a:ext cx="587179" cy="845758"/>
+          </a:xfrm>
+          <a:custGeom>
+            <a:avLst/>
+            <a:gdLst>
+              <a:gd name="connsiteX0" fmla="*/ 279400 w 516467"/>
+              <a:gd name="connsiteY0" fmla="*/ 0 h 1079500"/>
+              <a:gd name="connsiteX1" fmla="*/ 469900 w 516467"/>
+              <a:gd name="connsiteY1" fmla="*/ 647700 h 1079500"/>
+              <a:gd name="connsiteX2" fmla="*/ 0 w 516467"/>
+              <a:gd name="connsiteY2" fmla="*/ 1079500 h 1079500"/>
+            </a:gdLst>
+            <a:ahLst/>
+            <a:cxnLst>
+              <a:cxn ang="0">
+                <a:pos x="connsiteX0" y="connsiteY0"/>
+              </a:cxn>
+              <a:cxn ang="0">
+                <a:pos x="connsiteX1" y="connsiteY1"/>
+              </a:cxn>
+              <a:cxn ang="0">
+                <a:pos x="connsiteX2" y="connsiteY2"/>
+              </a:cxn>
+            </a:cxnLst>
+            <a:rect l="l" t="t" r="r" b="b"/>
+            <a:pathLst>
+              <a:path w="516467" h="1079500">
+                <a:moveTo>
+                  <a:pt x="279400" y="0"/>
+                </a:moveTo>
+                <a:cubicBezTo>
+                  <a:pt x="397933" y="233891"/>
+                  <a:pt x="516467" y="467783"/>
+                  <a:pt x="469900" y="647700"/>
+                </a:cubicBezTo>
+                <a:cubicBezTo>
+                  <a:pt x="423333" y="827617"/>
+                  <a:pt x="211666" y="953558"/>
+                  <a:pt x="0" y="1079500"/>
+                </a:cubicBezTo>
+              </a:path>
+            </a:pathLst>
+          </a:custGeom>
+          <a:ln w="28575">
+            <a:solidFill>
+              <a:schemeClr val="tx1"/>
+            </a:solidFill>
+            <a:tailEnd type="arrow"/>
+          </a:ln>
+        </p:spPr>
+        <p:style>
+          <a:lnRef idx="1">
+            <a:schemeClr val="accent1"/>
+          </a:lnRef>
+          <a:fillRef idx="0">
+            <a:schemeClr val="accent1"/>
+          </a:fillRef>
+          <a:effectRef idx="0">
+            <a:schemeClr val="accent1"/>
+          </a:effectRef>
+          <a:fontRef idx="minor">
+            <a:schemeClr val="tx1"/>
+          </a:fontRef>
+        </p:style>
+        <p:txBody>
+          <a:bodyPr rtlCol="1" anchor="ctr"/>
+          <a:lstStyle/>
+          <a:p>
+            <a:pPr algn="ctr"/>
+            <a:endParaRPr lang="he-IL"/>
+          </a:p>
+        </p:txBody>
+      </p:sp>
+      <p:sp>
+        <p:nvSpPr>
+          <p:cNvPr id="18" name="Freeform 17"/>
+          <p:cNvSpPr/>
+          <p:nvPr/>
+        </p:nvSpPr>
+        <p:spPr>
+          <a:xfrm rot="598779">
+            <a:off x="1688143" y="3415214"/>
+            <a:ext cx="814917" cy="1083733"/>
+          </a:xfrm>
+          <a:custGeom>
+            <a:avLst/>
+            <a:gdLst>
+              <a:gd name="connsiteX0" fmla="*/ 800100 w 814917"/>
+              <a:gd name="connsiteY0" fmla="*/ 0 h 1083733"/>
+              <a:gd name="connsiteX1" fmla="*/ 736600 w 814917"/>
+              <a:gd name="connsiteY1" fmla="*/ 660400 h 1083733"/>
+              <a:gd name="connsiteX2" fmla="*/ 330200 w 814917"/>
+              <a:gd name="connsiteY2" fmla="*/ 1016000 h 1083733"/>
+              <a:gd name="connsiteX3" fmla="*/ 0 w 814917"/>
+              <a:gd name="connsiteY3" fmla="*/ 1066800 h 1083733"/>
+            </a:gdLst>
+            <a:ahLst/>
+            <a:cxnLst>
+              <a:cxn ang="0">
+                <a:pos x="connsiteX0" y="connsiteY0"/>
+              </a:cxn>
+              <a:cxn ang="0">
+                <a:pos x="connsiteX1" y="connsiteY1"/>
+              </a:cxn>
+              <a:cxn ang="0">
+                <a:pos x="connsiteX2" y="connsiteY2"/>
+              </a:cxn>
+              <a:cxn ang="0">
+                <a:pos x="connsiteX3" y="connsiteY3"/>
+              </a:cxn>
+            </a:cxnLst>
+            <a:rect l="l" t="t" r="r" b="b"/>
+            <a:pathLst>
+              <a:path w="814917" h="1083733">
+                <a:moveTo>
+                  <a:pt x="800100" y="0"/>
+                </a:moveTo>
+                <a:cubicBezTo>
+                  <a:pt x="807508" y="245533"/>
+                  <a:pt x="814917" y="491067"/>
+                  <a:pt x="736600" y="660400"/>
+                </a:cubicBezTo>
+                <a:cubicBezTo>
+                  <a:pt x="658283" y="829733"/>
+                  <a:pt x="452967" y="948267"/>
+                  <a:pt x="330200" y="1016000"/>
+                </a:cubicBezTo>
+                <a:cubicBezTo>
+                  <a:pt x="207433" y="1083733"/>
+                  <a:pt x="103716" y="1075266"/>
+                  <a:pt x="0" y="1066800"/>
+                </a:cubicBezTo>
+              </a:path>
+            </a:pathLst>
+          </a:custGeom>
+          <a:ln w="28575">
+            <a:solidFill>
+              <a:schemeClr val="tx1"/>
+            </a:solidFill>
+            <a:tailEnd type="arrow"/>
+          </a:ln>
+        </p:spPr>
+        <p:style>
+          <a:lnRef idx="1">
+            <a:schemeClr val="accent1"/>
+          </a:lnRef>
+          <a:fillRef idx="0">
+            <a:schemeClr val="accent1"/>
+          </a:fillRef>
+          <a:effectRef idx="0">
+            <a:schemeClr val="accent1"/>
+          </a:effectRef>
+          <a:fontRef idx="minor">
+            <a:schemeClr val="tx1"/>
+          </a:fontRef>
+        </p:style>
+        <p:txBody>
+          <a:bodyPr rtlCol="1" anchor="ctr"/>
+          <a:lstStyle/>
+          <a:p>
+            <a:pPr algn="ctr"/>
+            <a:endParaRPr lang="he-IL"/>
+          </a:p>
+        </p:txBody>
+      </p:sp>
+      <p:sp>
+        <p:nvSpPr>
+          <p:cNvPr id="22" name="Freeform 21"/>
+          <p:cNvSpPr/>
+          <p:nvPr/>
+        </p:nvSpPr>
+        <p:spPr>
+          <a:xfrm>
+            <a:off x="46567" y="2514600"/>
+            <a:ext cx="258233" cy="1435100"/>
+          </a:xfrm>
+          <a:custGeom>
+            <a:avLst/>
+            <a:gdLst>
+              <a:gd name="connsiteX0" fmla="*/ 245533 w 270933"/>
+              <a:gd name="connsiteY0" fmla="*/ 2324100 h 2324100"/>
+              <a:gd name="connsiteX1" fmla="*/ 4233 w 270933"/>
+              <a:gd name="connsiteY1" fmla="*/ 1384300 h 2324100"/>
+              <a:gd name="connsiteX2" fmla="*/ 270933 w 270933"/>
+              <a:gd name="connsiteY2" fmla="*/ 0 h 2324100"/>
+            </a:gdLst>
+            <a:ahLst/>
+            <a:cxnLst>
+              <a:cxn ang="0">
+                <a:pos x="connsiteX0" y="connsiteY0"/>
+              </a:cxn>
+              <a:cxn ang="0">
+                <a:pos x="connsiteX1" y="connsiteY1"/>
+              </a:cxn>
+              <a:cxn ang="0">
+                <a:pos x="connsiteX2" y="connsiteY2"/>
+              </a:cxn>
+            </a:cxnLst>
+            <a:rect l="l" t="t" r="r" b="b"/>
+            <a:pathLst>
+              <a:path w="270933" h="2324100">
+                <a:moveTo>
+                  <a:pt x="245533" y="2324100"/>
+                </a:moveTo>
+                <a:cubicBezTo>
+                  <a:pt x="122766" y="2047875"/>
+                  <a:pt x="0" y="1771650"/>
+                  <a:pt x="4233" y="1384300"/>
+                </a:cubicBezTo>
+                <a:cubicBezTo>
+                  <a:pt x="8466" y="996950"/>
+                  <a:pt x="139699" y="498475"/>
+                  <a:pt x="270933" y="0"/>
+                </a:cubicBezTo>
+              </a:path>
+            </a:pathLst>
+          </a:custGeom>
+          <a:ln w="28575">
+            <a:solidFill>
+              <a:schemeClr val="tx1"/>
+            </a:solidFill>
+            <a:tailEnd type="arrow"/>
+          </a:ln>
+        </p:spPr>
+        <p:style>
+          <a:lnRef idx="1">
+            <a:schemeClr val="accent1"/>
+          </a:lnRef>
+          <a:fillRef idx="0">
+            <a:schemeClr val="accent1"/>
+          </a:fillRef>
+          <a:effectRef idx="0">
+            <a:schemeClr val="accent1"/>
+          </a:effectRef>
+          <a:fontRef idx="minor">
+            <a:schemeClr val="tx1"/>
+          </a:fontRef>
+        </p:style>
+        <p:txBody>
+          <a:bodyPr rtlCol="1" anchor="ctr"/>
+          <a:lstStyle/>
+          <a:p>
+            <a:pPr algn="ctr"/>
+            <a:endParaRPr lang="he-IL"/>
+          </a:p>
+        </p:txBody>
+      </p:sp>
+      <p:grpSp>
+        <p:nvGrpSpPr>
+          <p:cNvPr id="23" name="Group 22"/>
+          <p:cNvGrpSpPr/>
+          <p:nvPr/>
+        </p:nvGrpSpPr>
+        <p:grpSpPr>
+          <a:xfrm>
+            <a:off x="4419600" y="4800600"/>
+            <a:ext cx="1447800" cy="1447800"/>
+            <a:chOff x="2819400" y="990600"/>
+            <a:chExt cx="1447800" cy="1447800"/>
+          </a:xfrm>
+        </p:grpSpPr>
+        <p:sp>
+          <p:nvSpPr>
+            <p:cNvPr id="24" name="Oval 23"/>
+            <p:cNvSpPr/>
+            <p:nvPr/>
+          </p:nvSpPr>
+          <p:spPr>
+            <a:xfrm>
+              <a:off x="2819400" y="990600"/>
+              <a:ext cx="1447800" cy="1447800"/>
+            </a:xfrm>
+            <a:prstGeom prst="ellipse">
+              <a:avLst/>
+            </a:prstGeom>
+            <a:solidFill>
+              <a:schemeClr val="tx2">
+                <a:lumMod val="20000"/>
+                <a:lumOff val="80000"/>
+              </a:schemeClr>
+            </a:solidFill>
+            <a:ln>
+              <a:solidFill>
+                <a:schemeClr val="tx1"/>
+              </a:solidFill>
+            </a:ln>
+          </p:spPr>
+          <p:style>
+            <a:lnRef idx="2">
+              <a:schemeClr val="accent1">
+                <a:shade val="50000"/>
+              </a:schemeClr>
+            </a:lnRef>
+            <a:fillRef idx="1">
+              <a:schemeClr val="accent1"/>
+            </a:fillRef>
+            <a:effectRef idx="0">
+              <a:schemeClr val="accent1"/>
+            </a:effectRef>
+            <a:fontRef idx="minor">
+              <a:schemeClr val="lt1"/>
+            </a:fontRef>
+          </p:style>
+          <p:txBody>
+            <a:bodyPr rtlCol="1" anchor="ctr"/>
+            <a:lstStyle/>
+            <a:p>
+              <a:pPr algn="ctr"/>
+              <a:endParaRPr lang="he-IL"/>
+            </a:p>
+          </p:txBody>
+        </p:sp>
+        <p:sp>
+          <p:nvSpPr>
+            <p:cNvPr id="25" name="TextBox 24"/>
+            <p:cNvSpPr txBox="1"/>
+            <p:nvPr/>
+          </p:nvSpPr>
+          <p:spPr>
+            <a:xfrm>
+              <a:off x="2971800" y="1161871"/>
+              <a:ext cx="1143000" cy="1200329"/>
+            </a:xfrm>
+            <a:prstGeom prst="rect">
+              <a:avLst/>
+            </a:prstGeom>
+            <a:noFill/>
+          </p:spPr>
+          <p:txBody>
+            <a:bodyPr wrap="square" rtlCol="1">
+              <a:spAutoFit/>
+            </a:bodyPr>
+            <a:lstStyle/>
+            <a:p>
+              <a:pPr algn="ctr"/>
+              <a:r>
+                <a:rPr lang="en-US" sz="2400" dirty="0" smtClean="0"/>
+                <a:t>CALC TRIGG ADDR</a:t>
+              </a:r>
+              <a:endParaRPr lang="he-IL" sz="2400" dirty="0"/>
+            </a:p>
+          </p:txBody>
+        </p:sp>
+      </p:grpSp>
+      <p:grpSp>
+        <p:nvGrpSpPr>
+          <p:cNvPr id="26" name="Group 25"/>
+          <p:cNvGrpSpPr/>
+          <p:nvPr/>
+        </p:nvGrpSpPr>
+        <p:grpSpPr>
+          <a:xfrm>
+            <a:off x="6858000" y="3276600"/>
+            <a:ext cx="1447800" cy="1447800"/>
+            <a:chOff x="2819400" y="990600"/>
+            <a:chExt cx="1447800" cy="1447800"/>
+          </a:xfrm>
+        </p:grpSpPr>
+        <p:sp>
+          <p:nvSpPr>
+            <p:cNvPr id="27" name="Oval 26"/>
+            <p:cNvSpPr/>
+            <p:nvPr/>
+          </p:nvSpPr>
+          <p:spPr>
+            <a:xfrm>
+              <a:off x="2819400" y="990600"/>
+              <a:ext cx="1447800" cy="1447800"/>
+            </a:xfrm>
+            <a:prstGeom prst="ellipse">
+              <a:avLst/>
+            </a:prstGeom>
+            <a:solidFill>
+              <a:schemeClr val="tx2">
+                <a:lumMod val="20000"/>
+                <a:lumOff val="80000"/>
+              </a:schemeClr>
+            </a:solidFill>
+            <a:ln>
+              <a:solidFill>
+                <a:schemeClr val="tx1"/>
+              </a:solidFill>
+            </a:ln>
+          </p:spPr>
+          <p:style>
+            <a:lnRef idx="2">
+              <a:schemeClr val="accent1">
+                <a:shade val="50000"/>
+              </a:schemeClr>
+            </a:lnRef>
+            <a:fillRef idx="1">
+              <a:schemeClr val="accent1"/>
+            </a:fillRef>
+            <a:effectRef idx="0">
+              <a:schemeClr val="accent1"/>
+            </a:effectRef>
+            <a:fontRef idx="minor">
+              <a:schemeClr val="lt1"/>
+            </a:fontRef>
+          </p:style>
+          <p:txBody>
+            <a:bodyPr rtlCol="1" anchor="ctr"/>
+            <a:lstStyle/>
+            <a:p>
+              <a:pPr algn="ctr"/>
+              <a:endParaRPr lang="he-IL"/>
+            </a:p>
+          </p:txBody>
+        </p:sp>
+        <p:sp>
+          <p:nvSpPr>
+            <p:cNvPr id="28" name="TextBox 27"/>
+            <p:cNvSpPr txBox="1"/>
+            <p:nvPr/>
+          </p:nvSpPr>
+          <p:spPr>
+            <a:xfrm>
+              <a:off x="2971800" y="1161871"/>
+              <a:ext cx="1143000" cy="1200329"/>
+            </a:xfrm>
+            <a:prstGeom prst="rect">
+              <a:avLst/>
+            </a:prstGeom>
+            <a:noFill/>
+          </p:spPr>
+          <p:txBody>
+            <a:bodyPr wrap="square" rtlCol="1">
+              <a:spAutoFit/>
+            </a:bodyPr>
+            <a:lstStyle/>
+            <a:p>
+              <a:pPr algn="ctr"/>
+              <a:r>
+                <a:rPr lang="en-US" sz="2400" dirty="0" smtClean="0"/>
+                <a:t>SEND ADDR TO RC</a:t>
+              </a:r>
+              <a:endParaRPr lang="he-IL" sz="2400" dirty="0"/>
+            </a:p>
+          </p:txBody>
+        </p:sp>
+      </p:grpSp>
+      <p:grpSp>
+        <p:nvGrpSpPr>
+          <p:cNvPr id="31" name="Group 30"/>
+          <p:cNvGrpSpPr/>
+          <p:nvPr/>
+        </p:nvGrpSpPr>
+        <p:grpSpPr>
+          <a:xfrm>
+            <a:off x="6477000" y="685800"/>
+            <a:ext cx="1600200" cy="1447800"/>
+            <a:chOff x="2743200" y="990600"/>
+            <a:chExt cx="1600200" cy="1447800"/>
+          </a:xfrm>
+        </p:grpSpPr>
+        <p:sp>
+          <p:nvSpPr>
+            <p:cNvPr id="32" name="Oval 31"/>
+            <p:cNvSpPr/>
+            <p:nvPr/>
+          </p:nvSpPr>
+          <p:spPr>
+            <a:xfrm>
+              <a:off x="2819400" y="990600"/>
+              <a:ext cx="1447800" cy="1447800"/>
+            </a:xfrm>
+            <a:prstGeom prst="ellipse">
+              <a:avLst/>
+            </a:prstGeom>
+            <a:solidFill>
+              <a:schemeClr val="tx2">
+                <a:lumMod val="20000"/>
+                <a:lumOff val="80000"/>
+              </a:schemeClr>
+            </a:solidFill>
+            <a:ln>
+              <a:solidFill>
+                <a:schemeClr val="tx1"/>
+              </a:solidFill>
+            </a:ln>
+          </p:spPr>
+          <p:style>
+            <a:lnRef idx="2">
+              <a:schemeClr val="accent1">
+                <a:shade val="50000"/>
+              </a:schemeClr>
+            </a:lnRef>
+            <a:fillRef idx="1">
+              <a:schemeClr val="accent1"/>
+            </a:fillRef>
+            <a:effectRef idx="0">
+              <a:schemeClr val="accent1"/>
+            </a:effectRef>
+            <a:fontRef idx="minor">
+              <a:schemeClr val="lt1"/>
+            </a:fontRef>
+          </p:style>
+          <p:txBody>
+            <a:bodyPr rtlCol="1" anchor="ctr"/>
+            <a:lstStyle/>
+            <a:p>
+              <a:pPr algn="ctr"/>
+              <a:endParaRPr lang="he-IL"/>
+            </a:p>
+          </p:txBody>
+        </p:sp>
+        <p:sp>
+          <p:nvSpPr>
+            <p:cNvPr id="33" name="TextBox 32"/>
+            <p:cNvSpPr txBox="1"/>
+            <p:nvPr/>
+          </p:nvSpPr>
+          <p:spPr>
+            <a:xfrm>
+              <a:off x="2743200" y="1219200"/>
+              <a:ext cx="1600200" cy="830997"/>
+            </a:xfrm>
+            <a:prstGeom prst="rect">
+              <a:avLst/>
+            </a:prstGeom>
+            <a:noFill/>
+          </p:spPr>
+          <p:txBody>
+            <a:bodyPr wrap="square" rtlCol="1">
+              <a:spAutoFit/>
+            </a:bodyPr>
+            <a:lstStyle/>
+            <a:p>
+              <a:pPr algn="ctr"/>
+              <a:r>
+                <a:rPr lang="en-US" sz="2400" dirty="0" smtClean="0"/>
+                <a:t>ALL DATA RECORDED </a:t>
+              </a:r>
+              <a:endParaRPr lang="he-IL" sz="2400" dirty="0"/>
+            </a:p>
+          </p:txBody>
+        </p:sp>
+      </p:grpSp>
+      <p:sp>
+        <p:nvSpPr>
+          <p:cNvPr id="35" name="Freeform 34"/>
+          <p:cNvSpPr/>
+          <p:nvPr/>
+        </p:nvSpPr>
+        <p:spPr>
+          <a:xfrm>
+            <a:off x="5854700" y="4724400"/>
+            <a:ext cx="1638300" cy="899583"/>
+          </a:xfrm>
+          <a:custGeom>
+            <a:avLst/>
+            <a:gdLst>
+              <a:gd name="connsiteX0" fmla="*/ 0 w 1638300"/>
+              <a:gd name="connsiteY0" fmla="*/ 825500 h 899583"/>
+              <a:gd name="connsiteX1" fmla="*/ 876300 w 1638300"/>
+              <a:gd name="connsiteY1" fmla="*/ 762000 h 899583"/>
+              <a:gd name="connsiteX2" fmla="*/ 1638300 w 1638300"/>
+              <a:gd name="connsiteY2" fmla="*/ 0 h 899583"/>
+            </a:gdLst>
+            <a:ahLst/>
+            <a:cxnLst>
+              <a:cxn ang="0">
+                <a:pos x="connsiteX0" y="connsiteY0"/>
+              </a:cxn>
+              <a:cxn ang="0">
+                <a:pos x="connsiteX1" y="connsiteY1"/>
+              </a:cxn>
+              <a:cxn ang="0">
+                <a:pos x="connsiteX2" y="connsiteY2"/>
+              </a:cxn>
+            </a:cxnLst>
+            <a:rect l="l" t="t" r="r" b="b"/>
+            <a:pathLst>
+              <a:path w="1638300" h="899583">
+                <a:moveTo>
+                  <a:pt x="0" y="825500"/>
+                </a:moveTo>
+                <a:cubicBezTo>
+                  <a:pt x="301625" y="862541"/>
+                  <a:pt x="603250" y="899583"/>
+                  <a:pt x="876300" y="762000"/>
+                </a:cubicBezTo>
+                <a:cubicBezTo>
+                  <a:pt x="1149350" y="624417"/>
+                  <a:pt x="1393825" y="312208"/>
+                  <a:pt x="1638300" y="0"/>
+                </a:cubicBezTo>
+              </a:path>
+            </a:pathLst>
+          </a:custGeom>
+          <a:ln w="19050">
+            <a:solidFill>
+              <a:schemeClr val="tx1"/>
+            </a:solidFill>
+            <a:tailEnd type="arrow"/>
+          </a:ln>
+        </p:spPr>
+        <p:style>
+          <a:lnRef idx="1">
+            <a:schemeClr val="accent1"/>
+          </a:lnRef>
+          <a:fillRef idx="0">
+            <a:schemeClr val="accent1"/>
+          </a:fillRef>
+          <a:effectRef idx="0">
+            <a:schemeClr val="accent1"/>
+          </a:effectRef>
+          <a:fontRef idx="minor">
+            <a:schemeClr val="tx1"/>
+          </a:fontRef>
+        </p:style>
+        <p:txBody>
+          <a:bodyPr rtlCol="1" anchor="ctr"/>
+          <a:lstStyle/>
+          <a:p>
+            <a:pPr algn="ctr"/>
+            <a:endParaRPr lang="he-IL"/>
+          </a:p>
+        </p:txBody>
+      </p:sp>
+      <p:sp>
+        <p:nvSpPr>
+          <p:cNvPr id="36" name="Freeform 35"/>
+          <p:cNvSpPr/>
+          <p:nvPr/>
+        </p:nvSpPr>
+        <p:spPr>
+          <a:xfrm>
+            <a:off x="7874000" y="1841500"/>
+            <a:ext cx="283633" cy="1485900"/>
+          </a:xfrm>
+          <a:custGeom>
+            <a:avLst/>
+            <a:gdLst>
+              <a:gd name="connsiteX0" fmla="*/ 25400 w 283633"/>
+              <a:gd name="connsiteY0" fmla="*/ 1485900 h 1485900"/>
+              <a:gd name="connsiteX1" fmla="*/ 279400 w 283633"/>
+              <a:gd name="connsiteY1" fmla="*/ 787400 h 1485900"/>
+              <a:gd name="connsiteX2" fmla="*/ 0 w 283633"/>
+              <a:gd name="connsiteY2" fmla="*/ 0 h 1485900"/>
+            </a:gdLst>
+            <a:ahLst/>
+            <a:cxnLst>
+              <a:cxn ang="0">
+                <a:pos x="connsiteX0" y="connsiteY0"/>
+              </a:cxn>
+              <a:cxn ang="0">
+                <a:pos x="connsiteX1" y="connsiteY1"/>
+              </a:cxn>
+              <a:cxn ang="0">
+                <a:pos x="connsiteX2" y="connsiteY2"/>
+              </a:cxn>
+            </a:cxnLst>
+            <a:rect l="l" t="t" r="r" b="b"/>
+            <a:pathLst>
+              <a:path w="283633" h="1485900">
+                <a:moveTo>
+                  <a:pt x="25400" y="1485900"/>
+                </a:moveTo>
+                <a:cubicBezTo>
+                  <a:pt x="154516" y="1260475"/>
+                  <a:pt x="283633" y="1035050"/>
+                  <a:pt x="279400" y="787400"/>
+                </a:cubicBezTo>
+                <a:cubicBezTo>
+                  <a:pt x="275167" y="539750"/>
+                  <a:pt x="137583" y="269875"/>
+                  <a:pt x="0" y="0"/>
+                </a:cubicBezTo>
+              </a:path>
+            </a:pathLst>
+          </a:custGeom>
+          <a:ln w="19050">
+            <a:solidFill>
+              <a:schemeClr val="tx1"/>
+            </a:solidFill>
+            <a:tailEnd type="arrow"/>
+          </a:ln>
+        </p:spPr>
+        <p:style>
+          <a:lnRef idx="1">
+            <a:schemeClr val="accent1"/>
+          </a:lnRef>
+          <a:fillRef idx="0">
+            <a:schemeClr val="accent1"/>
+          </a:fillRef>
+          <a:effectRef idx="0">
+            <a:schemeClr val="accent1"/>
+          </a:effectRef>
+          <a:fontRef idx="minor">
+            <a:schemeClr val="tx1"/>
+          </a:fontRef>
+        </p:style>
+        <p:txBody>
+          <a:bodyPr rtlCol="1" anchor="ctr"/>
+          <a:lstStyle/>
+          <a:p>
+            <a:pPr algn="ctr"/>
+            <a:endParaRPr lang="he-IL"/>
+          </a:p>
+        </p:txBody>
+      </p:sp>
+      <p:sp>
+        <p:nvSpPr>
+          <p:cNvPr id="39" name="Freeform 38"/>
+          <p:cNvSpPr/>
+          <p:nvPr/>
+        </p:nvSpPr>
+        <p:spPr>
+          <a:xfrm rot="11057286">
+            <a:off x="3483818" y="3592980"/>
+            <a:ext cx="3441700" cy="393700"/>
+          </a:xfrm>
+          <a:custGeom>
+            <a:avLst/>
+            <a:gdLst>
+              <a:gd name="connsiteX0" fmla="*/ 2997200 w 2997200"/>
+              <a:gd name="connsiteY0" fmla="*/ 393700 h 393700"/>
+              <a:gd name="connsiteX1" fmla="*/ 1562100 w 2997200"/>
+              <a:gd name="connsiteY1" fmla="*/ 38100 h 393700"/>
+              <a:gd name="connsiteX2" fmla="*/ 0 w 2997200"/>
+              <a:gd name="connsiteY2" fmla="*/ 165100 h 393700"/>
+            </a:gdLst>
+            <a:ahLst/>
+            <a:cxnLst>
+              <a:cxn ang="0">
+                <a:pos x="connsiteX0" y="connsiteY0"/>
+              </a:cxn>
+              <a:cxn ang="0">
+                <a:pos x="connsiteX1" y="connsiteY1"/>
+              </a:cxn>
+              <a:cxn ang="0">
+                <a:pos x="connsiteX2" y="connsiteY2"/>
+              </a:cxn>
+            </a:cxnLst>
+            <a:rect l="l" t="t" r="r" b="b"/>
+            <a:pathLst>
+              <a:path w="2997200" h="393700">
+                <a:moveTo>
+                  <a:pt x="2997200" y="393700"/>
+                </a:moveTo>
+                <a:cubicBezTo>
+                  <a:pt x="2529416" y="234950"/>
+                  <a:pt x="2061633" y="76200"/>
+                  <a:pt x="1562100" y="38100"/>
+                </a:cubicBezTo>
+                <a:cubicBezTo>
+                  <a:pt x="1062567" y="0"/>
+                  <a:pt x="531283" y="82550"/>
+                  <a:pt x="0" y="165100"/>
+                </a:cubicBezTo>
+              </a:path>
+            </a:pathLst>
+          </a:custGeom>
+          <a:ln w="19050">
+            <a:solidFill>
+              <a:schemeClr val="tx1"/>
+            </a:solidFill>
+            <a:headEnd type="arrow"/>
+            <a:tailEnd type="none"/>
+          </a:ln>
+        </p:spPr>
+        <p:style>
+          <a:lnRef idx="1">
+            <a:schemeClr val="accent1"/>
+          </a:lnRef>
+          <a:fillRef idx="0">
+            <a:schemeClr val="accent1"/>
+          </a:fillRef>
+          <a:effectRef idx="0">
+            <a:schemeClr val="accent1"/>
+          </a:effectRef>
+          <a:fontRef idx="minor">
+            <a:schemeClr val="tx1"/>
+          </a:fontRef>
+        </p:style>
+        <p:txBody>
+          <a:bodyPr rtlCol="1" anchor="ctr"/>
+          <a:lstStyle/>
+          <a:p>
+            <a:pPr algn="ctr"/>
+            <a:endParaRPr lang="he-IL"/>
+          </a:p>
+        </p:txBody>
+      </p:sp>
+      <p:sp>
+        <p:nvSpPr>
+          <p:cNvPr id="42" name="TextBox 41"/>
+          <p:cNvSpPr txBox="1"/>
+          <p:nvPr/>
+        </p:nvSpPr>
+        <p:spPr>
+          <a:xfrm>
+            <a:off x="4343400" y="2514600"/>
+            <a:ext cx="1143000" cy="369332"/>
+          </a:xfrm>
+          <a:prstGeom prst="rect">
+            <a:avLst/>
+          </a:prstGeom>
+          <a:noFill/>
+        </p:spPr>
+        <p:txBody>
+          <a:bodyPr wrap="square" rtlCol="1">
+            <a:spAutoFit/>
+          </a:bodyPr>
+          <a:lstStyle/>
+          <a:p>
+            <a:r>
+              <a:rPr lang="en-US" dirty="0" smtClean="0"/>
+              <a:t>RESET = 0</a:t>
+            </a:r>
+            <a:endParaRPr lang="he-IL" dirty="0"/>
+          </a:p>
+        </p:txBody>
+      </p:sp>
+      <p:sp>
+        <p:nvSpPr>
+          <p:cNvPr id="43" name="Freeform 42"/>
+          <p:cNvSpPr/>
+          <p:nvPr/>
+        </p:nvSpPr>
+        <p:spPr>
+          <a:xfrm>
+            <a:off x="4203700" y="317500"/>
+            <a:ext cx="1176867" cy="762000"/>
+          </a:xfrm>
+          <a:custGeom>
+            <a:avLst/>
+            <a:gdLst>
+              <a:gd name="connsiteX0" fmla="*/ 762000 w 1176867"/>
+              <a:gd name="connsiteY0" fmla="*/ 762000 h 762000"/>
+              <a:gd name="connsiteX1" fmla="*/ 1092200 w 1176867"/>
+              <a:gd name="connsiteY1" fmla="*/ 139700 h 762000"/>
+              <a:gd name="connsiteX2" fmla="*/ 254000 w 1176867"/>
+              <a:gd name="connsiteY2" fmla="*/ 88900 h 762000"/>
+              <a:gd name="connsiteX3" fmla="*/ 0 w 1176867"/>
+              <a:gd name="connsiteY3" fmla="*/ 673100 h 762000"/>
+              <a:gd name="connsiteX4" fmla="*/ 0 w 1176867"/>
+              <a:gd name="connsiteY4" fmla="*/ 673100 h 762000"/>
+            </a:gdLst>
+            <a:ahLst/>
+            <a:cxnLst>
+              <a:cxn ang="0">
+                <a:pos x="connsiteX0" y="connsiteY0"/>
+              </a:cxn>
+              <a:cxn ang="0">
+                <a:pos x="connsiteX1" y="connsiteY1"/>
+              </a:cxn>
+              <a:cxn ang="0">
+                <a:pos x="connsiteX2" y="connsiteY2"/>
+              </a:cxn>
+              <a:cxn ang="0">
+                <a:pos x="connsiteX3" y="connsiteY3"/>
+              </a:cxn>
+              <a:cxn ang="0">
+                <a:pos x="connsiteX4" y="connsiteY4"/>
+              </a:cxn>
+            </a:cxnLst>
+            <a:rect l="l" t="t" r="r" b="b"/>
+            <a:pathLst>
+              <a:path w="1176867" h="762000">
+                <a:moveTo>
+                  <a:pt x="762000" y="762000"/>
+                </a:moveTo>
+                <a:cubicBezTo>
+                  <a:pt x="969433" y="506941"/>
+                  <a:pt x="1176867" y="251883"/>
+                  <a:pt x="1092200" y="139700"/>
+                </a:cubicBezTo>
+                <a:cubicBezTo>
+                  <a:pt x="1007533" y="27517"/>
+                  <a:pt x="436033" y="0"/>
+                  <a:pt x="254000" y="88900"/>
+                </a:cubicBezTo>
+                <a:cubicBezTo>
+                  <a:pt x="71967" y="177800"/>
+                  <a:pt x="0" y="673100"/>
+                  <a:pt x="0" y="673100"/>
+                </a:cubicBezTo>
+                <a:lnTo>
+                  <a:pt x="0" y="673100"/>
+                </a:lnTo>
+              </a:path>
+            </a:pathLst>
+          </a:custGeom>
+          <a:ln w="19050">
+            <a:solidFill>
+              <a:schemeClr val="tx1"/>
+            </a:solidFill>
+            <a:tailEnd type="arrow"/>
+          </a:ln>
+        </p:spPr>
+        <p:style>
+          <a:lnRef idx="1">
+            <a:schemeClr val="accent1"/>
+          </a:lnRef>
+          <a:fillRef idx="0">
+            <a:schemeClr val="accent1"/>
+          </a:fillRef>
+          <a:effectRef idx="0">
+            <a:schemeClr val="accent1"/>
+          </a:effectRef>
+          <a:fontRef idx="minor">
+            <a:schemeClr val="tx1"/>
+          </a:fontRef>
+        </p:style>
+        <p:txBody>
+          <a:bodyPr rtlCol="1" anchor="ctr"/>
+          <a:lstStyle/>
+          <a:p>
+            <a:pPr algn="ctr"/>
+            <a:endParaRPr lang="he-IL"/>
+          </a:p>
+        </p:txBody>
+      </p:sp>
+      <p:sp>
+        <p:nvSpPr>
+          <p:cNvPr id="44" name="TextBox 43"/>
+          <p:cNvSpPr txBox="1"/>
+          <p:nvPr/>
+        </p:nvSpPr>
+        <p:spPr>
+          <a:xfrm>
+            <a:off x="4343400" y="0"/>
+            <a:ext cx="1143000" cy="369332"/>
+          </a:xfrm>
+          <a:prstGeom prst="rect">
+            <a:avLst/>
+          </a:prstGeom>
+          <a:noFill/>
+        </p:spPr>
+        <p:txBody>
+          <a:bodyPr wrap="square" rtlCol="1">
+            <a:spAutoFit/>
+          </a:bodyPr>
+          <a:lstStyle/>
+          <a:p>
+            <a:r>
+              <a:rPr lang="en-US" dirty="0" smtClean="0"/>
+              <a:t>RESET = 1</a:t>
+            </a:r>
+            <a:endParaRPr lang="he-IL" dirty="0"/>
+          </a:p>
+        </p:txBody>
+      </p:sp>
+      <p:sp>
+        <p:nvSpPr>
+          <p:cNvPr id="45" name="TextBox 44"/>
+          <p:cNvSpPr txBox="1"/>
+          <p:nvPr/>
+        </p:nvSpPr>
+        <p:spPr>
+          <a:xfrm>
+            <a:off x="4648200" y="3516868"/>
+            <a:ext cx="1447800" cy="369332"/>
+          </a:xfrm>
+          <a:prstGeom prst="rect">
+            <a:avLst/>
+          </a:prstGeom>
+          <a:noFill/>
+        </p:spPr>
+        <p:txBody>
+          <a:bodyPr wrap="square" rtlCol="1">
+            <a:spAutoFit/>
+          </a:bodyPr>
+          <a:lstStyle/>
+          <a:p>
+            <a:pPr algn="ctr"/>
+            <a:r>
+              <a:rPr lang="en-US" dirty="0" smtClean="0"/>
+              <a:t>TRIG POS = 1</a:t>
+            </a:r>
+            <a:endParaRPr lang="he-IL" dirty="0"/>
+          </a:p>
+        </p:txBody>
+      </p:sp>
+      <p:sp>
+        <p:nvSpPr>
+          <p:cNvPr id="46" name="TextBox 45"/>
+          <p:cNvSpPr txBox="1"/>
+          <p:nvPr/>
+        </p:nvSpPr>
+        <p:spPr>
+          <a:xfrm rot="4250285">
+            <a:off x="7550853" y="2159941"/>
+            <a:ext cx="1447800" cy="369332"/>
+          </a:xfrm>
+          <a:prstGeom prst="rect">
+            <a:avLst/>
+          </a:prstGeom>
+          <a:noFill/>
+        </p:spPr>
+        <p:txBody>
+          <a:bodyPr wrap="square" rtlCol="1">
+            <a:spAutoFit/>
+          </a:bodyPr>
+          <a:lstStyle/>
+          <a:p>
+            <a:pPr algn="ctr"/>
+            <a:r>
+              <a:rPr lang="en-US" dirty="0" smtClean="0"/>
+              <a:t>TRIG POS = 0</a:t>
+            </a:r>
+            <a:endParaRPr lang="he-IL" dirty="0"/>
+          </a:p>
+        </p:txBody>
+      </p:sp>
+      <p:sp>
+        <p:nvSpPr>
+          <p:cNvPr id="47" name="Freeform 46"/>
+          <p:cNvSpPr/>
+          <p:nvPr/>
+        </p:nvSpPr>
+        <p:spPr>
+          <a:xfrm>
+            <a:off x="6049433" y="569383"/>
+            <a:ext cx="833967" cy="916517"/>
+          </a:xfrm>
+          <a:custGeom>
+            <a:avLst/>
+            <a:gdLst>
+              <a:gd name="connsiteX0" fmla="*/ 833967 w 833967"/>
+              <a:gd name="connsiteY0" fmla="*/ 205317 h 916517"/>
+              <a:gd name="connsiteX1" fmla="*/ 376767 w 833967"/>
+              <a:gd name="connsiteY1" fmla="*/ 52917 h 916517"/>
+              <a:gd name="connsiteX2" fmla="*/ 21167 w 833967"/>
+              <a:gd name="connsiteY2" fmla="*/ 522817 h 916517"/>
+              <a:gd name="connsiteX3" fmla="*/ 503767 w 833967"/>
+              <a:gd name="connsiteY3" fmla="*/ 916517 h 916517"/>
+            </a:gdLst>
+            <a:ahLst/>
+            <a:cxnLst>
+              <a:cxn ang="0">
+                <a:pos x="connsiteX0" y="connsiteY0"/>
+              </a:cxn>
+              <a:cxn ang="0">
+                <a:pos x="connsiteX1" y="connsiteY1"/>
+              </a:cxn>
+              <a:cxn ang="0">
+                <a:pos x="connsiteX2" y="connsiteY2"/>
+              </a:cxn>
+              <a:cxn ang="0">
+                <a:pos x="connsiteX3" y="connsiteY3"/>
+              </a:cxn>
+            </a:cxnLst>
+            <a:rect l="l" t="t" r="r" b="b"/>
+            <a:pathLst>
+              <a:path w="833967" h="916517">
+                <a:moveTo>
+                  <a:pt x="833967" y="205317"/>
+                </a:moveTo>
+                <a:cubicBezTo>
+                  <a:pt x="673100" y="102658"/>
+                  <a:pt x="512234" y="0"/>
+                  <a:pt x="376767" y="52917"/>
+                </a:cubicBezTo>
+                <a:cubicBezTo>
+                  <a:pt x="241300" y="105834"/>
+                  <a:pt x="0" y="378884"/>
+                  <a:pt x="21167" y="522817"/>
+                </a:cubicBezTo>
+                <a:cubicBezTo>
+                  <a:pt x="42334" y="666750"/>
+                  <a:pt x="273050" y="791633"/>
+                  <a:pt x="503767" y="916517"/>
+                </a:cubicBezTo>
+              </a:path>
+            </a:pathLst>
+          </a:custGeom>
+          <a:ln w="19050">
+            <a:solidFill>
+              <a:schemeClr val="tx1"/>
+            </a:solidFill>
+            <a:tailEnd type="arrow"/>
+          </a:ln>
+        </p:spPr>
+        <p:style>
+          <a:lnRef idx="1">
+            <a:schemeClr val="accent1"/>
+          </a:lnRef>
+          <a:fillRef idx="0">
+            <a:schemeClr val="accent1"/>
+          </a:fillRef>
+          <a:effectRef idx="0">
+            <a:schemeClr val="accent1"/>
+          </a:effectRef>
+          <a:fontRef idx="minor">
+            <a:schemeClr val="tx1"/>
+          </a:fontRef>
+        </p:style>
+        <p:txBody>
+          <a:bodyPr rtlCol="1" anchor="ctr"/>
+          <a:lstStyle/>
+          <a:p>
+            <a:pPr algn="ctr"/>
+            <a:endParaRPr lang="he-IL"/>
+          </a:p>
+        </p:txBody>
+      </p:sp>
+      <p:sp>
+        <p:nvSpPr>
+          <p:cNvPr id="48" name="TextBox 47"/>
+          <p:cNvSpPr txBox="1"/>
+          <p:nvPr/>
+        </p:nvSpPr>
+        <p:spPr>
+          <a:xfrm rot="18661425">
+            <a:off x="5543464" y="558363"/>
+            <a:ext cx="1143000" cy="369332"/>
+          </a:xfrm>
+          <a:prstGeom prst="rect">
+            <a:avLst/>
+          </a:prstGeom>
+          <a:noFill/>
+        </p:spPr>
+        <p:txBody>
+          <a:bodyPr wrap="square" rtlCol="1">
+            <a:spAutoFit/>
+          </a:bodyPr>
+          <a:lstStyle/>
+          <a:p>
+            <a:pPr algn="ctr"/>
+            <a:r>
+              <a:rPr lang="en-US" dirty="0" smtClean="0"/>
+              <a:t>ALL</a:t>
+            </a:r>
+            <a:endParaRPr lang="he-IL" dirty="0"/>
+          </a:p>
+        </p:txBody>
+      </p:sp>
+      <p:sp>
+        <p:nvSpPr>
+          <p:cNvPr id="49" name="TextBox 48"/>
+          <p:cNvSpPr txBox="1"/>
+          <p:nvPr/>
+        </p:nvSpPr>
+        <p:spPr>
+          <a:xfrm>
+            <a:off x="2971800" y="6321623"/>
+            <a:ext cx="1371600" cy="307777"/>
+          </a:xfrm>
+          <a:prstGeom prst="rect">
+            <a:avLst/>
+          </a:prstGeom>
+          <a:noFill/>
+        </p:spPr>
+        <p:txBody>
+          <a:bodyPr wrap="square" rtlCol="1">
+            <a:spAutoFit/>
+          </a:bodyPr>
+          <a:lstStyle/>
+          <a:p>
+            <a:pPr algn="ctr"/>
+            <a:r>
+              <a:rPr lang="en-US" sz="1400" dirty="0" smtClean="0"/>
+              <a:t>TRIG FOUND = 1</a:t>
+            </a:r>
+            <a:endParaRPr lang="he-IL" sz="1400" dirty="0"/>
+          </a:p>
+        </p:txBody>
+      </p:sp>
+      <p:sp>
+        <p:nvSpPr>
+          <p:cNvPr id="50" name="TextBox 49"/>
+          <p:cNvSpPr txBox="1"/>
+          <p:nvPr/>
+        </p:nvSpPr>
+        <p:spPr>
+          <a:xfrm rot="3123895">
+            <a:off x="9582" y="5687609"/>
+            <a:ext cx="1371600" cy="307777"/>
+          </a:xfrm>
+          <a:prstGeom prst="rect">
+            <a:avLst/>
+          </a:prstGeom>
+          <a:noFill/>
+        </p:spPr>
+        <p:txBody>
+          <a:bodyPr wrap="square" rtlCol="1">
+            <a:spAutoFit/>
+          </a:bodyPr>
+          <a:lstStyle/>
+          <a:p>
+            <a:pPr algn="ctr"/>
+            <a:r>
+              <a:rPr lang="en-US" sz="1400" dirty="0" smtClean="0"/>
+              <a:t>TRIG FOUND = 0</a:t>
+            </a:r>
+            <a:endParaRPr lang="he-IL" sz="1400" dirty="0"/>
+          </a:p>
+        </p:txBody>
+      </p:sp>
+      <p:sp>
+        <p:nvSpPr>
+          <p:cNvPr id="51" name="TextBox 50"/>
+          <p:cNvSpPr txBox="1"/>
+          <p:nvPr/>
+        </p:nvSpPr>
+        <p:spPr>
+          <a:xfrm rot="17889183">
+            <a:off x="2230639" y="4722977"/>
+            <a:ext cx="1371600" cy="523220"/>
+          </a:xfrm>
+          <a:prstGeom prst="rect">
+            <a:avLst/>
+          </a:prstGeom>
+          <a:noFill/>
+        </p:spPr>
+        <p:txBody>
+          <a:bodyPr wrap="square" rtlCol="1">
+            <a:spAutoFit/>
+          </a:bodyPr>
+          <a:lstStyle/>
+          <a:p>
+            <a:pPr algn="ctr"/>
+            <a:r>
+              <a:rPr lang="en-US" sz="1400" dirty="0" smtClean="0"/>
+              <a:t>TRIGG ADDR WAS CALC= 0</a:t>
+            </a:r>
+            <a:endParaRPr lang="he-IL" sz="1400" dirty="0"/>
+          </a:p>
+        </p:txBody>
+      </p:sp>
+      <p:sp>
+        <p:nvSpPr>
+          <p:cNvPr id="52" name="TextBox 51"/>
+          <p:cNvSpPr txBox="1"/>
+          <p:nvPr/>
+        </p:nvSpPr>
+        <p:spPr>
+          <a:xfrm rot="19913797">
+            <a:off x="1329221" y="3645012"/>
+            <a:ext cx="1371600" cy="523220"/>
+          </a:xfrm>
+          <a:prstGeom prst="rect">
+            <a:avLst/>
+          </a:prstGeom>
+          <a:noFill/>
+        </p:spPr>
+        <p:txBody>
+          <a:bodyPr wrap="square" rtlCol="1">
+            <a:spAutoFit/>
+          </a:bodyPr>
+          <a:lstStyle/>
+          <a:p>
+            <a:pPr algn="ctr"/>
+            <a:r>
+              <a:rPr lang="en-US" sz="1400" dirty="0" smtClean="0"/>
+              <a:t>TRIGG ADDR WAS CALC= 1</a:t>
+            </a:r>
+            <a:endParaRPr lang="he-IL" sz="1400" dirty="0"/>
+          </a:p>
+        </p:txBody>
+      </p:sp>
+      <p:grpSp>
+        <p:nvGrpSpPr>
+          <p:cNvPr id="53" name="Group 2"/>
+          <p:cNvGrpSpPr/>
+          <p:nvPr/>
+        </p:nvGrpSpPr>
+        <p:grpSpPr>
+          <a:xfrm>
+            <a:off x="1295400" y="5334000"/>
+            <a:ext cx="1447800" cy="1447800"/>
+            <a:chOff x="2819400" y="990600"/>
+            <a:chExt cx="1447800" cy="1447800"/>
+          </a:xfrm>
+        </p:grpSpPr>
+        <p:sp>
+          <p:nvSpPr>
+            <p:cNvPr id="54" name="Oval 4"/>
+            <p:cNvSpPr/>
+            <p:nvPr/>
+          </p:nvSpPr>
+          <p:spPr>
+            <a:xfrm>
+              <a:off x="2819400" y="990600"/>
+              <a:ext cx="1447800" cy="1447800"/>
+            </a:xfrm>
+            <a:prstGeom prst="ellipse">
+              <a:avLst/>
+            </a:prstGeom>
+            <a:solidFill>
+              <a:schemeClr val="tx2">
+                <a:lumMod val="20000"/>
+                <a:lumOff val="80000"/>
+              </a:schemeClr>
+            </a:solidFill>
+            <a:ln>
+              <a:solidFill>
+                <a:schemeClr val="tx1"/>
+              </a:solidFill>
+            </a:ln>
+          </p:spPr>
+          <p:style>
+            <a:lnRef idx="2">
+              <a:schemeClr val="accent1">
+                <a:shade val="50000"/>
+              </a:schemeClr>
+            </a:lnRef>
+            <a:fillRef idx="1">
+              <a:schemeClr val="accent1"/>
+            </a:fillRef>
+            <a:effectRef idx="0">
+              <a:schemeClr val="accent1"/>
+            </a:effectRef>
+            <a:fontRef idx="minor">
+              <a:schemeClr val="lt1"/>
+            </a:fontRef>
+          </p:style>
+          <p:txBody>
+            <a:bodyPr rtlCol="1" anchor="ctr"/>
+            <a:lstStyle/>
+            <a:p>
+              <a:pPr algn="ctr"/>
+              <a:endParaRPr lang="he-IL"/>
+            </a:p>
+          </p:txBody>
+        </p:sp>
+        <p:sp>
+          <p:nvSpPr>
+            <p:cNvPr id="55" name="TextBox 54"/>
+            <p:cNvSpPr txBox="1"/>
+            <p:nvPr/>
+          </p:nvSpPr>
+          <p:spPr>
+            <a:xfrm>
+              <a:off x="3048000" y="1085671"/>
+              <a:ext cx="990600" cy="1200329"/>
+            </a:xfrm>
+            <a:prstGeom prst="rect">
+              <a:avLst/>
+            </a:prstGeom>
+            <a:noFill/>
+          </p:spPr>
+          <p:txBody>
+            <a:bodyPr wrap="square" rtlCol="1">
+              <a:spAutoFit/>
+            </a:bodyPr>
+            <a:lstStyle/>
+            <a:p>
+              <a:pPr algn="ctr"/>
+              <a:r>
+                <a:rPr lang="en-US" sz="2400" dirty="0" smtClean="0"/>
+                <a:t>SERCH FOR TRIGG</a:t>
+              </a:r>
+              <a:endParaRPr lang="he-IL" sz="2400" dirty="0"/>
+            </a:p>
+          </p:txBody>
+        </p:sp>
+      </p:grpSp>
+      <p:sp>
+        <p:nvSpPr>
+          <p:cNvPr id="56" name="צורה חופשית 55"/>
+          <p:cNvSpPr/>
+          <p:nvPr/>
+        </p:nvSpPr>
+        <p:spPr>
+          <a:xfrm>
+            <a:off x="2359152" y="3666744"/>
+            <a:ext cx="640080" cy="1755648"/>
+          </a:xfrm>
+          <a:custGeom>
+            <a:avLst/>
+            <a:gdLst>
+              <a:gd name="connsiteX0" fmla="*/ 640080 w 640080"/>
+              <a:gd name="connsiteY0" fmla="*/ 0 h 1755648"/>
+              <a:gd name="connsiteX1" fmla="*/ 457200 w 640080"/>
+              <a:gd name="connsiteY1" fmla="*/ 1005840 h 1755648"/>
+              <a:gd name="connsiteX2" fmla="*/ 0 w 640080"/>
+              <a:gd name="connsiteY2" fmla="*/ 1755648 h 1755648"/>
+            </a:gdLst>
+            <a:ahLst/>
+            <a:cxnLst>
+              <a:cxn ang="0">
+                <a:pos x="connsiteX0" y="connsiteY0"/>
+              </a:cxn>
+              <a:cxn ang="0">
+                <a:pos x="connsiteX1" y="connsiteY1"/>
+              </a:cxn>
+              <a:cxn ang="0">
+                <a:pos x="connsiteX2" y="connsiteY2"/>
+              </a:cxn>
+            </a:cxnLst>
+            <a:rect l="l" t="t" r="r" b="b"/>
+            <a:pathLst>
+              <a:path w="640080" h="1755648">
+                <a:moveTo>
+                  <a:pt x="640080" y="0"/>
+                </a:moveTo>
+                <a:cubicBezTo>
+                  <a:pt x="601980" y="356616"/>
+                  <a:pt x="563880" y="713232"/>
+                  <a:pt x="457200" y="1005840"/>
+                </a:cubicBezTo>
+                <a:cubicBezTo>
+                  <a:pt x="350520" y="1298448"/>
+                  <a:pt x="175260" y="1527048"/>
+                  <a:pt x="0" y="1755648"/>
+                </a:cubicBezTo>
+              </a:path>
+            </a:pathLst>
+          </a:custGeom>
+          <a:ln w="19050">
+            <a:solidFill>
+              <a:schemeClr val="tx1"/>
+            </a:solidFill>
+            <a:tailEnd type="arrow"/>
+          </a:ln>
+        </p:spPr>
+        <p:style>
+          <a:lnRef idx="1">
+            <a:schemeClr val="accent1"/>
+          </a:lnRef>
+          <a:fillRef idx="0">
+            <a:schemeClr val="accent1"/>
+          </a:fillRef>
+          <a:effectRef idx="0">
+            <a:schemeClr val="accent1"/>
+          </a:effectRef>
+          <a:fontRef idx="minor">
+            <a:schemeClr val="tx1"/>
+          </a:fontRef>
+        </p:style>
+        <p:txBody>
+          <a:bodyPr rtlCol="1" anchor="ctr"/>
+          <a:lstStyle/>
+          <a:p>
+            <a:pPr algn="ctr"/>
+            <a:endParaRPr lang="he-IL"/>
+          </a:p>
+        </p:txBody>
+      </p:sp>
+      <p:sp>
+        <p:nvSpPr>
+          <p:cNvPr id="57" name="צורה חופשית 56"/>
+          <p:cNvSpPr/>
+          <p:nvPr/>
+        </p:nvSpPr>
+        <p:spPr>
+          <a:xfrm>
+            <a:off x="641604" y="5102352"/>
+            <a:ext cx="647700" cy="987552"/>
+          </a:xfrm>
+          <a:custGeom>
+            <a:avLst/>
+            <a:gdLst>
+              <a:gd name="connsiteX0" fmla="*/ 647700 w 647700"/>
+              <a:gd name="connsiteY0" fmla="*/ 987552 h 987552"/>
+              <a:gd name="connsiteX1" fmla="*/ 99060 w 647700"/>
+              <a:gd name="connsiteY1" fmla="*/ 649224 h 987552"/>
+              <a:gd name="connsiteX2" fmla="*/ 53340 w 647700"/>
+              <a:gd name="connsiteY2" fmla="*/ 0 h 987552"/>
+            </a:gdLst>
+            <a:ahLst/>
+            <a:cxnLst>
+              <a:cxn ang="0">
+                <a:pos x="connsiteX0" y="connsiteY0"/>
+              </a:cxn>
+              <a:cxn ang="0">
+                <a:pos x="connsiteX1" y="connsiteY1"/>
+              </a:cxn>
+              <a:cxn ang="0">
+                <a:pos x="connsiteX2" y="connsiteY2"/>
+              </a:cxn>
+            </a:cxnLst>
+            <a:rect l="l" t="t" r="r" b="b"/>
+            <a:pathLst>
+              <a:path w="647700" h="987552">
+                <a:moveTo>
+                  <a:pt x="647700" y="987552"/>
+                </a:moveTo>
+                <a:cubicBezTo>
+                  <a:pt x="422910" y="900684"/>
+                  <a:pt x="198120" y="813816"/>
+                  <a:pt x="99060" y="649224"/>
+                </a:cubicBezTo>
+                <a:cubicBezTo>
+                  <a:pt x="0" y="484632"/>
+                  <a:pt x="26670" y="242316"/>
+                  <a:pt x="53340" y="0"/>
+                </a:cubicBezTo>
+              </a:path>
+            </a:pathLst>
+          </a:custGeom>
+          <a:ln w="19050">
+            <a:solidFill>
+              <a:schemeClr val="tx1"/>
+            </a:solidFill>
+            <a:tailEnd type="arrow"/>
+          </a:ln>
+        </p:spPr>
+        <p:style>
+          <a:lnRef idx="1">
+            <a:schemeClr val="accent1"/>
+          </a:lnRef>
+          <a:fillRef idx="0">
+            <a:schemeClr val="accent1"/>
+          </a:fillRef>
+          <a:effectRef idx="0">
+            <a:schemeClr val="accent1"/>
+          </a:effectRef>
+          <a:fontRef idx="minor">
+            <a:schemeClr val="tx1"/>
+          </a:fontRef>
+        </p:style>
+        <p:txBody>
+          <a:bodyPr rtlCol="1" anchor="ctr"/>
+          <a:lstStyle/>
+          <a:p>
+            <a:pPr algn="ctr"/>
+            <a:endParaRPr lang="he-IL"/>
+          </a:p>
+        </p:txBody>
+      </p:sp>
+      <p:sp>
+        <p:nvSpPr>
+          <p:cNvPr id="58" name="TextBox 57"/>
+          <p:cNvSpPr txBox="1"/>
+          <p:nvPr/>
+        </p:nvSpPr>
+        <p:spPr>
+          <a:xfrm>
+            <a:off x="3124200" y="0"/>
+            <a:ext cx="1334951" cy="369332"/>
+          </a:xfrm>
+          <a:prstGeom prst="rect">
+            <a:avLst/>
+          </a:prstGeom>
+          <a:noFill/>
+        </p:spPr>
+        <p:txBody>
+          <a:bodyPr wrap="square" rtlCol="1">
+            <a:spAutoFit/>
+          </a:bodyPr>
+          <a:lstStyle/>
+          <a:p>
+            <a:pPr algn="ctr"/>
+            <a:r>
+              <a:rPr lang="en-US" dirty="0" smtClean="0"/>
+              <a:t>SYS STAT= 0</a:t>
+            </a:r>
+            <a:endParaRPr lang="he-IL" dirty="0"/>
+          </a:p>
+        </p:txBody>
+      </p:sp>
+      <p:sp>
+        <p:nvSpPr>
+          <p:cNvPr id="59" name="צורה חופשית 58"/>
+          <p:cNvSpPr/>
+          <p:nvPr/>
+        </p:nvSpPr>
+        <p:spPr>
+          <a:xfrm>
+            <a:off x="2743200" y="5980176"/>
+            <a:ext cx="1810512" cy="384048"/>
+          </a:xfrm>
+          <a:custGeom>
+            <a:avLst/>
+            <a:gdLst>
+              <a:gd name="connsiteX0" fmla="*/ 0 w 1810512"/>
+              <a:gd name="connsiteY0" fmla="*/ 54864 h 384048"/>
+              <a:gd name="connsiteX1" fmla="*/ 877824 w 1810512"/>
+              <a:gd name="connsiteY1" fmla="*/ 374904 h 384048"/>
+              <a:gd name="connsiteX2" fmla="*/ 1810512 w 1810512"/>
+              <a:gd name="connsiteY2" fmla="*/ 0 h 384048"/>
+            </a:gdLst>
+            <a:ahLst/>
+            <a:cxnLst>
+              <a:cxn ang="0">
+                <a:pos x="connsiteX0" y="connsiteY0"/>
+              </a:cxn>
+              <a:cxn ang="0">
+                <a:pos x="connsiteX1" y="connsiteY1"/>
+              </a:cxn>
+              <a:cxn ang="0">
+                <a:pos x="connsiteX2" y="connsiteY2"/>
+              </a:cxn>
+            </a:cxnLst>
+            <a:rect l="l" t="t" r="r" b="b"/>
+            <a:pathLst>
+              <a:path w="1810512" h="384048">
+                <a:moveTo>
+                  <a:pt x="0" y="54864"/>
+                </a:moveTo>
+                <a:cubicBezTo>
+                  <a:pt x="288036" y="219456"/>
+                  <a:pt x="576072" y="384048"/>
+                  <a:pt x="877824" y="374904"/>
+                </a:cubicBezTo>
+                <a:cubicBezTo>
+                  <a:pt x="1179576" y="365760"/>
+                  <a:pt x="1495044" y="182880"/>
+                  <a:pt x="1810512" y="0"/>
+                </a:cubicBezTo>
+              </a:path>
+            </a:pathLst>
+          </a:custGeom>
+          <a:ln w="19050">
+            <a:solidFill>
+              <a:schemeClr val="tx1"/>
+            </a:solidFill>
+            <a:tailEnd type="arrow"/>
+          </a:ln>
+        </p:spPr>
+        <p:style>
+          <a:lnRef idx="1">
+            <a:schemeClr val="accent1"/>
+          </a:lnRef>
+          <a:fillRef idx="0">
+            <a:schemeClr val="accent1"/>
+          </a:fillRef>
+          <a:effectRef idx="0">
+            <a:schemeClr val="accent1"/>
+          </a:effectRef>
+          <a:fontRef idx="minor">
+            <a:schemeClr val="tx1"/>
+          </a:fontRef>
+        </p:style>
+        <p:txBody>
+          <a:bodyPr rtlCol="1" anchor="ctr"/>
+          <a:lstStyle/>
+          <a:p>
+            <a:pPr algn="ctr"/>
+            <a:endParaRPr lang="he-IL"/>
+          </a:p>
+        </p:txBody>
+      </p:sp>
+      <p:sp>
+        <p:nvSpPr>
+          <p:cNvPr id="60" name="TextBox 59"/>
+          <p:cNvSpPr txBox="1"/>
+          <p:nvPr/>
+        </p:nvSpPr>
+        <p:spPr>
+          <a:xfrm>
+            <a:off x="4191000" y="2743200"/>
+            <a:ext cx="1447800" cy="369332"/>
+          </a:xfrm>
+          <a:prstGeom prst="rect">
+            <a:avLst/>
+          </a:prstGeom>
+          <a:noFill/>
+        </p:spPr>
+        <p:txBody>
+          <a:bodyPr wrap="square" rtlCol="1">
+            <a:spAutoFit/>
+          </a:bodyPr>
+          <a:lstStyle/>
+          <a:p>
+            <a:pPr algn="ctr"/>
+            <a:r>
+              <a:rPr lang="en-US" dirty="0" smtClean="0"/>
+              <a:t>SYS STAT= </a:t>
+            </a:r>
+            <a:r>
+              <a:rPr lang="en-US" dirty="0" smtClean="0"/>
+              <a:t>1</a:t>
+            </a:r>
+            <a:endParaRPr lang="he-IL" dirty="0"/>
+          </a:p>
+        </p:txBody>
+      </p:sp>
+      <p:grpSp>
+        <p:nvGrpSpPr>
+          <p:cNvPr id="61" name="Group 12"/>
+          <p:cNvGrpSpPr/>
+          <p:nvPr/>
+        </p:nvGrpSpPr>
+        <p:grpSpPr>
+          <a:xfrm>
+            <a:off x="1828800" y="304800"/>
+            <a:ext cx="1447800" cy="1447800"/>
+            <a:chOff x="2819400" y="990600"/>
+            <a:chExt cx="1447800" cy="1447800"/>
+          </a:xfrm>
+        </p:grpSpPr>
+        <p:sp>
+          <p:nvSpPr>
+            <p:cNvPr id="62" name="Oval 13"/>
+            <p:cNvSpPr/>
+            <p:nvPr/>
+          </p:nvSpPr>
+          <p:spPr>
+            <a:xfrm>
+              <a:off x="2819400" y="990600"/>
+              <a:ext cx="1447800" cy="1447800"/>
+            </a:xfrm>
+            <a:prstGeom prst="ellipse">
+              <a:avLst/>
+            </a:prstGeom>
+            <a:solidFill>
+              <a:schemeClr val="tx2">
+                <a:lumMod val="20000"/>
+                <a:lumOff val="80000"/>
+              </a:schemeClr>
+            </a:solidFill>
+            <a:ln>
+              <a:solidFill>
+                <a:schemeClr val="tx1"/>
+              </a:solidFill>
+            </a:ln>
+          </p:spPr>
+          <p:style>
+            <a:lnRef idx="2">
+              <a:schemeClr val="accent1">
+                <a:shade val="50000"/>
+              </a:schemeClr>
+            </a:lnRef>
+            <a:fillRef idx="1">
+              <a:schemeClr val="accent1"/>
+            </a:fillRef>
+            <a:effectRef idx="0">
+              <a:schemeClr val="accent1"/>
+            </a:effectRef>
+            <a:fontRef idx="minor">
+              <a:schemeClr val="lt1"/>
+            </a:fontRef>
+          </p:style>
+          <p:txBody>
+            <a:bodyPr rtlCol="1" anchor="ctr"/>
+            <a:lstStyle/>
+            <a:p>
+              <a:pPr algn="ctr"/>
+              <a:endParaRPr lang="he-IL"/>
+            </a:p>
+          </p:txBody>
+        </p:sp>
+        <p:sp>
+          <p:nvSpPr>
+            <p:cNvPr id="63" name="TextBox 62"/>
+            <p:cNvSpPr txBox="1"/>
+            <p:nvPr/>
+          </p:nvSpPr>
+          <p:spPr>
+            <a:xfrm>
+              <a:off x="2895600" y="1066800"/>
+              <a:ext cx="1219200" cy="1200329"/>
+            </a:xfrm>
+            <a:prstGeom prst="rect">
+              <a:avLst/>
+            </a:prstGeom>
+            <a:noFill/>
+          </p:spPr>
+          <p:txBody>
+            <a:bodyPr wrap="square" rtlCol="1">
+              <a:spAutoFit/>
+            </a:bodyPr>
+            <a:lstStyle/>
+            <a:p>
+              <a:pPr algn="ctr"/>
+              <a:r>
+                <a:rPr lang="en-US" sz="2400" dirty="0" smtClean="0"/>
+                <a:t>SEND </a:t>
+              </a:r>
+              <a:r>
+                <a:rPr lang="en-US" sz="2400" dirty="0" smtClean="0"/>
+                <a:t>DATA TO </a:t>
+              </a:r>
+              <a:r>
+                <a:rPr lang="en-US" sz="2400" dirty="0" smtClean="0"/>
+                <a:t>RAM</a:t>
+              </a:r>
+              <a:endParaRPr lang="he-IL" sz="2400" dirty="0"/>
+            </a:p>
+          </p:txBody>
+        </p:sp>
+      </p:grpSp>
+      <p:sp>
+        <p:nvSpPr>
+          <p:cNvPr id="64" name="צורה חופשית 63"/>
+          <p:cNvSpPr/>
+          <p:nvPr/>
+        </p:nvSpPr>
+        <p:spPr>
+          <a:xfrm>
+            <a:off x="722376" y="693420"/>
+            <a:ext cx="1152144" cy="522732"/>
+          </a:xfrm>
+          <a:custGeom>
+            <a:avLst/>
+            <a:gdLst>
+              <a:gd name="connsiteX0" fmla="*/ 0 w 1152144"/>
+              <a:gd name="connsiteY0" fmla="*/ 522732 h 522732"/>
+              <a:gd name="connsiteX1" fmla="*/ 310896 w 1152144"/>
+              <a:gd name="connsiteY1" fmla="*/ 74676 h 522732"/>
+              <a:gd name="connsiteX2" fmla="*/ 1152144 w 1152144"/>
+              <a:gd name="connsiteY2" fmla="*/ 74676 h 522732"/>
+            </a:gdLst>
+            <a:ahLst/>
+            <a:cxnLst>
+              <a:cxn ang="0">
+                <a:pos x="connsiteX0" y="connsiteY0"/>
+              </a:cxn>
+              <a:cxn ang="0">
+                <a:pos x="connsiteX1" y="connsiteY1"/>
+              </a:cxn>
+              <a:cxn ang="0">
+                <a:pos x="connsiteX2" y="connsiteY2"/>
+              </a:cxn>
+            </a:cxnLst>
+            <a:rect l="l" t="t" r="r" b="b"/>
+            <a:pathLst>
+              <a:path w="1152144" h="522732">
+                <a:moveTo>
+                  <a:pt x="0" y="522732"/>
+                </a:moveTo>
+                <a:cubicBezTo>
+                  <a:pt x="59436" y="336042"/>
+                  <a:pt x="118872" y="149352"/>
+                  <a:pt x="310896" y="74676"/>
+                </a:cubicBezTo>
+                <a:cubicBezTo>
+                  <a:pt x="502920" y="0"/>
+                  <a:pt x="827532" y="37338"/>
+                  <a:pt x="1152144" y="74676"/>
+                </a:cubicBezTo>
+              </a:path>
+            </a:pathLst>
+          </a:custGeom>
+          <a:ln w="19050">
+            <a:solidFill>
+              <a:schemeClr val="tx1"/>
+            </a:solidFill>
+            <a:tailEnd type="arrow"/>
+          </a:ln>
+        </p:spPr>
+        <p:style>
+          <a:lnRef idx="1">
+            <a:schemeClr val="accent1"/>
+          </a:lnRef>
+          <a:fillRef idx="0">
+            <a:schemeClr val="accent1"/>
+          </a:fillRef>
+          <a:effectRef idx="0">
+            <a:schemeClr val="accent1"/>
+          </a:effectRef>
+          <a:fontRef idx="minor">
+            <a:schemeClr val="tx1"/>
+          </a:fontRef>
+        </p:style>
+        <p:txBody>
+          <a:bodyPr rtlCol="1" anchor="ctr"/>
+          <a:lstStyle/>
+          <a:p>
+            <a:pPr algn="ctr"/>
+            <a:endParaRPr lang="he-IL"/>
+          </a:p>
+        </p:txBody>
+      </p:sp>
+      <p:sp>
+        <p:nvSpPr>
+          <p:cNvPr id="65" name="צורה חופשית 64"/>
+          <p:cNvSpPr/>
+          <p:nvPr/>
+        </p:nvSpPr>
+        <p:spPr>
+          <a:xfrm>
+            <a:off x="2542032" y="1764792"/>
+            <a:ext cx="164592" cy="502920"/>
+          </a:xfrm>
+          <a:custGeom>
+            <a:avLst/>
+            <a:gdLst>
+              <a:gd name="connsiteX0" fmla="*/ 0 w 164592"/>
+              <a:gd name="connsiteY0" fmla="*/ 0 h 502920"/>
+              <a:gd name="connsiteX1" fmla="*/ 164592 w 164592"/>
+              <a:gd name="connsiteY1" fmla="*/ 502920 h 502920"/>
+            </a:gdLst>
+            <a:ahLst/>
+            <a:cxnLst>
+              <a:cxn ang="0">
+                <a:pos x="connsiteX0" y="connsiteY0"/>
+              </a:cxn>
+              <a:cxn ang="0">
+                <a:pos x="connsiteX1" y="connsiteY1"/>
+              </a:cxn>
+            </a:cxnLst>
+            <a:rect l="l" t="t" r="r" b="b"/>
+            <a:pathLst>
+              <a:path w="164592" h="502920">
+                <a:moveTo>
+                  <a:pt x="0" y="0"/>
+                </a:moveTo>
+                <a:lnTo>
+                  <a:pt x="164592" y="502920"/>
+                </a:lnTo>
+              </a:path>
+            </a:pathLst>
+          </a:custGeom>
+          <a:ln w="19050">
+            <a:solidFill>
+              <a:schemeClr val="tx1"/>
+            </a:solidFill>
+            <a:tailEnd type="arrow"/>
+          </a:ln>
+        </p:spPr>
+        <p:style>
+          <a:lnRef idx="1">
+            <a:schemeClr val="accent1"/>
+          </a:lnRef>
+          <a:fillRef idx="0">
+            <a:schemeClr val="accent1"/>
+          </a:fillRef>
+          <a:effectRef idx="0">
+            <a:schemeClr val="accent1"/>
+          </a:effectRef>
+          <a:fontRef idx="minor">
+            <a:schemeClr val="tx1"/>
+          </a:fontRef>
+        </p:style>
+        <p:txBody>
+          <a:bodyPr rtlCol="1" anchor="ctr"/>
+          <a:lstStyle/>
+          <a:p>
+            <a:pPr algn="ctr"/>
+            <a:endParaRPr lang="he-IL"/>
+          </a:p>
+        </p:txBody>
+      </p:sp>
+    </p:spTree>
+  </p:cSld>
+  <p:clrMapOvr>
+    <a:masterClrMapping/>
+  </p:clrMapOvr>
+</p:sld>
+</file>
+
+<file path=ppt/slides/slide3.xml><?xml version="1.0" encoding="utf-8"?>
+<p:sld xmlns:a="http://schemas.openxmlformats.org/drawingml/2006/main" xmlns:r="http://schemas.openxmlformats.org/officeDocument/2006/relationships" xmlns:p="http://schemas.openxmlformats.org/presentationml/2006/main">
+  <p:cSld>
+    <p:spTree>
+      <p:nvGrpSpPr>
+        <p:cNvPr id="1" name=""/>
+        <p:cNvGrpSpPr/>
+        <p:nvPr/>
+      </p:nvGrpSpPr>
+      <p:grpSpPr>
+        <a:xfrm>
+          <a:off x="0" y="0"/>
+          <a:ext cx="0" cy="0"/>
+          <a:chOff x="0" y="0"/>
+          <a:chExt cx="0" cy="0"/>
+        </a:xfrm>
+      </p:grpSpPr>
+      <p:sp>
+        <p:nvSpPr>
+          <p:cNvPr id="4" name="TextBox 3"/>
+          <p:cNvSpPr txBox="1"/>
+          <p:nvPr/>
+        </p:nvSpPr>
+        <p:spPr>
+          <a:xfrm>
+            <a:off x="6858000" y="0"/>
+            <a:ext cx="2286000" cy="646331"/>
+          </a:xfrm>
+          <a:prstGeom prst="rect">
+            <a:avLst/>
+          </a:prstGeom>
+          <a:noFill/>
+        </p:spPr>
+        <p:txBody>
+          <a:bodyPr wrap="square" rtlCol="1">
+            <a:spAutoFit/>
+          </a:bodyPr>
+          <a:lstStyle/>
+          <a:p>
+            <a:pPr algn="ctr"/>
+            <a:r>
+              <a:rPr lang="en-US" dirty="0" smtClean="0"/>
+              <a:t>READ CONTROLLER FSM</a:t>
+            </a:r>
+            <a:endParaRPr lang="he-IL" dirty="0"/>
+          </a:p>
+        </p:txBody>
+      </p:sp>
+      <p:grpSp>
+        <p:nvGrpSpPr>
+          <p:cNvPr id="5" name="Group 4"/>
+          <p:cNvGrpSpPr/>
+          <p:nvPr/>
+        </p:nvGrpSpPr>
+        <p:grpSpPr>
+          <a:xfrm>
+            <a:off x="3810000" y="914400"/>
+            <a:ext cx="1447800" cy="1447800"/>
+            <a:chOff x="2819400" y="990600"/>
+            <a:chExt cx="1447800" cy="1447800"/>
+          </a:xfrm>
+        </p:grpSpPr>
+        <p:sp>
+          <p:nvSpPr>
+            <p:cNvPr id="6" name="Oval 5"/>
+            <p:cNvSpPr/>
+            <p:nvPr/>
+          </p:nvSpPr>
+          <p:spPr>
+            <a:xfrm>
+              <a:off x="2819400" y="990600"/>
+              <a:ext cx="1447800" cy="1447800"/>
+            </a:xfrm>
+            <a:prstGeom prst="ellipse">
+              <a:avLst/>
+            </a:prstGeom>
+            <a:solidFill>
+              <a:schemeClr val="tx2">
+                <a:lumMod val="20000"/>
+                <a:lumOff val="80000"/>
+              </a:schemeClr>
+            </a:solidFill>
+            <a:ln>
+              <a:solidFill>
+                <a:schemeClr val="tx1"/>
+              </a:solidFill>
+            </a:ln>
+          </p:spPr>
+          <p:style>
+            <a:lnRef idx="2">
+              <a:schemeClr val="accent1">
+                <a:shade val="50000"/>
+              </a:schemeClr>
+            </a:lnRef>
+            <a:fillRef idx="1">
+              <a:schemeClr val="accent1"/>
+            </a:fillRef>
+            <a:effectRef idx="0">
+              <a:schemeClr val="accent1"/>
+            </a:effectRef>
+            <a:fontRef idx="minor">
+              <a:schemeClr val="lt1"/>
+            </a:fontRef>
+          </p:style>
+          <p:txBody>
+            <a:bodyPr rtlCol="1" anchor="ctr"/>
+            <a:lstStyle/>
+            <a:p>
+              <a:pPr algn="ctr"/>
+              <a:endParaRPr lang="he-IL"/>
+            </a:p>
+          </p:txBody>
+        </p:sp>
+        <p:sp>
+          <p:nvSpPr>
+            <p:cNvPr id="7" name="TextBox 6"/>
+            <p:cNvSpPr txBox="1"/>
+            <p:nvPr/>
+          </p:nvSpPr>
+          <p:spPr>
+            <a:xfrm>
+              <a:off x="3200400" y="1447800"/>
+              <a:ext cx="838200" cy="461665"/>
+            </a:xfrm>
+            <a:prstGeom prst="rect">
+              <a:avLst/>
+            </a:prstGeom>
+            <a:noFill/>
+          </p:spPr>
+          <p:txBody>
+            <a:bodyPr wrap="square" rtlCol="1">
+              <a:spAutoFit/>
+            </a:bodyPr>
+            <a:lstStyle/>
+            <a:p>
+              <a:r>
+                <a:rPr lang="en-US" sz="2400" dirty="0" smtClean="0"/>
+                <a:t>IDLE</a:t>
+              </a:r>
+              <a:endParaRPr lang="he-IL" sz="2400" dirty="0"/>
+            </a:p>
+          </p:txBody>
+        </p:sp>
+      </p:grpSp>
+      <p:sp>
+        <p:nvSpPr>
+          <p:cNvPr id="8" name="Freeform 7"/>
+          <p:cNvSpPr/>
+          <p:nvPr/>
+        </p:nvSpPr>
+        <p:spPr>
+          <a:xfrm>
+            <a:off x="4203700" y="317500"/>
+            <a:ext cx="1176867" cy="762000"/>
+          </a:xfrm>
+          <a:custGeom>
+            <a:avLst/>
+            <a:gdLst>
+              <a:gd name="connsiteX0" fmla="*/ 762000 w 1176867"/>
+              <a:gd name="connsiteY0" fmla="*/ 762000 h 762000"/>
+              <a:gd name="connsiteX1" fmla="*/ 1092200 w 1176867"/>
+              <a:gd name="connsiteY1" fmla="*/ 139700 h 762000"/>
+              <a:gd name="connsiteX2" fmla="*/ 254000 w 1176867"/>
+              <a:gd name="connsiteY2" fmla="*/ 88900 h 762000"/>
+              <a:gd name="connsiteX3" fmla="*/ 0 w 1176867"/>
+              <a:gd name="connsiteY3" fmla="*/ 673100 h 762000"/>
+              <a:gd name="connsiteX4" fmla="*/ 0 w 1176867"/>
+              <a:gd name="connsiteY4" fmla="*/ 673100 h 762000"/>
+            </a:gdLst>
+            <a:ahLst/>
+            <a:cxnLst>
+              <a:cxn ang="0">
+                <a:pos x="connsiteX0" y="connsiteY0"/>
+              </a:cxn>
+              <a:cxn ang="0">
+                <a:pos x="connsiteX1" y="connsiteY1"/>
+              </a:cxn>
+              <a:cxn ang="0">
+                <a:pos x="connsiteX2" y="connsiteY2"/>
+              </a:cxn>
+              <a:cxn ang="0">
+                <a:pos x="connsiteX3" y="connsiteY3"/>
+              </a:cxn>
+              <a:cxn ang="0">
+                <a:pos x="connsiteX4" y="connsiteY4"/>
+              </a:cxn>
+            </a:cxnLst>
+            <a:rect l="l" t="t" r="r" b="b"/>
+            <a:pathLst>
+              <a:path w="1176867" h="762000">
+                <a:moveTo>
+                  <a:pt x="762000" y="762000"/>
+                </a:moveTo>
+                <a:cubicBezTo>
+                  <a:pt x="969433" y="506941"/>
+                  <a:pt x="1176867" y="251883"/>
+                  <a:pt x="1092200" y="139700"/>
+                </a:cubicBezTo>
+                <a:cubicBezTo>
+                  <a:pt x="1007533" y="27517"/>
+                  <a:pt x="436033" y="0"/>
+                  <a:pt x="254000" y="88900"/>
+                </a:cubicBezTo>
+                <a:cubicBezTo>
+                  <a:pt x="71967" y="177800"/>
+                  <a:pt x="0" y="673100"/>
+                  <a:pt x="0" y="673100"/>
+                </a:cubicBezTo>
+                <a:lnTo>
+                  <a:pt x="0" y="673100"/>
+                </a:lnTo>
+              </a:path>
+            </a:pathLst>
+          </a:custGeom>
+          <a:ln w="19050">
+            <a:solidFill>
+              <a:schemeClr val="tx1"/>
+            </a:solidFill>
+            <a:tailEnd type="arrow"/>
+          </a:ln>
+        </p:spPr>
+        <p:style>
+          <a:lnRef idx="1">
+            <a:schemeClr val="accent1"/>
+          </a:lnRef>
+          <a:fillRef idx="0">
+            <a:schemeClr val="accent1"/>
+          </a:fillRef>
+          <a:effectRef idx="0">
+            <a:schemeClr val="accent1"/>
+          </a:effectRef>
+          <a:fontRef idx="minor">
+            <a:schemeClr val="tx1"/>
+          </a:fontRef>
+        </p:style>
+        <p:txBody>
+          <a:bodyPr rtlCol="1" anchor="ctr"/>
+          <a:lstStyle/>
+          <a:p>
+            <a:pPr algn="ctr"/>
+            <a:endParaRPr lang="he-IL"/>
+          </a:p>
+        </p:txBody>
+      </p:sp>
+      <p:sp>
+        <p:nvSpPr>
+          <p:cNvPr id="9" name="TextBox 8"/>
+          <p:cNvSpPr txBox="1"/>
+          <p:nvPr/>
+        </p:nvSpPr>
+        <p:spPr>
+          <a:xfrm>
+            <a:off x="5257800" y="304800"/>
+            <a:ext cx="1143000" cy="369332"/>
+          </a:xfrm>
+          <a:prstGeom prst="rect">
+            <a:avLst/>
+          </a:prstGeom>
+          <a:noFill/>
+        </p:spPr>
+        <p:txBody>
+          <a:bodyPr wrap="square" rtlCol="1">
+            <a:spAutoFit/>
+          </a:bodyPr>
+          <a:lstStyle/>
+          <a:p>
+            <a:r>
+              <a:rPr lang="en-US" dirty="0" smtClean="0"/>
+              <a:t>RESET = 1</a:t>
+            </a:r>
+            <a:endParaRPr lang="he-IL" dirty="0"/>
+          </a:p>
+        </p:txBody>
+      </p:sp>
+      <p:grpSp>
+        <p:nvGrpSpPr>
+          <p:cNvPr id="10" name="Group 9"/>
+          <p:cNvGrpSpPr/>
+          <p:nvPr/>
+        </p:nvGrpSpPr>
+        <p:grpSpPr>
+          <a:xfrm>
+            <a:off x="762000" y="4831140"/>
+            <a:ext cx="1447800" cy="1569660"/>
+            <a:chOff x="2819400" y="914400"/>
+            <a:chExt cx="1447800" cy="1569660"/>
+          </a:xfrm>
+        </p:grpSpPr>
+        <p:sp>
+          <p:nvSpPr>
+            <p:cNvPr id="11" name="Oval 10"/>
+            <p:cNvSpPr/>
+            <p:nvPr/>
+          </p:nvSpPr>
+          <p:spPr>
+            <a:xfrm>
+              <a:off x="2819400" y="990600"/>
+              <a:ext cx="1447800" cy="1447800"/>
+            </a:xfrm>
+            <a:prstGeom prst="ellipse">
+              <a:avLst/>
+            </a:prstGeom>
+            <a:solidFill>
+              <a:schemeClr val="tx2">
+                <a:lumMod val="20000"/>
+                <a:lumOff val="80000"/>
+              </a:schemeClr>
+            </a:solidFill>
+            <a:ln>
+              <a:solidFill>
+                <a:schemeClr val="tx1"/>
+              </a:solidFill>
+            </a:ln>
+          </p:spPr>
+          <p:style>
+            <a:lnRef idx="2">
+              <a:schemeClr val="accent1">
+                <a:shade val="50000"/>
+              </a:schemeClr>
+            </a:lnRef>
+            <a:fillRef idx="1">
+              <a:schemeClr val="accent1"/>
+            </a:fillRef>
+            <a:effectRef idx="0">
+              <a:schemeClr val="accent1"/>
+            </a:effectRef>
+            <a:fontRef idx="minor">
+              <a:schemeClr val="lt1"/>
+            </a:fontRef>
+          </p:style>
+          <p:txBody>
+            <a:bodyPr rtlCol="1" anchor="ctr"/>
+            <a:lstStyle/>
+            <a:p>
+              <a:pPr algn="ctr"/>
+              <a:endParaRPr lang="he-IL"/>
+            </a:p>
+          </p:txBody>
+        </p:sp>
+        <p:sp>
+          <p:nvSpPr>
+            <p:cNvPr id="12" name="TextBox 11"/>
+            <p:cNvSpPr txBox="1"/>
+            <p:nvPr/>
+          </p:nvSpPr>
+          <p:spPr>
+            <a:xfrm>
+              <a:off x="3048000" y="914400"/>
+              <a:ext cx="990600" cy="1569660"/>
+            </a:xfrm>
+            <a:prstGeom prst="rect">
+              <a:avLst/>
+            </a:prstGeom>
+            <a:noFill/>
+          </p:spPr>
+          <p:txBody>
+            <a:bodyPr wrap="square" rtlCol="1">
+              <a:spAutoFit/>
+            </a:bodyPr>
+            <a:lstStyle/>
+            <a:p>
+              <a:pPr algn="ctr"/>
+              <a:r>
+                <a:rPr lang="en-US" sz="2400" dirty="0" smtClean="0"/>
+                <a:t>CALC DATA OUT ADDR</a:t>
+              </a:r>
+              <a:endParaRPr lang="he-IL" sz="2400" dirty="0"/>
+            </a:p>
+          </p:txBody>
+        </p:sp>
+      </p:grpSp>
+      <p:grpSp>
+        <p:nvGrpSpPr>
+          <p:cNvPr id="13" name="Group 12"/>
+          <p:cNvGrpSpPr/>
+          <p:nvPr/>
+        </p:nvGrpSpPr>
+        <p:grpSpPr>
+          <a:xfrm>
+            <a:off x="914400" y="2209800"/>
+            <a:ext cx="1447800" cy="1447800"/>
+            <a:chOff x="2819400" y="990600"/>
+            <a:chExt cx="1447800" cy="1447800"/>
+          </a:xfrm>
+        </p:grpSpPr>
+        <p:sp>
+          <p:nvSpPr>
+            <p:cNvPr id="14" name="Oval 13"/>
+            <p:cNvSpPr/>
+            <p:nvPr/>
+          </p:nvSpPr>
+          <p:spPr>
+            <a:xfrm>
+              <a:off x="2819400" y="990600"/>
+              <a:ext cx="1447800" cy="1447800"/>
+            </a:xfrm>
+            <a:prstGeom prst="ellipse">
+              <a:avLst/>
+            </a:prstGeom>
+            <a:solidFill>
+              <a:schemeClr val="tx2">
+                <a:lumMod val="20000"/>
+                <a:lumOff val="80000"/>
+              </a:schemeClr>
+            </a:solidFill>
+            <a:ln>
+              <a:solidFill>
+                <a:schemeClr val="tx1"/>
+              </a:solidFill>
+            </a:ln>
+          </p:spPr>
+          <p:style>
+            <a:lnRef idx="2">
+              <a:schemeClr val="accent1">
+                <a:shade val="50000"/>
+              </a:schemeClr>
+            </a:lnRef>
+            <a:fillRef idx="1">
+              <a:schemeClr val="accent1"/>
+            </a:fillRef>
+            <a:effectRef idx="0">
+              <a:schemeClr val="accent1"/>
+            </a:effectRef>
+            <a:fontRef idx="minor">
+              <a:schemeClr val="lt1"/>
+            </a:fontRef>
+          </p:style>
+          <p:txBody>
+            <a:bodyPr rtlCol="1" anchor="ctr"/>
+            <a:lstStyle/>
+            <a:p>
+              <a:pPr algn="ctr"/>
+              <a:endParaRPr lang="he-IL"/>
+            </a:p>
+          </p:txBody>
+        </p:sp>
+        <p:sp>
+          <p:nvSpPr>
+            <p:cNvPr id="15" name="TextBox 14"/>
+            <p:cNvSpPr txBox="1"/>
+            <p:nvPr/>
+          </p:nvSpPr>
+          <p:spPr>
+            <a:xfrm>
+              <a:off x="3048000" y="1085671"/>
+              <a:ext cx="990600" cy="1200329"/>
+            </a:xfrm>
+            <a:prstGeom prst="rect">
+              <a:avLst/>
+            </a:prstGeom>
+            <a:noFill/>
+          </p:spPr>
+          <p:txBody>
+            <a:bodyPr wrap="square" rtlCol="1">
+              <a:spAutoFit/>
+            </a:bodyPr>
+            <a:lstStyle/>
+            <a:p>
+              <a:pPr algn="ctr"/>
+              <a:r>
+                <a:rPr lang="en-US" sz="2400" dirty="0" smtClean="0"/>
+                <a:t>GET TRIG ADDR</a:t>
+              </a:r>
+              <a:endParaRPr lang="he-IL" sz="2400" dirty="0"/>
+            </a:p>
+          </p:txBody>
+        </p:sp>
+      </p:grpSp>
+      <p:grpSp>
+        <p:nvGrpSpPr>
+          <p:cNvPr id="16" name="Group 15"/>
+          <p:cNvGrpSpPr/>
+          <p:nvPr/>
+        </p:nvGrpSpPr>
+        <p:grpSpPr>
+          <a:xfrm>
+            <a:off x="3352800" y="4953000"/>
+            <a:ext cx="1447800" cy="1447800"/>
+            <a:chOff x="2819400" y="990600"/>
+            <a:chExt cx="1447800" cy="1447800"/>
+          </a:xfrm>
+        </p:grpSpPr>
+        <p:sp>
+          <p:nvSpPr>
+            <p:cNvPr id="17" name="Oval 16"/>
+            <p:cNvSpPr/>
+            <p:nvPr/>
+          </p:nvSpPr>
+          <p:spPr>
+            <a:xfrm>
+              <a:off x="2819400" y="990600"/>
+              <a:ext cx="1447800" cy="1447800"/>
+            </a:xfrm>
+            <a:prstGeom prst="ellipse">
+              <a:avLst/>
+            </a:prstGeom>
+            <a:solidFill>
+              <a:schemeClr val="tx2">
+                <a:lumMod val="20000"/>
+                <a:lumOff val="80000"/>
+              </a:schemeClr>
+            </a:solidFill>
+            <a:ln>
+              <a:solidFill>
+                <a:schemeClr val="tx1"/>
+              </a:solidFill>
+            </a:ln>
+          </p:spPr>
+          <p:style>
+            <a:lnRef idx="2">
+              <a:schemeClr val="accent1">
+                <a:shade val="50000"/>
+              </a:schemeClr>
+            </a:lnRef>
+            <a:fillRef idx="1">
+              <a:schemeClr val="accent1"/>
+            </a:fillRef>
+            <a:effectRef idx="0">
+              <a:schemeClr val="accent1"/>
+            </a:effectRef>
+            <a:fontRef idx="minor">
+              <a:schemeClr val="lt1"/>
+            </a:fontRef>
+          </p:style>
+          <p:txBody>
+            <a:bodyPr rtlCol="1" anchor="ctr"/>
+            <a:lstStyle/>
+            <a:p>
+              <a:pPr algn="ctr"/>
+              <a:endParaRPr lang="he-IL"/>
+            </a:p>
+          </p:txBody>
+        </p:sp>
+        <p:sp>
+          <p:nvSpPr>
+            <p:cNvPr id="18" name="TextBox 17"/>
+            <p:cNvSpPr txBox="1"/>
+            <p:nvPr/>
+          </p:nvSpPr>
+          <p:spPr>
+            <a:xfrm>
+              <a:off x="2895600" y="1085671"/>
+              <a:ext cx="1295400" cy="1200329"/>
+            </a:xfrm>
+            <a:prstGeom prst="rect">
+              <a:avLst/>
+            </a:prstGeom>
+            <a:noFill/>
+          </p:spPr>
+          <p:txBody>
+            <a:bodyPr wrap="square" rtlCol="1">
+              <a:spAutoFit/>
+            </a:bodyPr>
+            <a:lstStyle/>
+            <a:p>
+              <a:pPr algn="ctr"/>
+              <a:r>
+                <a:rPr lang="en-US" sz="2400" dirty="0" smtClean="0"/>
+                <a:t>SEND ADDR TO RAM</a:t>
+              </a:r>
+              <a:endParaRPr lang="he-IL" sz="2400" dirty="0"/>
+            </a:p>
+          </p:txBody>
+        </p:sp>
+      </p:grpSp>
+      <p:grpSp>
+        <p:nvGrpSpPr>
+          <p:cNvPr id="19" name="Group 18"/>
+          <p:cNvGrpSpPr/>
+          <p:nvPr/>
+        </p:nvGrpSpPr>
+        <p:grpSpPr>
+          <a:xfrm>
+            <a:off x="6096000" y="4678740"/>
+            <a:ext cx="1447800" cy="1569660"/>
+            <a:chOff x="2819400" y="914400"/>
+            <a:chExt cx="1447800" cy="1569660"/>
+          </a:xfrm>
+        </p:grpSpPr>
+        <p:sp>
+          <p:nvSpPr>
+            <p:cNvPr id="20" name="Oval 19"/>
+            <p:cNvSpPr/>
+            <p:nvPr/>
+          </p:nvSpPr>
+          <p:spPr>
+            <a:xfrm>
+              <a:off x="2819400" y="990600"/>
+              <a:ext cx="1447800" cy="1447800"/>
+            </a:xfrm>
+            <a:prstGeom prst="ellipse">
+              <a:avLst/>
+            </a:prstGeom>
+            <a:solidFill>
+              <a:schemeClr val="tx2">
+                <a:lumMod val="20000"/>
+                <a:lumOff val="80000"/>
+              </a:schemeClr>
+            </a:solidFill>
+            <a:ln>
+              <a:solidFill>
+                <a:schemeClr val="tx1"/>
+              </a:solidFill>
+            </a:ln>
+          </p:spPr>
+          <p:style>
+            <a:lnRef idx="2">
+              <a:schemeClr val="accent1">
+                <a:shade val="50000"/>
+              </a:schemeClr>
+            </a:lnRef>
+            <a:fillRef idx="1">
+              <a:schemeClr val="accent1"/>
+            </a:fillRef>
+            <a:effectRef idx="0">
+              <a:schemeClr val="accent1"/>
+            </a:effectRef>
+            <a:fontRef idx="minor">
+              <a:schemeClr val="lt1"/>
+            </a:fontRef>
+          </p:style>
+          <p:txBody>
+            <a:bodyPr rtlCol="1" anchor="ctr"/>
+            <a:lstStyle/>
+            <a:p>
+              <a:pPr algn="ctr"/>
+              <a:endParaRPr lang="he-IL"/>
+            </a:p>
+          </p:txBody>
+        </p:sp>
+        <p:sp>
+          <p:nvSpPr>
+            <p:cNvPr id="21" name="TextBox 20"/>
+            <p:cNvSpPr txBox="1"/>
+            <p:nvPr/>
+          </p:nvSpPr>
+          <p:spPr>
+            <a:xfrm>
+              <a:off x="2895600" y="914400"/>
+              <a:ext cx="1295400" cy="1569660"/>
+            </a:xfrm>
+            <a:prstGeom prst="rect">
+              <a:avLst/>
+            </a:prstGeom>
+            <a:noFill/>
+          </p:spPr>
+          <p:txBody>
+            <a:bodyPr wrap="square" rtlCol="1">
+              <a:spAutoFit/>
+            </a:bodyPr>
+            <a:lstStyle/>
+            <a:p>
+              <a:pPr algn="ctr"/>
+              <a:r>
+                <a:rPr lang="en-US" sz="2400" dirty="0" smtClean="0"/>
+                <a:t>GET DATA FROM RAM</a:t>
+              </a:r>
+              <a:endParaRPr lang="he-IL" sz="2400" dirty="0"/>
+            </a:p>
+          </p:txBody>
+        </p:sp>
+      </p:grpSp>
+      <p:grpSp>
+        <p:nvGrpSpPr>
+          <p:cNvPr id="22" name="Group 21"/>
+          <p:cNvGrpSpPr/>
+          <p:nvPr/>
+        </p:nvGrpSpPr>
+        <p:grpSpPr>
+          <a:xfrm>
+            <a:off x="6553200" y="2438400"/>
+            <a:ext cx="1447800" cy="1447800"/>
+            <a:chOff x="2819400" y="990600"/>
+            <a:chExt cx="1447800" cy="1447800"/>
+          </a:xfrm>
+        </p:grpSpPr>
+        <p:sp>
+          <p:nvSpPr>
+            <p:cNvPr id="23" name="Oval 22"/>
+            <p:cNvSpPr/>
+            <p:nvPr/>
+          </p:nvSpPr>
+          <p:spPr>
+            <a:xfrm>
+              <a:off x="2819400" y="990600"/>
+              <a:ext cx="1447800" cy="1447800"/>
+            </a:xfrm>
+            <a:prstGeom prst="ellipse">
+              <a:avLst/>
+            </a:prstGeom>
+            <a:solidFill>
+              <a:schemeClr val="tx2">
+                <a:lumMod val="20000"/>
+                <a:lumOff val="80000"/>
+              </a:schemeClr>
+            </a:solidFill>
+            <a:ln>
+              <a:solidFill>
+                <a:schemeClr val="tx1"/>
+              </a:solidFill>
+            </a:ln>
+          </p:spPr>
+          <p:style>
+            <a:lnRef idx="2">
+              <a:schemeClr val="accent1">
+                <a:shade val="50000"/>
+              </a:schemeClr>
+            </a:lnRef>
+            <a:fillRef idx="1">
+              <a:schemeClr val="accent1"/>
+            </a:fillRef>
+            <a:effectRef idx="0">
+              <a:schemeClr val="accent1"/>
+            </a:effectRef>
+            <a:fontRef idx="minor">
+              <a:schemeClr val="lt1"/>
+            </a:fontRef>
+          </p:style>
+          <p:txBody>
+            <a:bodyPr rtlCol="1" anchor="ctr"/>
+            <a:lstStyle/>
+            <a:p>
+              <a:pPr algn="ctr"/>
+              <a:endParaRPr lang="he-IL"/>
+            </a:p>
+          </p:txBody>
+        </p:sp>
+        <p:sp>
+          <p:nvSpPr>
+            <p:cNvPr id="24" name="TextBox 23"/>
+            <p:cNvSpPr txBox="1"/>
+            <p:nvPr/>
+          </p:nvSpPr>
+          <p:spPr>
+            <a:xfrm>
+              <a:off x="2895600" y="1085671"/>
+              <a:ext cx="1295400" cy="1200329"/>
+            </a:xfrm>
+            <a:prstGeom prst="rect">
+              <a:avLst/>
+            </a:prstGeom>
+            <a:noFill/>
+          </p:spPr>
+          <p:txBody>
+            <a:bodyPr wrap="square" rtlCol="1">
+              <a:spAutoFit/>
+            </a:bodyPr>
+            <a:lstStyle/>
+            <a:p>
+              <a:pPr algn="ctr"/>
+              <a:r>
+                <a:rPr lang="en-US" sz="2400" dirty="0" smtClean="0"/>
+                <a:t>SEND DATA TO WBM</a:t>
+              </a:r>
+              <a:endParaRPr lang="he-IL" sz="2400" dirty="0"/>
+            </a:p>
+          </p:txBody>
+        </p:sp>
+      </p:grpSp>
+      <p:sp>
+        <p:nvSpPr>
+          <p:cNvPr id="25" name="Freeform 24"/>
+          <p:cNvSpPr/>
+          <p:nvPr/>
+        </p:nvSpPr>
+        <p:spPr>
+          <a:xfrm rot="10800000">
+            <a:off x="2057401" y="1524000"/>
+            <a:ext cx="1727200" cy="787400"/>
+          </a:xfrm>
+          <a:custGeom>
+            <a:avLst/>
+            <a:gdLst>
+              <a:gd name="connsiteX0" fmla="*/ 1727200 w 1727200"/>
+              <a:gd name="connsiteY0" fmla="*/ 0 h 787400"/>
+              <a:gd name="connsiteX1" fmla="*/ 1130300 w 1727200"/>
+              <a:gd name="connsiteY1" fmla="*/ 571500 h 787400"/>
+              <a:gd name="connsiteX2" fmla="*/ 0 w 1727200"/>
+              <a:gd name="connsiteY2" fmla="*/ 787400 h 787400"/>
+            </a:gdLst>
+            <a:ahLst/>
+            <a:cxnLst>
+              <a:cxn ang="0">
+                <a:pos x="connsiteX0" y="connsiteY0"/>
+              </a:cxn>
+              <a:cxn ang="0">
+                <a:pos x="connsiteX1" y="connsiteY1"/>
+              </a:cxn>
+              <a:cxn ang="0">
+                <a:pos x="connsiteX2" y="connsiteY2"/>
+              </a:cxn>
+            </a:cxnLst>
+            <a:rect l="l" t="t" r="r" b="b"/>
+            <a:pathLst>
+              <a:path w="1727200" h="787400">
+                <a:moveTo>
+                  <a:pt x="1727200" y="0"/>
+                </a:moveTo>
+                <a:cubicBezTo>
+                  <a:pt x="1572683" y="220133"/>
+                  <a:pt x="1418167" y="440267"/>
+                  <a:pt x="1130300" y="571500"/>
+                </a:cubicBezTo>
+                <a:cubicBezTo>
+                  <a:pt x="842433" y="702733"/>
+                  <a:pt x="421216" y="745066"/>
+                  <a:pt x="0" y="787400"/>
+                </a:cubicBezTo>
+              </a:path>
+            </a:pathLst>
+          </a:custGeom>
+          <a:ln w="19050">
+            <a:solidFill>
+              <a:schemeClr val="tx1"/>
+            </a:solidFill>
+            <a:headEnd type="arrow"/>
+            <a:tailEnd type="none"/>
+          </a:ln>
+        </p:spPr>
+        <p:style>
+          <a:lnRef idx="1">
+            <a:schemeClr val="accent1"/>
+          </a:lnRef>
+          <a:fillRef idx="0">
+            <a:schemeClr val="accent1"/>
+          </a:fillRef>
+          <a:effectRef idx="0">
+            <a:schemeClr val="accent1"/>
+          </a:effectRef>
+          <a:fontRef idx="minor">
+            <a:schemeClr val="tx1"/>
+          </a:fontRef>
+        </p:style>
+        <p:txBody>
+          <a:bodyPr rtlCol="1" anchor="ctr"/>
+          <a:lstStyle/>
+          <a:p>
+            <a:pPr algn="ctr"/>
+            <a:endParaRPr lang="he-IL"/>
+          </a:p>
+        </p:txBody>
+      </p:sp>
+      <p:sp>
+        <p:nvSpPr>
+          <p:cNvPr id="26" name="TextBox 25"/>
+          <p:cNvSpPr txBox="1"/>
+          <p:nvPr/>
+        </p:nvSpPr>
+        <p:spPr>
+          <a:xfrm rot="19687509">
+            <a:off x="1794173" y="1349297"/>
+            <a:ext cx="1752600" cy="369332"/>
+          </a:xfrm>
+          <a:prstGeom prst="rect">
+            <a:avLst/>
+          </a:prstGeom>
+          <a:noFill/>
+        </p:spPr>
+        <p:txBody>
+          <a:bodyPr wrap="square" rtlCol="1">
+            <a:spAutoFit/>
+          </a:bodyPr>
+          <a:lstStyle/>
+          <a:p>
+            <a:pPr algn="ctr"/>
+            <a:r>
+              <a:rPr lang="en-US" dirty="0" smtClean="0"/>
+              <a:t>TRIG FOUND = 1</a:t>
+            </a:r>
+            <a:endParaRPr lang="he-IL" dirty="0"/>
+          </a:p>
+        </p:txBody>
+      </p:sp>
+      <p:sp>
+        <p:nvSpPr>
+          <p:cNvPr id="28" name="Freeform 27"/>
+          <p:cNvSpPr/>
+          <p:nvPr/>
+        </p:nvSpPr>
+        <p:spPr>
+          <a:xfrm>
+            <a:off x="1574800" y="3670300"/>
+            <a:ext cx="361950" cy="1257300"/>
+          </a:xfrm>
+          <a:custGeom>
+            <a:avLst/>
+            <a:gdLst>
+              <a:gd name="connsiteX0" fmla="*/ 0 w 361950"/>
+              <a:gd name="connsiteY0" fmla="*/ 0 h 1257300"/>
+              <a:gd name="connsiteX1" fmla="*/ 342900 w 361950"/>
+              <a:gd name="connsiteY1" fmla="*/ 558800 h 1257300"/>
+              <a:gd name="connsiteX2" fmla="*/ 114300 w 361950"/>
+              <a:gd name="connsiteY2" fmla="*/ 1257300 h 1257300"/>
+            </a:gdLst>
+            <a:ahLst/>
+            <a:cxnLst>
+              <a:cxn ang="0">
+                <a:pos x="connsiteX0" y="connsiteY0"/>
+              </a:cxn>
+              <a:cxn ang="0">
+                <a:pos x="connsiteX1" y="connsiteY1"/>
+              </a:cxn>
+              <a:cxn ang="0">
+                <a:pos x="connsiteX2" y="connsiteY2"/>
+              </a:cxn>
+            </a:cxnLst>
+            <a:rect l="l" t="t" r="r" b="b"/>
+            <a:pathLst>
+              <a:path w="361950" h="1257300">
+                <a:moveTo>
+                  <a:pt x="0" y="0"/>
+                </a:moveTo>
+                <a:cubicBezTo>
+                  <a:pt x="161925" y="174625"/>
+                  <a:pt x="323850" y="349250"/>
+                  <a:pt x="342900" y="558800"/>
+                </a:cubicBezTo>
+                <a:cubicBezTo>
+                  <a:pt x="361950" y="768350"/>
+                  <a:pt x="238125" y="1012825"/>
+                  <a:pt x="114300" y="1257300"/>
+                </a:cubicBezTo>
+              </a:path>
+            </a:pathLst>
+          </a:custGeom>
+          <a:ln w="19050">
+            <a:solidFill>
+              <a:schemeClr val="tx1"/>
+            </a:solidFill>
+            <a:tailEnd type="arrow"/>
+          </a:ln>
+        </p:spPr>
+        <p:style>
+          <a:lnRef idx="1">
+            <a:schemeClr val="accent1"/>
+          </a:lnRef>
+          <a:fillRef idx="0">
+            <a:schemeClr val="accent1"/>
+          </a:fillRef>
+          <a:effectRef idx="0">
+            <a:schemeClr val="accent1"/>
+          </a:effectRef>
+          <a:fontRef idx="minor">
+            <a:schemeClr val="tx1"/>
+          </a:fontRef>
+        </p:style>
+        <p:txBody>
+          <a:bodyPr rtlCol="1" anchor="ctr"/>
+          <a:lstStyle/>
+          <a:p>
+            <a:pPr algn="ctr"/>
+            <a:endParaRPr lang="he-IL"/>
+          </a:p>
+        </p:txBody>
+      </p:sp>
+      <p:sp>
+        <p:nvSpPr>
+          <p:cNvPr id="29" name="Freeform 28"/>
+          <p:cNvSpPr/>
+          <p:nvPr/>
+        </p:nvSpPr>
+        <p:spPr>
+          <a:xfrm>
+            <a:off x="2209800" y="5410200"/>
+            <a:ext cx="1143000" cy="266700"/>
+          </a:xfrm>
+          <a:custGeom>
+            <a:avLst/>
+            <a:gdLst>
+              <a:gd name="connsiteX0" fmla="*/ 0 w 1143000"/>
+              <a:gd name="connsiteY0" fmla="*/ 266700 h 266700"/>
+              <a:gd name="connsiteX1" fmla="*/ 520700 w 1143000"/>
+              <a:gd name="connsiteY1" fmla="*/ 0 h 266700"/>
+              <a:gd name="connsiteX2" fmla="*/ 1143000 w 1143000"/>
+              <a:gd name="connsiteY2" fmla="*/ 266700 h 266700"/>
+            </a:gdLst>
+            <a:ahLst/>
+            <a:cxnLst>
+              <a:cxn ang="0">
+                <a:pos x="connsiteX0" y="connsiteY0"/>
+              </a:cxn>
+              <a:cxn ang="0">
+                <a:pos x="connsiteX1" y="connsiteY1"/>
+              </a:cxn>
+              <a:cxn ang="0">
+                <a:pos x="connsiteX2" y="connsiteY2"/>
+              </a:cxn>
+            </a:cxnLst>
+            <a:rect l="l" t="t" r="r" b="b"/>
+            <a:pathLst>
+              <a:path w="1143000" h="266700">
+                <a:moveTo>
+                  <a:pt x="0" y="266700"/>
+                </a:moveTo>
+                <a:cubicBezTo>
+                  <a:pt x="165100" y="133350"/>
+                  <a:pt x="330200" y="0"/>
+                  <a:pt x="520700" y="0"/>
+                </a:cubicBezTo>
+                <a:cubicBezTo>
+                  <a:pt x="711200" y="0"/>
+                  <a:pt x="927100" y="133350"/>
+                  <a:pt x="1143000" y="266700"/>
+                </a:cubicBezTo>
+              </a:path>
+            </a:pathLst>
+          </a:custGeom>
+          <a:ln w="19050">
+            <a:solidFill>
+              <a:schemeClr val="tx1"/>
+            </a:solidFill>
+            <a:tailEnd type="arrow"/>
+          </a:ln>
+        </p:spPr>
+        <p:style>
+          <a:lnRef idx="1">
+            <a:schemeClr val="accent1"/>
+          </a:lnRef>
+          <a:fillRef idx="0">
+            <a:schemeClr val="accent1"/>
+          </a:fillRef>
+          <a:effectRef idx="0">
+            <a:schemeClr val="accent1"/>
+          </a:effectRef>
+          <a:fontRef idx="minor">
+            <a:schemeClr val="tx1"/>
+          </a:fontRef>
+        </p:style>
+        <p:txBody>
+          <a:bodyPr rtlCol="1" anchor="ctr"/>
+          <a:lstStyle/>
+          <a:p>
+            <a:pPr algn="ctr"/>
+            <a:endParaRPr lang="he-IL"/>
+          </a:p>
+        </p:txBody>
+      </p:sp>
+      <p:sp>
+        <p:nvSpPr>
+          <p:cNvPr id="33" name="TextBox 32"/>
+          <p:cNvSpPr txBox="1"/>
+          <p:nvPr/>
+        </p:nvSpPr>
+        <p:spPr>
+          <a:xfrm>
+            <a:off x="4038600" y="0"/>
+            <a:ext cx="1752600" cy="369332"/>
+          </a:xfrm>
+          <a:prstGeom prst="rect">
+            <a:avLst/>
+          </a:prstGeom>
+          <a:noFill/>
+        </p:spPr>
+        <p:txBody>
+          <a:bodyPr wrap="square" rtlCol="1">
+            <a:spAutoFit/>
+          </a:bodyPr>
+          <a:lstStyle/>
+          <a:p>
+            <a:pPr algn="ctr"/>
+            <a:r>
+              <a:rPr lang="en-US" dirty="0" smtClean="0"/>
+              <a:t>TRIG FOUND = 0</a:t>
+            </a:r>
+            <a:endParaRPr lang="he-IL" dirty="0"/>
+          </a:p>
+        </p:txBody>
+      </p:sp>
+      <p:grpSp>
+        <p:nvGrpSpPr>
+          <p:cNvPr id="34" name="Group 9"/>
+          <p:cNvGrpSpPr/>
+          <p:nvPr/>
+        </p:nvGrpSpPr>
+        <p:grpSpPr>
+          <a:xfrm>
+            <a:off x="3505200" y="2743200"/>
+            <a:ext cx="1447800" cy="1447800"/>
+            <a:chOff x="2819400" y="990600"/>
+            <a:chExt cx="1447800" cy="1447800"/>
+          </a:xfrm>
+        </p:grpSpPr>
+        <p:sp>
+          <p:nvSpPr>
+            <p:cNvPr id="35" name="Oval 10"/>
+            <p:cNvSpPr/>
+            <p:nvPr/>
+          </p:nvSpPr>
+          <p:spPr>
+            <a:xfrm>
+              <a:off x="2819400" y="990600"/>
+              <a:ext cx="1447800" cy="1447800"/>
+            </a:xfrm>
+            <a:prstGeom prst="ellipse">
+              <a:avLst/>
+            </a:prstGeom>
+            <a:solidFill>
+              <a:schemeClr val="tx2">
+                <a:lumMod val="20000"/>
+                <a:lumOff val="80000"/>
+              </a:schemeClr>
+            </a:solidFill>
+            <a:ln>
+              <a:solidFill>
+                <a:schemeClr val="tx1"/>
+              </a:solidFill>
+            </a:ln>
+          </p:spPr>
+          <p:style>
+            <a:lnRef idx="2">
+              <a:schemeClr val="accent1">
+                <a:shade val="50000"/>
+              </a:schemeClr>
+            </a:lnRef>
+            <a:fillRef idx="1">
+              <a:schemeClr val="accent1"/>
+            </a:fillRef>
+            <a:effectRef idx="0">
+              <a:schemeClr val="accent1"/>
+            </a:effectRef>
+            <a:fontRef idx="minor">
+              <a:schemeClr val="lt1"/>
+            </a:fontRef>
+          </p:style>
+          <p:txBody>
+            <a:bodyPr rtlCol="1" anchor="ctr"/>
+            <a:lstStyle/>
+            <a:p>
+              <a:pPr algn="ctr"/>
+              <a:endParaRPr lang="he-IL"/>
+            </a:p>
+          </p:txBody>
+        </p:sp>
+        <p:sp>
+          <p:nvSpPr>
+            <p:cNvPr id="36" name="TextBox 35"/>
+            <p:cNvSpPr txBox="1"/>
+            <p:nvPr/>
+          </p:nvSpPr>
+          <p:spPr>
+            <a:xfrm>
+              <a:off x="3048000" y="1085671"/>
+              <a:ext cx="1066800" cy="1200329"/>
+            </a:xfrm>
+            <a:prstGeom prst="rect">
+              <a:avLst/>
+            </a:prstGeom>
+            <a:noFill/>
+          </p:spPr>
+          <p:txBody>
+            <a:bodyPr wrap="square" rtlCol="1">
+              <a:spAutoFit/>
+            </a:bodyPr>
+            <a:lstStyle/>
+            <a:p>
+              <a:pPr algn="ctr"/>
+              <a:r>
+                <a:rPr lang="en-US" sz="2400" dirty="0" smtClean="0"/>
+                <a:t>CHECK IF FINISH</a:t>
+              </a:r>
+              <a:endParaRPr lang="he-IL" sz="2400" dirty="0"/>
+            </a:p>
+          </p:txBody>
+        </p:sp>
+      </p:grpSp>
+      <p:sp>
+        <p:nvSpPr>
+          <p:cNvPr id="38" name="צורה חופשית 37"/>
+          <p:cNvSpPr/>
+          <p:nvPr/>
+        </p:nvSpPr>
+        <p:spPr>
+          <a:xfrm>
+            <a:off x="4946904" y="3529584"/>
+            <a:ext cx="1691640" cy="504444"/>
+          </a:xfrm>
+          <a:custGeom>
+            <a:avLst/>
+            <a:gdLst>
+              <a:gd name="connsiteX0" fmla="*/ 1691640 w 1691640"/>
+              <a:gd name="connsiteY0" fmla="*/ 0 h 504444"/>
+              <a:gd name="connsiteX1" fmla="*/ 1024128 w 1691640"/>
+              <a:gd name="connsiteY1" fmla="*/ 484632 h 504444"/>
+              <a:gd name="connsiteX2" fmla="*/ 0 w 1691640"/>
+              <a:gd name="connsiteY2" fmla="*/ 118872 h 504444"/>
+            </a:gdLst>
+            <a:ahLst/>
+            <a:cxnLst>
+              <a:cxn ang="0">
+                <a:pos x="connsiteX0" y="connsiteY0"/>
+              </a:cxn>
+              <a:cxn ang="0">
+                <a:pos x="connsiteX1" y="connsiteY1"/>
+              </a:cxn>
+              <a:cxn ang="0">
+                <a:pos x="connsiteX2" y="connsiteY2"/>
+              </a:cxn>
+            </a:cxnLst>
+            <a:rect l="l" t="t" r="r" b="b"/>
+            <a:pathLst>
+              <a:path w="1691640" h="504444">
+                <a:moveTo>
+                  <a:pt x="1691640" y="0"/>
+                </a:moveTo>
+                <a:cubicBezTo>
+                  <a:pt x="1498854" y="232410"/>
+                  <a:pt x="1306068" y="464820"/>
+                  <a:pt x="1024128" y="484632"/>
+                </a:cubicBezTo>
+                <a:cubicBezTo>
+                  <a:pt x="742188" y="504444"/>
+                  <a:pt x="0" y="118872"/>
+                  <a:pt x="0" y="118872"/>
+                </a:cubicBezTo>
+              </a:path>
+            </a:pathLst>
+          </a:custGeom>
+          <a:ln w="19050">
+            <a:solidFill>
+              <a:schemeClr val="tx1"/>
+            </a:solidFill>
+            <a:tailEnd type="arrow"/>
+          </a:ln>
+        </p:spPr>
+        <p:style>
+          <a:lnRef idx="1">
+            <a:schemeClr val="accent1"/>
+          </a:lnRef>
+          <a:fillRef idx="0">
+            <a:schemeClr val="accent1"/>
+          </a:fillRef>
+          <a:effectRef idx="0">
+            <a:schemeClr val="accent1"/>
+          </a:effectRef>
+          <a:fontRef idx="minor">
+            <a:schemeClr val="tx1"/>
+          </a:fontRef>
+        </p:style>
+        <p:txBody>
+          <a:bodyPr rtlCol="1" anchor="ctr"/>
+          <a:lstStyle/>
+          <a:p>
+            <a:pPr algn="ctr"/>
+            <a:endParaRPr lang="he-IL"/>
+          </a:p>
+        </p:txBody>
+      </p:sp>
+      <p:sp>
+        <p:nvSpPr>
+          <p:cNvPr id="39" name="צורה חופשית 38"/>
+          <p:cNvSpPr/>
+          <p:nvPr/>
+        </p:nvSpPr>
+        <p:spPr>
+          <a:xfrm>
+            <a:off x="2029968" y="3794760"/>
+            <a:ext cx="1545336" cy="1344168"/>
+          </a:xfrm>
+          <a:custGeom>
+            <a:avLst/>
+            <a:gdLst>
+              <a:gd name="connsiteX0" fmla="*/ 1545336 w 1545336"/>
+              <a:gd name="connsiteY0" fmla="*/ 0 h 1344168"/>
+              <a:gd name="connsiteX1" fmla="*/ 0 w 1545336"/>
+              <a:gd name="connsiteY1" fmla="*/ 1344168 h 1344168"/>
+            </a:gdLst>
+            <a:ahLst/>
+            <a:cxnLst>
+              <a:cxn ang="0">
+                <a:pos x="connsiteX0" y="connsiteY0"/>
+              </a:cxn>
+              <a:cxn ang="0">
+                <a:pos x="connsiteX1" y="connsiteY1"/>
+              </a:cxn>
+            </a:cxnLst>
+            <a:rect l="l" t="t" r="r" b="b"/>
+            <a:pathLst>
+              <a:path w="1545336" h="1344168">
+                <a:moveTo>
+                  <a:pt x="1545336" y="0"/>
+                </a:moveTo>
+                <a:lnTo>
+                  <a:pt x="0" y="1344168"/>
+                </a:lnTo>
+              </a:path>
+            </a:pathLst>
+          </a:custGeom>
+          <a:ln w="19050">
+            <a:solidFill>
+              <a:schemeClr val="tx1"/>
+            </a:solidFill>
+            <a:tailEnd type="arrow"/>
+          </a:ln>
+        </p:spPr>
+        <p:style>
+          <a:lnRef idx="1">
+            <a:schemeClr val="accent1"/>
+          </a:lnRef>
+          <a:fillRef idx="0">
+            <a:schemeClr val="accent1"/>
+          </a:fillRef>
+          <a:effectRef idx="0">
+            <a:schemeClr val="accent1"/>
+          </a:effectRef>
+          <a:fontRef idx="minor">
+            <a:schemeClr val="tx1"/>
+          </a:fontRef>
+        </p:style>
+        <p:txBody>
+          <a:bodyPr rtlCol="1" anchor="ctr"/>
+          <a:lstStyle/>
+          <a:p>
+            <a:pPr algn="ctr"/>
+            <a:endParaRPr lang="he-IL"/>
+          </a:p>
+        </p:txBody>
+      </p:sp>
+      <p:sp>
+        <p:nvSpPr>
+          <p:cNvPr id="40" name="צורה חופשית 39"/>
+          <p:cNvSpPr/>
+          <p:nvPr/>
+        </p:nvSpPr>
+        <p:spPr>
+          <a:xfrm>
+            <a:off x="4873752" y="1993392"/>
+            <a:ext cx="765048" cy="1143000"/>
+          </a:xfrm>
+          <a:custGeom>
+            <a:avLst/>
+            <a:gdLst>
+              <a:gd name="connsiteX0" fmla="*/ 0 w 765048"/>
+              <a:gd name="connsiteY0" fmla="*/ 1143000 h 1143000"/>
+              <a:gd name="connsiteX1" fmla="*/ 713232 w 765048"/>
+              <a:gd name="connsiteY1" fmla="*/ 621792 h 1143000"/>
+              <a:gd name="connsiteX2" fmla="*/ 310896 w 765048"/>
+              <a:gd name="connsiteY2" fmla="*/ 0 h 1143000"/>
+            </a:gdLst>
+            <a:ahLst/>
+            <a:cxnLst>
+              <a:cxn ang="0">
+                <a:pos x="connsiteX0" y="connsiteY0"/>
+              </a:cxn>
+              <a:cxn ang="0">
+                <a:pos x="connsiteX1" y="connsiteY1"/>
+              </a:cxn>
+              <a:cxn ang="0">
+                <a:pos x="connsiteX2" y="connsiteY2"/>
+              </a:cxn>
+            </a:cxnLst>
+            <a:rect l="l" t="t" r="r" b="b"/>
+            <a:pathLst>
+              <a:path w="765048" h="1143000">
+                <a:moveTo>
+                  <a:pt x="0" y="1143000"/>
+                </a:moveTo>
+                <a:cubicBezTo>
+                  <a:pt x="330708" y="977646"/>
+                  <a:pt x="661416" y="812292"/>
+                  <a:pt x="713232" y="621792"/>
+                </a:cubicBezTo>
+                <a:cubicBezTo>
+                  <a:pt x="765048" y="431292"/>
+                  <a:pt x="537972" y="215646"/>
+                  <a:pt x="310896" y="0"/>
+                </a:cubicBezTo>
+              </a:path>
+            </a:pathLst>
+          </a:custGeom>
+          <a:ln w="19050">
+            <a:solidFill>
+              <a:schemeClr val="tx1"/>
+            </a:solidFill>
+            <a:tailEnd type="arrow"/>
+          </a:ln>
+        </p:spPr>
+        <p:style>
+          <a:lnRef idx="1">
+            <a:schemeClr val="accent1"/>
+          </a:lnRef>
+          <a:fillRef idx="0">
+            <a:schemeClr val="accent1"/>
+          </a:fillRef>
+          <a:effectRef idx="0">
+            <a:schemeClr val="accent1"/>
+          </a:effectRef>
+          <a:fontRef idx="minor">
+            <a:schemeClr val="tx1"/>
+          </a:fontRef>
+        </p:style>
+        <p:txBody>
+          <a:bodyPr rtlCol="1" anchor="ctr"/>
+          <a:lstStyle/>
+          <a:p>
+            <a:pPr algn="ctr"/>
+            <a:endParaRPr lang="he-IL"/>
+          </a:p>
+        </p:txBody>
+      </p:sp>
+      <p:sp>
+        <p:nvSpPr>
+          <p:cNvPr id="41" name="TextBox 40"/>
+          <p:cNvSpPr txBox="1"/>
+          <p:nvPr/>
+        </p:nvSpPr>
+        <p:spPr>
+          <a:xfrm>
+            <a:off x="5334000" y="1916668"/>
+            <a:ext cx="1143000" cy="369332"/>
+          </a:xfrm>
+          <a:prstGeom prst="rect">
+            <a:avLst/>
+          </a:prstGeom>
+          <a:noFill/>
+        </p:spPr>
+        <p:txBody>
+          <a:bodyPr wrap="square" rtlCol="1">
+            <a:spAutoFit/>
+          </a:bodyPr>
+          <a:lstStyle/>
+          <a:p>
+            <a:r>
+              <a:rPr lang="en-US" dirty="0" smtClean="0"/>
+              <a:t>FINISH </a:t>
+            </a:r>
+            <a:r>
+              <a:rPr lang="en-US" dirty="0" smtClean="0"/>
+              <a:t>= 1</a:t>
+            </a:r>
+            <a:endParaRPr lang="he-IL" dirty="0"/>
+          </a:p>
+        </p:txBody>
+      </p:sp>
+      <p:sp>
+        <p:nvSpPr>
+          <p:cNvPr id="42" name="TextBox 41"/>
+          <p:cNvSpPr txBox="1"/>
+          <p:nvPr/>
+        </p:nvSpPr>
+        <p:spPr>
+          <a:xfrm rot="19053522">
+            <a:off x="2173887" y="4159122"/>
+            <a:ext cx="1143000" cy="369332"/>
+          </a:xfrm>
+          <a:prstGeom prst="rect">
+            <a:avLst/>
+          </a:prstGeom>
+          <a:noFill/>
+        </p:spPr>
+        <p:txBody>
+          <a:bodyPr wrap="square" rtlCol="1">
+            <a:spAutoFit/>
+          </a:bodyPr>
+          <a:lstStyle/>
+          <a:p>
+            <a:r>
+              <a:rPr lang="en-US" dirty="0" smtClean="0"/>
+              <a:t>FINISH </a:t>
+            </a:r>
+            <a:r>
+              <a:rPr lang="en-US" dirty="0" smtClean="0"/>
+              <a:t>= </a:t>
+            </a:r>
+            <a:r>
+              <a:rPr lang="en-US" dirty="0" smtClean="0"/>
+              <a:t>0</a:t>
+            </a:r>
+            <a:endParaRPr lang="he-IL" dirty="0"/>
+          </a:p>
+        </p:txBody>
+      </p:sp>
+      <p:sp>
+        <p:nvSpPr>
+          <p:cNvPr id="43" name="TextBox 42"/>
+          <p:cNvSpPr txBox="1"/>
+          <p:nvPr/>
+        </p:nvSpPr>
+        <p:spPr>
+          <a:xfrm rot="3070977">
+            <a:off x="7455668" y="4106203"/>
+            <a:ext cx="1524000" cy="369332"/>
+          </a:xfrm>
+          <a:prstGeom prst="rect">
+            <a:avLst/>
+          </a:prstGeom>
+          <a:noFill/>
+        </p:spPr>
+        <p:txBody>
+          <a:bodyPr wrap="square" rtlCol="1">
+            <a:spAutoFit/>
+          </a:bodyPr>
+          <a:lstStyle/>
+          <a:p>
+            <a:r>
+              <a:rPr lang="en-US" dirty="0" err="1" smtClean="0"/>
+              <a:t>Dout</a:t>
+            </a:r>
+            <a:r>
+              <a:rPr lang="en-US" dirty="0" smtClean="0"/>
+              <a:t> valid </a:t>
+            </a:r>
+            <a:r>
+              <a:rPr lang="en-US" dirty="0" smtClean="0"/>
+              <a:t>= 1</a:t>
+            </a:r>
+            <a:endParaRPr lang="he-IL" dirty="0"/>
+          </a:p>
+        </p:txBody>
+      </p:sp>
+      <p:sp>
+        <p:nvSpPr>
+          <p:cNvPr id="44" name="TextBox 43"/>
+          <p:cNvSpPr txBox="1"/>
+          <p:nvPr/>
+        </p:nvSpPr>
+        <p:spPr>
+          <a:xfrm rot="1921020">
+            <a:off x="7525798" y="5579367"/>
+            <a:ext cx="1524000" cy="369332"/>
+          </a:xfrm>
+          <a:prstGeom prst="rect">
+            <a:avLst/>
+          </a:prstGeom>
+          <a:noFill/>
+        </p:spPr>
+        <p:txBody>
+          <a:bodyPr wrap="square" rtlCol="1">
+            <a:spAutoFit/>
+          </a:bodyPr>
+          <a:lstStyle/>
+          <a:p>
+            <a:r>
+              <a:rPr lang="en-US" dirty="0" err="1" smtClean="0"/>
+              <a:t>Dout</a:t>
+            </a:r>
+            <a:r>
+              <a:rPr lang="en-US" dirty="0" smtClean="0"/>
+              <a:t> valid </a:t>
+            </a:r>
+            <a:r>
+              <a:rPr lang="en-US" dirty="0" smtClean="0"/>
+              <a:t>= </a:t>
+            </a:r>
+            <a:r>
+              <a:rPr lang="en-US" dirty="0" smtClean="0"/>
+              <a:t>0</a:t>
+            </a:r>
+            <a:endParaRPr lang="he-IL" dirty="0"/>
+          </a:p>
+        </p:txBody>
+      </p:sp>
+      <p:sp>
+        <p:nvSpPr>
+          <p:cNvPr id="46" name="צורה חופשית 45"/>
+          <p:cNvSpPr/>
+          <p:nvPr/>
+        </p:nvSpPr>
+        <p:spPr>
+          <a:xfrm>
+            <a:off x="4809744" y="5329428"/>
+            <a:ext cx="1325880" cy="339852"/>
+          </a:xfrm>
+          <a:custGeom>
+            <a:avLst/>
+            <a:gdLst>
+              <a:gd name="connsiteX0" fmla="*/ 0 w 1325880"/>
+              <a:gd name="connsiteY0" fmla="*/ 339852 h 339852"/>
+              <a:gd name="connsiteX1" fmla="*/ 585216 w 1325880"/>
+              <a:gd name="connsiteY1" fmla="*/ 1524 h 339852"/>
+              <a:gd name="connsiteX2" fmla="*/ 1325880 w 1325880"/>
+              <a:gd name="connsiteY2" fmla="*/ 330708 h 339852"/>
+            </a:gdLst>
+            <a:ahLst/>
+            <a:cxnLst>
+              <a:cxn ang="0">
+                <a:pos x="connsiteX0" y="connsiteY0"/>
+              </a:cxn>
+              <a:cxn ang="0">
+                <a:pos x="connsiteX1" y="connsiteY1"/>
+              </a:cxn>
+              <a:cxn ang="0">
+                <a:pos x="connsiteX2" y="connsiteY2"/>
+              </a:cxn>
+            </a:cxnLst>
+            <a:rect l="l" t="t" r="r" b="b"/>
+            <a:pathLst>
+              <a:path w="1325880" h="339852">
+                <a:moveTo>
+                  <a:pt x="0" y="339852"/>
+                </a:moveTo>
+                <a:cubicBezTo>
+                  <a:pt x="182118" y="171450"/>
+                  <a:pt x="364236" y="3048"/>
+                  <a:pt x="585216" y="1524"/>
+                </a:cubicBezTo>
+                <a:cubicBezTo>
+                  <a:pt x="806196" y="0"/>
+                  <a:pt x="1066038" y="165354"/>
+                  <a:pt x="1325880" y="330708"/>
+                </a:cubicBezTo>
+              </a:path>
+            </a:pathLst>
+          </a:custGeom>
+          <a:ln w="19050">
+            <a:solidFill>
+              <a:schemeClr val="tx1"/>
+            </a:solidFill>
+            <a:tailEnd type="arrow"/>
+          </a:ln>
+        </p:spPr>
+        <p:style>
+          <a:lnRef idx="1">
+            <a:schemeClr val="accent1"/>
+          </a:lnRef>
+          <a:fillRef idx="0">
+            <a:schemeClr val="accent1"/>
+          </a:fillRef>
+          <a:effectRef idx="0">
+            <a:schemeClr val="accent1"/>
+          </a:effectRef>
+          <a:fontRef idx="minor">
+            <a:schemeClr val="tx1"/>
+          </a:fontRef>
+        </p:style>
+        <p:txBody>
+          <a:bodyPr rtlCol="1" anchor="ctr"/>
+          <a:lstStyle/>
+          <a:p>
+            <a:pPr algn="ctr"/>
+            <a:endParaRPr lang="he-IL"/>
+          </a:p>
+        </p:txBody>
+      </p:sp>
+      <p:sp>
+        <p:nvSpPr>
+          <p:cNvPr id="47" name="צורה חופשית 46"/>
+          <p:cNvSpPr/>
+          <p:nvPr/>
+        </p:nvSpPr>
+        <p:spPr>
+          <a:xfrm>
+            <a:off x="7470648" y="3822192"/>
+            <a:ext cx="688848" cy="1344168"/>
+          </a:xfrm>
+          <a:custGeom>
+            <a:avLst/>
+            <a:gdLst>
+              <a:gd name="connsiteX0" fmla="*/ 0 w 688848"/>
+              <a:gd name="connsiteY0" fmla="*/ 1344168 h 1344168"/>
+              <a:gd name="connsiteX1" fmla="*/ 667512 w 688848"/>
+              <a:gd name="connsiteY1" fmla="*/ 841248 h 1344168"/>
+              <a:gd name="connsiteX2" fmla="*/ 128016 w 688848"/>
+              <a:gd name="connsiteY2" fmla="*/ 0 h 1344168"/>
+            </a:gdLst>
+            <a:ahLst/>
+            <a:cxnLst>
+              <a:cxn ang="0">
+                <a:pos x="connsiteX0" y="connsiteY0"/>
+              </a:cxn>
+              <a:cxn ang="0">
+                <a:pos x="connsiteX1" y="connsiteY1"/>
+              </a:cxn>
+              <a:cxn ang="0">
+                <a:pos x="connsiteX2" y="connsiteY2"/>
+              </a:cxn>
+            </a:cxnLst>
+            <a:rect l="l" t="t" r="r" b="b"/>
+            <a:pathLst>
+              <a:path w="688848" h="1344168">
+                <a:moveTo>
+                  <a:pt x="0" y="1344168"/>
+                </a:moveTo>
+                <a:cubicBezTo>
+                  <a:pt x="323088" y="1204722"/>
+                  <a:pt x="646176" y="1065276"/>
+                  <a:pt x="667512" y="841248"/>
+                </a:cubicBezTo>
+                <a:cubicBezTo>
+                  <a:pt x="688848" y="617220"/>
+                  <a:pt x="408432" y="308610"/>
+                  <a:pt x="128016" y="0"/>
+                </a:cubicBezTo>
+              </a:path>
+            </a:pathLst>
+          </a:custGeom>
+          <a:ln w="19050">
+            <a:solidFill>
+              <a:schemeClr val="tx1"/>
+            </a:solidFill>
+            <a:tailEnd type="arrow"/>
+          </a:ln>
+        </p:spPr>
+        <p:style>
+          <a:lnRef idx="1">
+            <a:schemeClr val="accent1"/>
+          </a:lnRef>
+          <a:fillRef idx="0">
+            <a:schemeClr val="accent1"/>
+          </a:fillRef>
+          <a:effectRef idx="0">
+            <a:schemeClr val="accent1"/>
+          </a:effectRef>
+          <a:fontRef idx="minor">
+            <a:schemeClr val="tx1"/>
+          </a:fontRef>
+        </p:style>
+        <p:txBody>
+          <a:bodyPr rtlCol="1" anchor="ctr"/>
+          <a:lstStyle/>
+          <a:p>
+            <a:pPr algn="ctr"/>
+            <a:endParaRPr lang="he-IL"/>
+          </a:p>
+        </p:txBody>
+      </p:sp>
+      <p:sp>
+        <p:nvSpPr>
+          <p:cNvPr id="48" name="צורה חופשית 47"/>
+          <p:cNvSpPr/>
+          <p:nvPr/>
+        </p:nvSpPr>
+        <p:spPr>
+          <a:xfrm>
+            <a:off x="7187184" y="5541264"/>
+            <a:ext cx="1252728" cy="903732"/>
+          </a:xfrm>
+          <a:custGeom>
+            <a:avLst/>
+            <a:gdLst>
+              <a:gd name="connsiteX0" fmla="*/ 0 w 1252728"/>
+              <a:gd name="connsiteY0" fmla="*/ 585216 h 903732"/>
+              <a:gd name="connsiteX1" fmla="*/ 795528 w 1252728"/>
+              <a:gd name="connsiteY1" fmla="*/ 886968 h 903732"/>
+              <a:gd name="connsiteX2" fmla="*/ 1179576 w 1252728"/>
+              <a:gd name="connsiteY2" fmla="*/ 484632 h 903732"/>
+              <a:gd name="connsiteX3" fmla="*/ 356616 w 1252728"/>
+              <a:gd name="connsiteY3" fmla="*/ 0 h 903732"/>
+            </a:gdLst>
+            <a:ahLst/>
+            <a:cxnLst>
+              <a:cxn ang="0">
+                <a:pos x="connsiteX0" y="connsiteY0"/>
+              </a:cxn>
+              <a:cxn ang="0">
+                <a:pos x="connsiteX1" y="connsiteY1"/>
+              </a:cxn>
+              <a:cxn ang="0">
+                <a:pos x="connsiteX2" y="connsiteY2"/>
+              </a:cxn>
+              <a:cxn ang="0">
+                <a:pos x="connsiteX3" y="connsiteY3"/>
+              </a:cxn>
+            </a:cxnLst>
+            <a:rect l="l" t="t" r="r" b="b"/>
+            <a:pathLst>
+              <a:path w="1252728" h="903732">
+                <a:moveTo>
+                  <a:pt x="0" y="585216"/>
+                </a:moveTo>
+                <a:cubicBezTo>
+                  <a:pt x="299466" y="744474"/>
+                  <a:pt x="598932" y="903732"/>
+                  <a:pt x="795528" y="886968"/>
+                </a:cubicBezTo>
+                <a:cubicBezTo>
+                  <a:pt x="992124" y="870204"/>
+                  <a:pt x="1252728" y="632460"/>
+                  <a:pt x="1179576" y="484632"/>
+                </a:cubicBezTo>
+                <a:cubicBezTo>
+                  <a:pt x="1106424" y="336804"/>
+                  <a:pt x="731520" y="168402"/>
+                  <a:pt x="356616" y="0"/>
+                </a:cubicBezTo>
+              </a:path>
+            </a:pathLst>
+          </a:custGeom>
+          <a:ln w="19050">
+            <a:solidFill>
+              <a:schemeClr val="tx1"/>
+            </a:solidFill>
+            <a:tailEnd type="arrow"/>
+          </a:ln>
+        </p:spPr>
+        <p:style>
+          <a:lnRef idx="1">
+            <a:schemeClr val="accent1"/>
+          </a:lnRef>
+          <a:fillRef idx="0">
+            <a:schemeClr val="accent1"/>
+          </a:fillRef>
+          <a:effectRef idx="0">
+            <a:schemeClr val="accent1"/>
+          </a:effectRef>
+          <a:fontRef idx="minor">
+            <a:schemeClr val="tx1"/>
+          </a:fontRef>
+        </p:style>
+        <p:txBody>
+          <a:bodyPr rtlCol="1" anchor="ctr"/>
+          <a:lstStyle/>
+          <a:p>
+            <a:pPr algn="ctr"/>
+            <a:endParaRPr lang="he-IL"/>
+          </a:p>
+        </p:txBody>
+      </p:sp>
+      <p:sp>
+        <p:nvSpPr>
+          <p:cNvPr id="49" name="TextBox 48"/>
+          <p:cNvSpPr txBox="1"/>
+          <p:nvPr/>
+        </p:nvSpPr>
+        <p:spPr>
+          <a:xfrm>
+            <a:off x="5257800" y="545068"/>
+            <a:ext cx="1143000" cy="369332"/>
+          </a:xfrm>
+          <a:prstGeom prst="rect">
+            <a:avLst/>
+          </a:prstGeom>
+          <a:noFill/>
+        </p:spPr>
+        <p:txBody>
+          <a:bodyPr wrap="square" rtlCol="1">
+            <a:spAutoFit/>
+          </a:bodyPr>
+          <a:lstStyle/>
+          <a:p>
+            <a:r>
+              <a:rPr lang="en-US" dirty="0" smtClean="0"/>
+              <a:t>FINISH </a:t>
+            </a:r>
+            <a:r>
+              <a:rPr lang="en-US" dirty="0" smtClean="0"/>
+              <a:t>= 1</a:t>
+            </a:r>
+            <a:endParaRPr lang="he-IL" dirty="0"/>
+          </a:p>
+        </p:txBody>
+      </p:sp>
+      <p:sp>
+        <p:nvSpPr>
+          <p:cNvPr id="50" name="TextBox 49"/>
+          <p:cNvSpPr txBox="1"/>
+          <p:nvPr/>
+        </p:nvSpPr>
+        <p:spPr>
+          <a:xfrm rot="19554908">
+            <a:off x="2138912" y="1780511"/>
+            <a:ext cx="1143000" cy="369332"/>
+          </a:xfrm>
+          <a:prstGeom prst="rect">
+            <a:avLst/>
+          </a:prstGeom>
+          <a:noFill/>
+        </p:spPr>
+        <p:txBody>
+          <a:bodyPr wrap="square" rtlCol="1">
+            <a:spAutoFit/>
+          </a:bodyPr>
+          <a:lstStyle/>
+          <a:p>
+            <a:r>
+              <a:rPr lang="en-US" dirty="0" smtClean="0"/>
+              <a:t>FINISH </a:t>
+            </a:r>
+            <a:r>
+              <a:rPr lang="en-US" dirty="0" smtClean="0"/>
+              <a:t>= </a:t>
+            </a:r>
+            <a:r>
+              <a:rPr lang="en-US" dirty="0" smtClean="0"/>
+              <a:t>0</a:t>
+            </a:r>
+            <a:endParaRPr lang="he-IL" dirty="0"/>
+          </a:p>
+        </p:txBody>
+      </p:sp>
+    </p:spTree>
+  </p:cSld>
+  <p:clrMapOvr>
+    <a:masterClrMapping/>
+  </p:clrMapOvr>
+</p:sld>
+</file>
+
+<file path=ppt/slides/slide4.xml><?xml version="1.0" encoding="utf-8"?>
+<p:sld xmlns:a="http://schemas.openxmlformats.org/drawingml/2006/main" xmlns:r="http://schemas.openxmlformats.org/officeDocument/2006/relationships" xmlns:p="http://schemas.openxmlformats.org/presentationml/2006/main">
+  <p:cSld>
+    <p:spTree>
+      <p:nvGrpSpPr>
+        <p:cNvPr id="1" name=""/>
+        <p:cNvGrpSpPr/>
+        <p:nvPr/>
+      </p:nvGrpSpPr>
+      <p:grpSpPr>
+        <a:xfrm>
+          <a:off x="0" y="0"/>
+          <a:ext cx="0" cy="0"/>
+          <a:chOff x="0" y="0"/>
+          <a:chExt cx="0" cy="0"/>
+        </a:xfrm>
+      </p:grpSpPr>
+      <p:sp>
+        <p:nvSpPr>
+          <p:cNvPr id="4" name="TextBox 3"/>
+          <p:cNvSpPr txBox="1"/>
+          <p:nvPr/>
+        </p:nvSpPr>
+        <p:spPr>
+          <a:xfrm>
+            <a:off x="6858000" y="0"/>
+            <a:ext cx="2286000" cy="369332"/>
+          </a:xfrm>
+          <a:prstGeom prst="rect">
+            <a:avLst/>
+          </a:prstGeom>
+          <a:noFill/>
+        </p:spPr>
+        <p:txBody>
+          <a:bodyPr wrap="square" rtlCol="1">
+            <a:spAutoFit/>
+          </a:bodyPr>
+          <a:lstStyle/>
+          <a:p>
+            <a:pPr algn="ctr"/>
+            <a:r>
+              <a:rPr lang="en-US" dirty="0" smtClean="0"/>
+              <a:t>RAM FSM</a:t>
+            </a:r>
+            <a:endParaRPr lang="he-IL" dirty="0"/>
+          </a:p>
+        </p:txBody>
+      </p:sp>
+      <p:grpSp>
+        <p:nvGrpSpPr>
+          <p:cNvPr id="5" name="Group 4"/>
+          <p:cNvGrpSpPr/>
+          <p:nvPr/>
+        </p:nvGrpSpPr>
+        <p:grpSpPr>
+          <a:xfrm>
+            <a:off x="3810000" y="914400"/>
+            <a:ext cx="1447800" cy="1447800"/>
+            <a:chOff x="2819400" y="990600"/>
+            <a:chExt cx="1447800" cy="1447800"/>
+          </a:xfrm>
+        </p:grpSpPr>
+        <p:sp>
+          <p:nvSpPr>
+            <p:cNvPr id="6" name="Oval 5"/>
+            <p:cNvSpPr/>
+            <p:nvPr/>
+          </p:nvSpPr>
+          <p:spPr>
+            <a:xfrm>
+              <a:off x="2819400" y="990600"/>
+              <a:ext cx="1447800" cy="1447800"/>
+            </a:xfrm>
+            <a:prstGeom prst="ellipse">
+              <a:avLst/>
+            </a:prstGeom>
+            <a:solidFill>
+              <a:schemeClr val="tx2">
+                <a:lumMod val="20000"/>
+                <a:lumOff val="80000"/>
+              </a:schemeClr>
+            </a:solidFill>
+            <a:ln>
+              <a:solidFill>
+                <a:schemeClr val="tx1"/>
+              </a:solidFill>
+            </a:ln>
+          </p:spPr>
+          <p:style>
+            <a:lnRef idx="2">
+              <a:schemeClr val="accent1">
+                <a:shade val="50000"/>
+              </a:schemeClr>
+            </a:lnRef>
+            <a:fillRef idx="1">
+              <a:schemeClr val="accent1"/>
+            </a:fillRef>
+            <a:effectRef idx="0">
+              <a:schemeClr val="accent1"/>
+            </a:effectRef>
+            <a:fontRef idx="minor">
+              <a:schemeClr val="lt1"/>
+            </a:fontRef>
+          </p:style>
+          <p:txBody>
+            <a:bodyPr rtlCol="1" anchor="ctr"/>
+            <a:lstStyle/>
+            <a:p>
+              <a:pPr algn="ctr"/>
+              <a:endParaRPr lang="he-IL"/>
+            </a:p>
+          </p:txBody>
+        </p:sp>
+        <p:sp>
+          <p:nvSpPr>
+            <p:cNvPr id="7" name="TextBox 6"/>
+            <p:cNvSpPr txBox="1"/>
+            <p:nvPr/>
+          </p:nvSpPr>
+          <p:spPr>
+            <a:xfrm>
+              <a:off x="3200400" y="1447800"/>
+              <a:ext cx="838200" cy="461665"/>
+            </a:xfrm>
+            <a:prstGeom prst="rect">
+              <a:avLst/>
+            </a:prstGeom>
+            <a:noFill/>
+          </p:spPr>
+          <p:txBody>
+            <a:bodyPr wrap="square" rtlCol="1">
+              <a:spAutoFit/>
+            </a:bodyPr>
+            <a:lstStyle/>
+            <a:p>
+              <a:r>
+                <a:rPr lang="en-US" sz="2400" dirty="0" smtClean="0"/>
+                <a:t>IDLE</a:t>
+              </a:r>
+              <a:endParaRPr lang="he-IL" sz="2400" dirty="0"/>
+            </a:p>
+          </p:txBody>
+        </p:sp>
+      </p:grpSp>
+      <p:grpSp>
+        <p:nvGrpSpPr>
+          <p:cNvPr id="8" name="Group 4"/>
+          <p:cNvGrpSpPr/>
+          <p:nvPr/>
+        </p:nvGrpSpPr>
+        <p:grpSpPr>
+          <a:xfrm>
+            <a:off x="838200" y="1066800"/>
+            <a:ext cx="1447800" cy="1447800"/>
+            <a:chOff x="2819400" y="990600"/>
+            <a:chExt cx="1447800" cy="1447800"/>
+          </a:xfrm>
+        </p:grpSpPr>
+        <p:sp>
+          <p:nvSpPr>
+            <p:cNvPr id="9" name="Oval 5"/>
+            <p:cNvSpPr/>
+            <p:nvPr/>
+          </p:nvSpPr>
+          <p:spPr>
+            <a:xfrm>
+              <a:off x="2819400" y="990600"/>
+              <a:ext cx="1447800" cy="1447800"/>
+            </a:xfrm>
+            <a:prstGeom prst="ellipse">
+              <a:avLst/>
+            </a:prstGeom>
+            <a:solidFill>
+              <a:schemeClr val="tx2">
+                <a:lumMod val="20000"/>
+                <a:lumOff val="80000"/>
+              </a:schemeClr>
+            </a:solidFill>
+            <a:ln>
+              <a:solidFill>
+                <a:schemeClr val="tx1"/>
+              </a:solidFill>
+            </a:ln>
+          </p:spPr>
+          <p:style>
+            <a:lnRef idx="2">
+              <a:schemeClr val="accent1">
+                <a:shade val="50000"/>
+              </a:schemeClr>
+            </a:lnRef>
+            <a:fillRef idx="1">
+              <a:schemeClr val="accent1"/>
+            </a:fillRef>
+            <a:effectRef idx="0">
+              <a:schemeClr val="accent1"/>
+            </a:effectRef>
+            <a:fontRef idx="minor">
+              <a:schemeClr val="lt1"/>
+            </a:fontRef>
+          </p:style>
+          <p:txBody>
+            <a:bodyPr rtlCol="1" anchor="ctr"/>
+            <a:lstStyle/>
+            <a:p>
+              <a:pPr algn="ctr"/>
+              <a:endParaRPr lang="he-IL"/>
+            </a:p>
+          </p:txBody>
+        </p:sp>
+        <p:sp>
+          <p:nvSpPr>
+            <p:cNvPr id="10" name="TextBox 9"/>
+            <p:cNvSpPr txBox="1"/>
+            <p:nvPr/>
+          </p:nvSpPr>
+          <p:spPr>
+            <a:xfrm>
+              <a:off x="2895600" y="1194137"/>
+              <a:ext cx="1295400" cy="1015663"/>
+            </a:xfrm>
+            <a:prstGeom prst="rect">
+              <a:avLst/>
+            </a:prstGeom>
+            <a:noFill/>
+          </p:spPr>
+          <p:txBody>
+            <a:bodyPr wrap="square" rtlCol="1">
+              <a:spAutoFit/>
+            </a:bodyPr>
+            <a:lstStyle/>
+            <a:p>
+              <a:pPr algn="ctr"/>
+              <a:r>
+                <a:rPr lang="en-US" sz="2000" dirty="0" smtClean="0"/>
+                <a:t>CONFIG RAM BY GENERICS</a:t>
+              </a:r>
+              <a:endParaRPr lang="he-IL" sz="2000" dirty="0"/>
+            </a:p>
+          </p:txBody>
+        </p:sp>
+      </p:grpSp>
+      <p:sp>
+        <p:nvSpPr>
+          <p:cNvPr id="11" name="צורה חופשית 10"/>
+          <p:cNvSpPr/>
+          <p:nvPr/>
+        </p:nvSpPr>
+        <p:spPr>
+          <a:xfrm>
+            <a:off x="2286000" y="1313688"/>
+            <a:ext cx="1527048" cy="405384"/>
+          </a:xfrm>
+          <a:custGeom>
+            <a:avLst/>
+            <a:gdLst>
+              <a:gd name="connsiteX0" fmla="*/ 1527048 w 1527048"/>
+              <a:gd name="connsiteY0" fmla="*/ 332232 h 405384"/>
+              <a:gd name="connsiteX1" fmla="*/ 841248 w 1527048"/>
+              <a:gd name="connsiteY1" fmla="*/ 12192 h 405384"/>
+              <a:gd name="connsiteX2" fmla="*/ 0 w 1527048"/>
+              <a:gd name="connsiteY2" fmla="*/ 405384 h 405384"/>
+            </a:gdLst>
+            <a:ahLst/>
+            <a:cxnLst>
+              <a:cxn ang="0">
+                <a:pos x="connsiteX0" y="connsiteY0"/>
+              </a:cxn>
+              <a:cxn ang="0">
+                <a:pos x="connsiteX1" y="connsiteY1"/>
+              </a:cxn>
+              <a:cxn ang="0">
+                <a:pos x="connsiteX2" y="connsiteY2"/>
+              </a:cxn>
+            </a:cxnLst>
+            <a:rect l="l" t="t" r="r" b="b"/>
+            <a:pathLst>
+              <a:path w="1527048" h="405384">
+                <a:moveTo>
+                  <a:pt x="1527048" y="332232"/>
+                </a:moveTo>
+                <a:cubicBezTo>
+                  <a:pt x="1311402" y="166116"/>
+                  <a:pt x="1095756" y="0"/>
+                  <a:pt x="841248" y="12192"/>
+                </a:cubicBezTo>
+                <a:cubicBezTo>
+                  <a:pt x="586740" y="24384"/>
+                  <a:pt x="293370" y="214884"/>
+                  <a:pt x="0" y="405384"/>
+                </a:cubicBezTo>
+              </a:path>
+            </a:pathLst>
+          </a:custGeom>
+          <a:ln w="19050">
+            <a:solidFill>
+              <a:schemeClr val="tx1"/>
+            </a:solidFill>
+            <a:tailEnd type="arrow"/>
+          </a:ln>
+        </p:spPr>
+        <p:style>
+          <a:lnRef idx="1">
+            <a:schemeClr val="accent1"/>
+          </a:lnRef>
+          <a:fillRef idx="0">
+            <a:schemeClr val="accent1"/>
+          </a:fillRef>
+          <a:effectRef idx="0">
+            <a:schemeClr val="accent1"/>
+          </a:effectRef>
+          <a:fontRef idx="minor">
+            <a:schemeClr val="tx1"/>
+          </a:fontRef>
+        </p:style>
+        <p:txBody>
+          <a:bodyPr rtlCol="1" anchor="ctr"/>
+          <a:lstStyle/>
+          <a:p>
+            <a:pPr algn="ctr"/>
+            <a:endParaRPr lang="he-IL"/>
+          </a:p>
+        </p:txBody>
+      </p:sp>
+      <p:sp>
+        <p:nvSpPr>
+          <p:cNvPr id="12" name="TextBox 11"/>
+          <p:cNvSpPr txBox="1"/>
+          <p:nvPr/>
+        </p:nvSpPr>
+        <p:spPr>
+          <a:xfrm>
+            <a:off x="798649" y="2667000"/>
+            <a:ext cx="1334951" cy="369332"/>
+          </a:xfrm>
+          <a:prstGeom prst="rect">
+            <a:avLst/>
+          </a:prstGeom>
+          <a:noFill/>
+        </p:spPr>
+        <p:txBody>
+          <a:bodyPr wrap="square" rtlCol="1">
+            <a:spAutoFit/>
+          </a:bodyPr>
+          <a:lstStyle/>
+          <a:p>
+            <a:pPr algn="ctr"/>
+            <a:r>
+              <a:rPr lang="en-US" dirty="0" smtClean="0"/>
+              <a:t>SYS STAT= 1</a:t>
+            </a:r>
+            <a:endParaRPr lang="he-IL" dirty="0"/>
+          </a:p>
+        </p:txBody>
+      </p:sp>
+      <p:sp>
+        <p:nvSpPr>
+          <p:cNvPr id="14" name="צורה חופשית 13"/>
+          <p:cNvSpPr/>
+          <p:nvPr/>
+        </p:nvSpPr>
+        <p:spPr>
+          <a:xfrm>
+            <a:off x="3957828" y="327660"/>
+            <a:ext cx="1203960" cy="751332"/>
+          </a:xfrm>
+          <a:custGeom>
+            <a:avLst/>
+            <a:gdLst>
+              <a:gd name="connsiteX0" fmla="*/ 952500 w 1203960"/>
+              <a:gd name="connsiteY0" fmla="*/ 687324 h 751332"/>
+              <a:gd name="connsiteX1" fmla="*/ 1071372 w 1203960"/>
+              <a:gd name="connsiteY1" fmla="*/ 138684 h 751332"/>
+              <a:gd name="connsiteX2" fmla="*/ 156972 w 1203960"/>
+              <a:gd name="connsiteY2" fmla="*/ 102108 h 751332"/>
+              <a:gd name="connsiteX3" fmla="*/ 129540 w 1203960"/>
+              <a:gd name="connsiteY3" fmla="*/ 751332 h 751332"/>
+            </a:gdLst>
+            <a:ahLst/>
+            <a:cxnLst>
+              <a:cxn ang="0">
+                <a:pos x="connsiteX0" y="connsiteY0"/>
+              </a:cxn>
+              <a:cxn ang="0">
+                <a:pos x="connsiteX1" y="connsiteY1"/>
+              </a:cxn>
+              <a:cxn ang="0">
+                <a:pos x="connsiteX2" y="connsiteY2"/>
+              </a:cxn>
+              <a:cxn ang="0">
+                <a:pos x="connsiteX3" y="connsiteY3"/>
+              </a:cxn>
+            </a:cxnLst>
+            <a:rect l="l" t="t" r="r" b="b"/>
+            <a:pathLst>
+              <a:path w="1203960" h="751332">
+                <a:moveTo>
+                  <a:pt x="952500" y="687324"/>
+                </a:moveTo>
+                <a:cubicBezTo>
+                  <a:pt x="1078230" y="461772"/>
+                  <a:pt x="1203960" y="236220"/>
+                  <a:pt x="1071372" y="138684"/>
+                </a:cubicBezTo>
+                <a:cubicBezTo>
+                  <a:pt x="938784" y="41148"/>
+                  <a:pt x="313944" y="0"/>
+                  <a:pt x="156972" y="102108"/>
+                </a:cubicBezTo>
+                <a:cubicBezTo>
+                  <a:pt x="0" y="204216"/>
+                  <a:pt x="64770" y="477774"/>
+                  <a:pt x="129540" y="751332"/>
+                </a:cubicBezTo>
+              </a:path>
+            </a:pathLst>
+          </a:custGeom>
+          <a:ln w="19050">
+            <a:solidFill>
+              <a:schemeClr val="tx1"/>
+            </a:solidFill>
+            <a:tailEnd type="arrow"/>
+          </a:ln>
+        </p:spPr>
+        <p:style>
+          <a:lnRef idx="1">
+            <a:schemeClr val="accent1"/>
+          </a:lnRef>
+          <a:fillRef idx="0">
+            <a:schemeClr val="accent1"/>
+          </a:fillRef>
+          <a:effectRef idx="0">
+            <a:schemeClr val="accent1"/>
+          </a:effectRef>
+          <a:fontRef idx="minor">
+            <a:schemeClr val="tx1"/>
+          </a:fontRef>
+        </p:style>
+        <p:txBody>
+          <a:bodyPr rtlCol="1" anchor="ctr"/>
+          <a:lstStyle/>
+          <a:p>
+            <a:pPr algn="ctr"/>
+            <a:endParaRPr lang="he-IL"/>
+          </a:p>
+        </p:txBody>
+      </p:sp>
+      <p:sp>
+        <p:nvSpPr>
+          <p:cNvPr id="15" name="TextBox 14"/>
+          <p:cNvSpPr txBox="1"/>
+          <p:nvPr/>
+        </p:nvSpPr>
+        <p:spPr>
+          <a:xfrm>
+            <a:off x="2475049" y="1002268"/>
+            <a:ext cx="1334951" cy="369332"/>
+          </a:xfrm>
+          <a:prstGeom prst="rect">
+            <a:avLst/>
+          </a:prstGeom>
+          <a:noFill/>
+        </p:spPr>
+        <p:txBody>
+          <a:bodyPr wrap="square" rtlCol="1">
+            <a:spAutoFit/>
+          </a:bodyPr>
+          <a:lstStyle/>
+          <a:p>
+            <a:pPr algn="ctr"/>
+            <a:r>
+              <a:rPr lang="en-US" dirty="0" smtClean="0"/>
+              <a:t>SYS STAT= 0</a:t>
+            </a:r>
+            <a:endParaRPr lang="he-IL" dirty="0"/>
+          </a:p>
+        </p:txBody>
+      </p:sp>
+      <p:sp>
+        <p:nvSpPr>
+          <p:cNvPr id="16" name="TextBox 15"/>
+          <p:cNvSpPr txBox="1"/>
+          <p:nvPr/>
+        </p:nvSpPr>
+        <p:spPr>
+          <a:xfrm>
+            <a:off x="3962400" y="392668"/>
+            <a:ext cx="1142999" cy="369332"/>
+          </a:xfrm>
+          <a:prstGeom prst="rect">
+            <a:avLst/>
+          </a:prstGeom>
+          <a:noFill/>
+        </p:spPr>
+        <p:txBody>
+          <a:bodyPr wrap="square" rtlCol="1">
+            <a:spAutoFit/>
+          </a:bodyPr>
+          <a:lstStyle/>
+          <a:p>
+            <a:pPr algn="ctr"/>
+            <a:r>
+              <a:rPr lang="en-US" dirty="0" smtClean="0"/>
+              <a:t>RESET = 1</a:t>
+            </a:r>
+            <a:endParaRPr lang="he-IL" dirty="0"/>
+          </a:p>
+        </p:txBody>
+      </p:sp>
+      <p:grpSp>
+        <p:nvGrpSpPr>
+          <p:cNvPr id="17" name="Group 4"/>
+          <p:cNvGrpSpPr/>
+          <p:nvPr/>
+        </p:nvGrpSpPr>
+        <p:grpSpPr>
+          <a:xfrm>
+            <a:off x="838200" y="3276600"/>
+            <a:ext cx="1447800" cy="1447800"/>
+            <a:chOff x="2819400" y="990600"/>
+            <a:chExt cx="1447800" cy="1447800"/>
+          </a:xfrm>
+        </p:grpSpPr>
+        <p:sp>
+          <p:nvSpPr>
+            <p:cNvPr id="18" name="Oval 5"/>
+            <p:cNvSpPr/>
+            <p:nvPr/>
+          </p:nvSpPr>
+          <p:spPr>
+            <a:xfrm>
+              <a:off x="2819400" y="990600"/>
+              <a:ext cx="1447800" cy="1447800"/>
+            </a:xfrm>
+            <a:prstGeom prst="ellipse">
+              <a:avLst/>
+            </a:prstGeom>
+            <a:solidFill>
+              <a:schemeClr val="tx2">
+                <a:lumMod val="20000"/>
+                <a:lumOff val="80000"/>
+              </a:schemeClr>
+            </a:solidFill>
+            <a:ln>
+              <a:solidFill>
+                <a:schemeClr val="tx1"/>
+              </a:solidFill>
+            </a:ln>
+          </p:spPr>
+          <p:style>
+            <a:lnRef idx="2">
+              <a:schemeClr val="accent1">
+                <a:shade val="50000"/>
+              </a:schemeClr>
+            </a:lnRef>
+            <a:fillRef idx="1">
+              <a:schemeClr val="accent1"/>
+            </a:fillRef>
+            <a:effectRef idx="0">
+              <a:schemeClr val="accent1"/>
+            </a:effectRef>
+            <a:fontRef idx="minor">
+              <a:schemeClr val="lt1"/>
+            </a:fontRef>
+          </p:style>
+          <p:txBody>
+            <a:bodyPr rtlCol="1" anchor="ctr"/>
+            <a:lstStyle/>
+            <a:p>
+              <a:pPr algn="ctr"/>
+              <a:endParaRPr lang="he-IL"/>
+            </a:p>
+          </p:txBody>
+        </p:sp>
+        <p:sp>
+          <p:nvSpPr>
+            <p:cNvPr id="19" name="TextBox 18"/>
+            <p:cNvSpPr txBox="1"/>
+            <p:nvPr/>
+          </p:nvSpPr>
+          <p:spPr>
+            <a:xfrm>
+              <a:off x="2895600" y="1270337"/>
+              <a:ext cx="1295400" cy="1015663"/>
+            </a:xfrm>
+            <a:prstGeom prst="rect">
+              <a:avLst/>
+            </a:prstGeom>
+            <a:noFill/>
+          </p:spPr>
+          <p:txBody>
+            <a:bodyPr wrap="square" rtlCol="1">
+              <a:spAutoFit/>
+            </a:bodyPr>
+            <a:lstStyle/>
+            <a:p>
+              <a:pPr algn="ctr"/>
+              <a:r>
+                <a:rPr lang="en-US" sz="2000" dirty="0" smtClean="0"/>
+                <a:t>GET DATA ADDR FROM WC</a:t>
+              </a:r>
+              <a:endParaRPr lang="he-IL" sz="2000" dirty="0"/>
+            </a:p>
+          </p:txBody>
+        </p:sp>
+      </p:grpSp>
+      <p:sp>
+        <p:nvSpPr>
+          <p:cNvPr id="20" name="צורה חופשית 19"/>
+          <p:cNvSpPr/>
+          <p:nvPr/>
+        </p:nvSpPr>
+        <p:spPr>
+          <a:xfrm>
+            <a:off x="1676400" y="2523744"/>
+            <a:ext cx="373380" cy="752856"/>
+          </a:xfrm>
+          <a:custGeom>
+            <a:avLst/>
+            <a:gdLst>
+              <a:gd name="connsiteX0" fmla="*/ 0 w 504444"/>
+              <a:gd name="connsiteY0" fmla="*/ 0 h 758952"/>
+              <a:gd name="connsiteX1" fmla="*/ 502920 w 504444"/>
+              <a:gd name="connsiteY1" fmla="*/ 338328 h 758952"/>
+              <a:gd name="connsiteX2" fmla="*/ 9144 w 504444"/>
+              <a:gd name="connsiteY2" fmla="*/ 758952 h 758952"/>
+            </a:gdLst>
+            <a:ahLst/>
+            <a:cxnLst>
+              <a:cxn ang="0">
+                <a:pos x="connsiteX0" y="connsiteY0"/>
+              </a:cxn>
+              <a:cxn ang="0">
+                <a:pos x="connsiteX1" y="connsiteY1"/>
+              </a:cxn>
+              <a:cxn ang="0">
+                <a:pos x="connsiteX2" y="connsiteY2"/>
+              </a:cxn>
+            </a:cxnLst>
+            <a:rect l="l" t="t" r="r" b="b"/>
+            <a:pathLst>
+              <a:path w="504444" h="758952">
+                <a:moveTo>
+                  <a:pt x="0" y="0"/>
+                </a:moveTo>
+                <a:cubicBezTo>
+                  <a:pt x="250698" y="105918"/>
+                  <a:pt x="501396" y="211836"/>
+                  <a:pt x="502920" y="338328"/>
+                </a:cubicBezTo>
+                <a:cubicBezTo>
+                  <a:pt x="504444" y="464820"/>
+                  <a:pt x="256794" y="611886"/>
+                  <a:pt x="9144" y="758952"/>
+                </a:cubicBezTo>
+              </a:path>
+            </a:pathLst>
+          </a:custGeom>
+          <a:ln w="19050">
+            <a:solidFill>
+              <a:schemeClr val="tx1"/>
+            </a:solidFill>
+            <a:tailEnd type="arrow"/>
+          </a:ln>
+        </p:spPr>
+        <p:style>
+          <a:lnRef idx="1">
+            <a:schemeClr val="accent1"/>
+          </a:lnRef>
+          <a:fillRef idx="0">
+            <a:schemeClr val="accent1"/>
+          </a:fillRef>
+          <a:effectRef idx="0">
+            <a:schemeClr val="accent1"/>
+          </a:effectRef>
+          <a:fontRef idx="minor">
+            <a:schemeClr val="tx1"/>
+          </a:fontRef>
+        </p:style>
+        <p:txBody>
+          <a:bodyPr rtlCol="1" anchor="ctr"/>
+          <a:lstStyle/>
+          <a:p>
+            <a:pPr algn="ctr"/>
+            <a:endParaRPr lang="he-IL"/>
+          </a:p>
+        </p:txBody>
+      </p:sp>
+      <p:grpSp>
+        <p:nvGrpSpPr>
+          <p:cNvPr id="21" name="Group 4"/>
+          <p:cNvGrpSpPr/>
+          <p:nvPr/>
+        </p:nvGrpSpPr>
+        <p:grpSpPr>
+          <a:xfrm>
+            <a:off x="2133600" y="5334000"/>
+            <a:ext cx="1447800" cy="1447800"/>
+            <a:chOff x="2819400" y="990600"/>
+            <a:chExt cx="1447800" cy="1447800"/>
+          </a:xfrm>
+        </p:grpSpPr>
+        <p:sp>
+          <p:nvSpPr>
+            <p:cNvPr id="22" name="Oval 5"/>
+            <p:cNvSpPr/>
+            <p:nvPr/>
+          </p:nvSpPr>
+          <p:spPr>
+            <a:xfrm>
+              <a:off x="2819400" y="990600"/>
+              <a:ext cx="1447800" cy="1447800"/>
+            </a:xfrm>
+            <a:prstGeom prst="ellipse">
+              <a:avLst/>
+            </a:prstGeom>
+            <a:solidFill>
+              <a:schemeClr val="tx2">
+                <a:lumMod val="20000"/>
+                <a:lumOff val="80000"/>
+              </a:schemeClr>
+            </a:solidFill>
+            <a:ln>
+              <a:solidFill>
+                <a:schemeClr val="tx1"/>
+              </a:solidFill>
+            </a:ln>
+          </p:spPr>
+          <p:style>
+            <a:lnRef idx="2">
+              <a:schemeClr val="accent1">
+                <a:shade val="50000"/>
+              </a:schemeClr>
+            </a:lnRef>
+            <a:fillRef idx="1">
+              <a:schemeClr val="accent1"/>
+            </a:fillRef>
+            <a:effectRef idx="0">
+              <a:schemeClr val="accent1"/>
+            </a:effectRef>
+            <a:fontRef idx="minor">
+              <a:schemeClr val="lt1"/>
+            </a:fontRef>
+          </p:style>
+          <p:txBody>
+            <a:bodyPr rtlCol="1" anchor="ctr"/>
+            <a:lstStyle/>
+            <a:p>
+              <a:pPr algn="ctr"/>
+              <a:endParaRPr lang="he-IL"/>
+            </a:p>
+          </p:txBody>
+        </p:sp>
+        <p:sp>
+          <p:nvSpPr>
+            <p:cNvPr id="23" name="TextBox 22"/>
+            <p:cNvSpPr txBox="1"/>
+            <p:nvPr/>
+          </p:nvSpPr>
+          <p:spPr>
+            <a:xfrm>
+              <a:off x="2895600" y="1270337"/>
+              <a:ext cx="1295400" cy="1015663"/>
+            </a:xfrm>
+            <a:prstGeom prst="rect">
+              <a:avLst/>
+            </a:prstGeom>
+            <a:noFill/>
+          </p:spPr>
+          <p:txBody>
+            <a:bodyPr wrap="square" rtlCol="1">
+              <a:spAutoFit/>
+            </a:bodyPr>
+            <a:lstStyle/>
+            <a:p>
+              <a:pPr algn="ctr"/>
+              <a:r>
+                <a:rPr lang="en-US" sz="2000" dirty="0" smtClean="0"/>
+                <a:t>GET DATA FROM </a:t>
+              </a:r>
+            </a:p>
+            <a:p>
+              <a:pPr algn="ctr"/>
+              <a:r>
+                <a:rPr lang="en-US" sz="2000" dirty="0" smtClean="0"/>
+                <a:t>WC</a:t>
+              </a:r>
+              <a:endParaRPr lang="he-IL" sz="2000" dirty="0"/>
+            </a:p>
+          </p:txBody>
+        </p:sp>
+      </p:grpSp>
+      <p:grpSp>
+        <p:nvGrpSpPr>
+          <p:cNvPr id="24" name="Group 4"/>
+          <p:cNvGrpSpPr/>
+          <p:nvPr/>
+        </p:nvGrpSpPr>
+        <p:grpSpPr>
+          <a:xfrm>
+            <a:off x="3733800" y="3276600"/>
+            <a:ext cx="1447800" cy="1447800"/>
+            <a:chOff x="2819400" y="990600"/>
+            <a:chExt cx="1447800" cy="1447800"/>
+          </a:xfrm>
+        </p:grpSpPr>
+        <p:sp>
+          <p:nvSpPr>
+            <p:cNvPr id="25" name="Oval 5"/>
+            <p:cNvSpPr/>
+            <p:nvPr/>
+          </p:nvSpPr>
+          <p:spPr>
+            <a:xfrm>
+              <a:off x="2819400" y="990600"/>
+              <a:ext cx="1447800" cy="1447800"/>
+            </a:xfrm>
+            <a:prstGeom prst="ellipse">
+              <a:avLst/>
+            </a:prstGeom>
+            <a:solidFill>
+              <a:schemeClr val="tx2">
+                <a:lumMod val="20000"/>
+                <a:lumOff val="80000"/>
+              </a:schemeClr>
+            </a:solidFill>
+            <a:ln>
+              <a:solidFill>
+                <a:schemeClr val="tx1"/>
+              </a:solidFill>
+            </a:ln>
+          </p:spPr>
+          <p:style>
+            <a:lnRef idx="2">
+              <a:schemeClr val="accent1">
+                <a:shade val="50000"/>
+              </a:schemeClr>
+            </a:lnRef>
+            <a:fillRef idx="1">
+              <a:schemeClr val="accent1"/>
+            </a:fillRef>
+            <a:effectRef idx="0">
+              <a:schemeClr val="accent1"/>
+            </a:effectRef>
+            <a:fontRef idx="minor">
+              <a:schemeClr val="lt1"/>
+            </a:fontRef>
+          </p:style>
+          <p:txBody>
+            <a:bodyPr rtlCol="1" anchor="ctr"/>
+            <a:lstStyle/>
+            <a:p>
+              <a:pPr algn="ctr"/>
+              <a:endParaRPr lang="he-IL"/>
+            </a:p>
+          </p:txBody>
+        </p:sp>
+        <p:sp>
+          <p:nvSpPr>
+            <p:cNvPr id="26" name="TextBox 25"/>
+            <p:cNvSpPr txBox="1"/>
+            <p:nvPr/>
+          </p:nvSpPr>
+          <p:spPr>
+            <a:xfrm>
+              <a:off x="2895600" y="1270337"/>
+              <a:ext cx="1295400" cy="707886"/>
+            </a:xfrm>
+            <a:prstGeom prst="rect">
+              <a:avLst/>
+            </a:prstGeom>
+            <a:noFill/>
+          </p:spPr>
+          <p:txBody>
+            <a:bodyPr wrap="square" rtlCol="1">
+              <a:spAutoFit/>
+            </a:bodyPr>
+            <a:lstStyle/>
+            <a:p>
+              <a:pPr algn="ctr"/>
+              <a:r>
+                <a:rPr lang="en-US" sz="2000" dirty="0" smtClean="0"/>
+                <a:t>SAVE DATA IN RAM</a:t>
+              </a:r>
+              <a:endParaRPr lang="he-IL" sz="2000" dirty="0"/>
+            </a:p>
+          </p:txBody>
+        </p:sp>
+      </p:grpSp>
+      <p:sp>
+        <p:nvSpPr>
+          <p:cNvPr id="27" name="צורה חופשית 26"/>
+          <p:cNvSpPr/>
+          <p:nvPr/>
+        </p:nvSpPr>
+        <p:spPr>
+          <a:xfrm>
+            <a:off x="990600" y="4572000"/>
+            <a:ext cx="1130808" cy="1517904"/>
+          </a:xfrm>
+          <a:custGeom>
+            <a:avLst/>
+            <a:gdLst>
+              <a:gd name="connsiteX0" fmla="*/ 83820 w 641604"/>
+              <a:gd name="connsiteY0" fmla="*/ 0 h 1344168"/>
+              <a:gd name="connsiteX1" fmla="*/ 92964 w 641604"/>
+              <a:gd name="connsiteY1" fmla="*/ 740664 h 1344168"/>
+              <a:gd name="connsiteX2" fmla="*/ 641604 w 641604"/>
+              <a:gd name="connsiteY2" fmla="*/ 1344168 h 1344168"/>
+            </a:gdLst>
+            <a:ahLst/>
+            <a:cxnLst>
+              <a:cxn ang="0">
+                <a:pos x="connsiteX0" y="connsiteY0"/>
+              </a:cxn>
+              <a:cxn ang="0">
+                <a:pos x="connsiteX1" y="connsiteY1"/>
+              </a:cxn>
+              <a:cxn ang="0">
+                <a:pos x="connsiteX2" y="connsiteY2"/>
+              </a:cxn>
+            </a:cxnLst>
+            <a:rect l="l" t="t" r="r" b="b"/>
+            <a:pathLst>
+              <a:path w="641604" h="1344168">
+                <a:moveTo>
+                  <a:pt x="83820" y="0"/>
+                </a:moveTo>
+                <a:cubicBezTo>
+                  <a:pt x="41910" y="258318"/>
+                  <a:pt x="0" y="516636"/>
+                  <a:pt x="92964" y="740664"/>
+                </a:cubicBezTo>
+                <a:cubicBezTo>
+                  <a:pt x="185928" y="964692"/>
+                  <a:pt x="413766" y="1154430"/>
+                  <a:pt x="641604" y="1344168"/>
+                </a:cubicBezTo>
+              </a:path>
+            </a:pathLst>
+          </a:custGeom>
+          <a:ln w="19050">
+            <a:solidFill>
+              <a:schemeClr val="tx1"/>
+            </a:solidFill>
+            <a:tailEnd type="arrow"/>
+          </a:ln>
+        </p:spPr>
+        <p:style>
+          <a:lnRef idx="1">
+            <a:schemeClr val="accent1"/>
+          </a:lnRef>
+          <a:fillRef idx="0">
+            <a:schemeClr val="accent1"/>
+          </a:fillRef>
+          <a:effectRef idx="0">
+            <a:schemeClr val="accent1"/>
+          </a:effectRef>
+          <a:fontRef idx="minor">
+            <a:schemeClr val="tx1"/>
+          </a:fontRef>
+        </p:style>
+        <p:txBody>
+          <a:bodyPr rtlCol="1" anchor="ctr"/>
+          <a:lstStyle/>
+          <a:p>
+            <a:pPr algn="ctr"/>
+            <a:endParaRPr lang="he-IL"/>
+          </a:p>
+        </p:txBody>
+      </p:sp>
+      <p:sp>
+        <p:nvSpPr>
+          <p:cNvPr id="28" name="צורה חופשית 27"/>
+          <p:cNvSpPr/>
+          <p:nvPr/>
+        </p:nvSpPr>
+        <p:spPr>
+          <a:xfrm rot="14806405">
+            <a:off x="3517789" y="4801198"/>
+            <a:ext cx="1170739" cy="1522804"/>
+          </a:xfrm>
+          <a:custGeom>
+            <a:avLst/>
+            <a:gdLst>
+              <a:gd name="connsiteX0" fmla="*/ 83820 w 641604"/>
+              <a:gd name="connsiteY0" fmla="*/ 0 h 1344168"/>
+              <a:gd name="connsiteX1" fmla="*/ 92964 w 641604"/>
+              <a:gd name="connsiteY1" fmla="*/ 740664 h 1344168"/>
+              <a:gd name="connsiteX2" fmla="*/ 641604 w 641604"/>
+              <a:gd name="connsiteY2" fmla="*/ 1344168 h 1344168"/>
+            </a:gdLst>
+            <a:ahLst/>
+            <a:cxnLst>
+              <a:cxn ang="0">
+                <a:pos x="connsiteX0" y="connsiteY0"/>
+              </a:cxn>
+              <a:cxn ang="0">
+                <a:pos x="connsiteX1" y="connsiteY1"/>
+              </a:cxn>
+              <a:cxn ang="0">
+                <a:pos x="connsiteX2" y="connsiteY2"/>
+              </a:cxn>
+            </a:cxnLst>
+            <a:rect l="l" t="t" r="r" b="b"/>
+            <a:pathLst>
+              <a:path w="641604" h="1344168">
+                <a:moveTo>
+                  <a:pt x="83820" y="0"/>
+                </a:moveTo>
+                <a:cubicBezTo>
+                  <a:pt x="41910" y="258318"/>
+                  <a:pt x="0" y="516636"/>
+                  <a:pt x="92964" y="740664"/>
+                </a:cubicBezTo>
+                <a:cubicBezTo>
+                  <a:pt x="185928" y="964692"/>
+                  <a:pt x="413766" y="1154430"/>
+                  <a:pt x="641604" y="1344168"/>
+                </a:cubicBezTo>
+              </a:path>
+            </a:pathLst>
+          </a:custGeom>
+          <a:ln w="19050">
+            <a:solidFill>
+              <a:schemeClr val="tx1"/>
+            </a:solidFill>
+            <a:tailEnd type="arrow"/>
+          </a:ln>
+        </p:spPr>
+        <p:style>
+          <a:lnRef idx="1">
+            <a:schemeClr val="accent1"/>
+          </a:lnRef>
+          <a:fillRef idx="0">
+            <a:schemeClr val="accent1"/>
+          </a:fillRef>
+          <a:effectRef idx="0">
+            <a:schemeClr val="accent1"/>
+          </a:effectRef>
+          <a:fontRef idx="minor">
+            <a:schemeClr val="tx1"/>
+          </a:fontRef>
+        </p:style>
+        <p:txBody>
+          <a:bodyPr rtlCol="1" anchor="ctr"/>
+          <a:lstStyle/>
+          <a:p>
+            <a:pPr algn="ctr"/>
+            <a:endParaRPr lang="he-IL"/>
+          </a:p>
+        </p:txBody>
+      </p:sp>
+      <p:sp>
+        <p:nvSpPr>
+          <p:cNvPr id="29" name="צורה חופשית 28"/>
+          <p:cNvSpPr/>
+          <p:nvPr/>
+        </p:nvSpPr>
+        <p:spPr>
+          <a:xfrm>
+            <a:off x="2209800" y="3572256"/>
+            <a:ext cx="1524000" cy="161544"/>
+          </a:xfrm>
+          <a:custGeom>
+            <a:avLst/>
+            <a:gdLst>
+              <a:gd name="connsiteX0" fmla="*/ 1453896 w 1453896"/>
+              <a:gd name="connsiteY0" fmla="*/ 460248 h 478536"/>
+              <a:gd name="connsiteX1" fmla="*/ 731520 w 1453896"/>
+              <a:gd name="connsiteY1" fmla="*/ 3048 h 478536"/>
+              <a:gd name="connsiteX2" fmla="*/ 0 w 1453896"/>
+              <a:gd name="connsiteY2" fmla="*/ 478536 h 478536"/>
+            </a:gdLst>
+            <a:ahLst/>
+            <a:cxnLst>
+              <a:cxn ang="0">
+                <a:pos x="connsiteX0" y="connsiteY0"/>
+              </a:cxn>
+              <a:cxn ang="0">
+                <a:pos x="connsiteX1" y="connsiteY1"/>
+              </a:cxn>
+              <a:cxn ang="0">
+                <a:pos x="connsiteX2" y="connsiteY2"/>
+              </a:cxn>
+            </a:cxnLst>
+            <a:rect l="l" t="t" r="r" b="b"/>
+            <a:pathLst>
+              <a:path w="1453896" h="478536">
+                <a:moveTo>
+                  <a:pt x="1453896" y="460248"/>
+                </a:moveTo>
+                <a:cubicBezTo>
+                  <a:pt x="1213866" y="230124"/>
+                  <a:pt x="973836" y="0"/>
+                  <a:pt x="731520" y="3048"/>
+                </a:cubicBezTo>
+                <a:cubicBezTo>
+                  <a:pt x="489204" y="6096"/>
+                  <a:pt x="244602" y="242316"/>
+                  <a:pt x="0" y="478536"/>
+                </a:cubicBezTo>
+              </a:path>
+            </a:pathLst>
+          </a:custGeom>
+          <a:ln w="19050">
+            <a:solidFill>
+              <a:schemeClr val="tx1"/>
+            </a:solidFill>
+            <a:tailEnd type="arrow"/>
+          </a:ln>
+        </p:spPr>
+        <p:style>
+          <a:lnRef idx="1">
+            <a:schemeClr val="accent1"/>
+          </a:lnRef>
+          <a:fillRef idx="0">
+            <a:schemeClr val="accent1"/>
+          </a:fillRef>
+          <a:effectRef idx="0">
+            <a:schemeClr val="accent1"/>
+          </a:effectRef>
+          <a:fontRef idx="minor">
+            <a:schemeClr val="tx1"/>
+          </a:fontRef>
+        </p:style>
+        <p:txBody>
+          <a:bodyPr rtlCol="1" anchor="ctr"/>
+          <a:lstStyle/>
+          <a:p>
+            <a:pPr algn="ctr"/>
+            <a:endParaRPr lang="he-IL"/>
+          </a:p>
+        </p:txBody>
+      </p:sp>
+      <p:grpSp>
+        <p:nvGrpSpPr>
+          <p:cNvPr id="30" name="Group 4"/>
+          <p:cNvGrpSpPr/>
+          <p:nvPr/>
+        </p:nvGrpSpPr>
+        <p:grpSpPr>
+          <a:xfrm>
+            <a:off x="5562600" y="5181600"/>
+            <a:ext cx="1447800" cy="1447800"/>
+            <a:chOff x="2819400" y="990600"/>
+            <a:chExt cx="1447800" cy="1447800"/>
+          </a:xfrm>
+        </p:grpSpPr>
+        <p:sp>
+          <p:nvSpPr>
+            <p:cNvPr id="31" name="Oval 5"/>
+            <p:cNvSpPr/>
+            <p:nvPr/>
+          </p:nvSpPr>
+          <p:spPr>
+            <a:xfrm>
+              <a:off x="2819400" y="990600"/>
+              <a:ext cx="1447800" cy="1447800"/>
+            </a:xfrm>
+            <a:prstGeom prst="ellipse">
+              <a:avLst/>
+            </a:prstGeom>
+            <a:solidFill>
+              <a:schemeClr val="tx2">
+                <a:lumMod val="20000"/>
+                <a:lumOff val="80000"/>
+              </a:schemeClr>
+            </a:solidFill>
+            <a:ln>
+              <a:solidFill>
+                <a:schemeClr val="tx1"/>
+              </a:solidFill>
+            </a:ln>
+          </p:spPr>
+          <p:style>
+            <a:lnRef idx="2">
+              <a:schemeClr val="accent1">
+                <a:shade val="50000"/>
+              </a:schemeClr>
+            </a:lnRef>
+            <a:fillRef idx="1">
+              <a:schemeClr val="accent1"/>
+            </a:fillRef>
+            <a:effectRef idx="0">
+              <a:schemeClr val="accent1"/>
+            </a:effectRef>
+            <a:fontRef idx="minor">
+              <a:schemeClr val="lt1"/>
+            </a:fontRef>
+          </p:style>
+          <p:txBody>
+            <a:bodyPr rtlCol="1" anchor="ctr"/>
+            <a:lstStyle/>
+            <a:p>
+              <a:pPr algn="ctr"/>
+              <a:endParaRPr lang="he-IL"/>
+            </a:p>
+          </p:txBody>
+        </p:sp>
+        <p:sp>
+          <p:nvSpPr>
+            <p:cNvPr id="32" name="TextBox 31"/>
+            <p:cNvSpPr txBox="1"/>
+            <p:nvPr/>
+          </p:nvSpPr>
+          <p:spPr>
+            <a:xfrm>
+              <a:off x="2895600" y="1270337"/>
+              <a:ext cx="1295400" cy="1015663"/>
+            </a:xfrm>
+            <a:prstGeom prst="rect">
+              <a:avLst/>
+            </a:prstGeom>
+            <a:noFill/>
+          </p:spPr>
+          <p:txBody>
+            <a:bodyPr wrap="square" rtlCol="1">
+              <a:spAutoFit/>
+            </a:bodyPr>
+            <a:lstStyle/>
+            <a:p>
+              <a:pPr algn="ctr"/>
+              <a:r>
+                <a:rPr lang="en-US" sz="2000" dirty="0" smtClean="0"/>
+                <a:t>GET DATA ADDR FROM RC</a:t>
+              </a:r>
+              <a:endParaRPr lang="he-IL" sz="2000" dirty="0"/>
+            </a:p>
+          </p:txBody>
+        </p:sp>
+      </p:grpSp>
+      <p:grpSp>
+        <p:nvGrpSpPr>
+          <p:cNvPr id="33" name="Group 4"/>
+          <p:cNvGrpSpPr/>
+          <p:nvPr/>
+        </p:nvGrpSpPr>
+        <p:grpSpPr>
+          <a:xfrm>
+            <a:off x="7239000" y="3276600"/>
+            <a:ext cx="1447800" cy="1447800"/>
+            <a:chOff x="2819400" y="990600"/>
+            <a:chExt cx="1447800" cy="1447800"/>
+          </a:xfrm>
+        </p:grpSpPr>
+        <p:sp>
+          <p:nvSpPr>
+            <p:cNvPr id="34" name="Oval 5"/>
+            <p:cNvSpPr/>
+            <p:nvPr/>
+          </p:nvSpPr>
+          <p:spPr>
+            <a:xfrm>
+              <a:off x="2819400" y="990600"/>
+              <a:ext cx="1447800" cy="1447800"/>
+            </a:xfrm>
+            <a:prstGeom prst="ellipse">
+              <a:avLst/>
+            </a:prstGeom>
+            <a:solidFill>
+              <a:schemeClr val="tx2">
+                <a:lumMod val="20000"/>
+                <a:lumOff val="80000"/>
+              </a:schemeClr>
+            </a:solidFill>
+            <a:ln>
+              <a:solidFill>
+                <a:schemeClr val="tx1"/>
+              </a:solidFill>
+            </a:ln>
+          </p:spPr>
+          <p:style>
+            <a:lnRef idx="2">
+              <a:schemeClr val="accent1">
+                <a:shade val="50000"/>
+              </a:schemeClr>
+            </a:lnRef>
+            <a:fillRef idx="1">
+              <a:schemeClr val="accent1"/>
+            </a:fillRef>
+            <a:effectRef idx="0">
+              <a:schemeClr val="accent1"/>
+            </a:effectRef>
+            <a:fontRef idx="minor">
+              <a:schemeClr val="lt1"/>
+            </a:fontRef>
+          </p:style>
+          <p:txBody>
+            <a:bodyPr rtlCol="1" anchor="ctr"/>
+            <a:lstStyle/>
+            <a:p>
+              <a:pPr algn="ctr"/>
+              <a:endParaRPr lang="he-IL"/>
+            </a:p>
+          </p:txBody>
+        </p:sp>
+        <p:sp>
+          <p:nvSpPr>
+            <p:cNvPr id="35" name="TextBox 34"/>
+            <p:cNvSpPr txBox="1"/>
+            <p:nvPr/>
+          </p:nvSpPr>
+          <p:spPr>
+            <a:xfrm>
+              <a:off x="2895600" y="1270337"/>
+              <a:ext cx="1295400" cy="1015663"/>
+            </a:xfrm>
+            <a:prstGeom prst="rect">
+              <a:avLst/>
+            </a:prstGeom>
+            <a:noFill/>
+          </p:spPr>
+          <p:txBody>
+            <a:bodyPr wrap="square" rtlCol="1">
+              <a:spAutoFit/>
+            </a:bodyPr>
+            <a:lstStyle/>
+            <a:p>
+              <a:pPr algn="ctr"/>
+              <a:r>
+                <a:rPr lang="en-US" sz="2000" dirty="0" smtClean="0"/>
+                <a:t>SEND DATA </a:t>
+              </a:r>
+            </a:p>
+            <a:p>
+              <a:pPr algn="ctr"/>
+              <a:r>
+                <a:rPr lang="en-US" sz="2000" dirty="0" smtClean="0"/>
+                <a:t>OUT</a:t>
+              </a:r>
+              <a:endParaRPr lang="he-IL" sz="2000" dirty="0"/>
+            </a:p>
+          </p:txBody>
+        </p:sp>
+      </p:grpSp>
+      <p:sp>
+        <p:nvSpPr>
+          <p:cNvPr id="37" name="צורה חופשית 36"/>
+          <p:cNvSpPr/>
+          <p:nvPr/>
+        </p:nvSpPr>
+        <p:spPr>
+          <a:xfrm>
+            <a:off x="5084064" y="4379976"/>
+            <a:ext cx="1143000" cy="795528"/>
+          </a:xfrm>
+          <a:custGeom>
+            <a:avLst/>
+            <a:gdLst>
+              <a:gd name="connsiteX0" fmla="*/ 0 w 1143000"/>
+              <a:gd name="connsiteY0" fmla="*/ 0 h 795528"/>
+              <a:gd name="connsiteX1" fmla="*/ 740664 w 1143000"/>
+              <a:gd name="connsiteY1" fmla="*/ 201168 h 795528"/>
+              <a:gd name="connsiteX2" fmla="*/ 1143000 w 1143000"/>
+              <a:gd name="connsiteY2" fmla="*/ 795528 h 795528"/>
+            </a:gdLst>
+            <a:ahLst/>
+            <a:cxnLst>
+              <a:cxn ang="0">
+                <a:pos x="connsiteX0" y="connsiteY0"/>
+              </a:cxn>
+              <a:cxn ang="0">
+                <a:pos x="connsiteX1" y="connsiteY1"/>
+              </a:cxn>
+              <a:cxn ang="0">
+                <a:pos x="connsiteX2" y="connsiteY2"/>
+              </a:cxn>
+            </a:cxnLst>
+            <a:rect l="l" t="t" r="r" b="b"/>
+            <a:pathLst>
+              <a:path w="1143000" h="795528">
+                <a:moveTo>
+                  <a:pt x="0" y="0"/>
+                </a:moveTo>
+                <a:cubicBezTo>
+                  <a:pt x="275082" y="34290"/>
+                  <a:pt x="550164" y="68580"/>
+                  <a:pt x="740664" y="201168"/>
+                </a:cubicBezTo>
+                <a:cubicBezTo>
+                  <a:pt x="931164" y="333756"/>
+                  <a:pt x="1037082" y="564642"/>
+                  <a:pt x="1143000" y="795528"/>
+                </a:cubicBezTo>
+              </a:path>
+            </a:pathLst>
+          </a:custGeom>
+          <a:ln w="19050">
+            <a:solidFill>
+              <a:schemeClr val="tx1"/>
+            </a:solidFill>
+            <a:tailEnd type="arrow"/>
+          </a:ln>
+        </p:spPr>
+        <p:style>
+          <a:lnRef idx="1">
+            <a:schemeClr val="accent1"/>
+          </a:lnRef>
+          <a:fillRef idx="0">
+            <a:schemeClr val="accent1"/>
+          </a:fillRef>
+          <a:effectRef idx="0">
+            <a:schemeClr val="accent1"/>
+          </a:effectRef>
+          <a:fontRef idx="minor">
+            <a:schemeClr val="tx1"/>
+          </a:fontRef>
+        </p:style>
+        <p:txBody>
+          <a:bodyPr rtlCol="1" anchor="ctr"/>
+          <a:lstStyle/>
+          <a:p>
+            <a:pPr algn="ctr"/>
+            <a:endParaRPr lang="he-IL"/>
+          </a:p>
+        </p:txBody>
+      </p:sp>
+      <p:sp>
+        <p:nvSpPr>
+          <p:cNvPr id="44" name="צורה חופשית 43"/>
+          <p:cNvSpPr/>
+          <p:nvPr/>
+        </p:nvSpPr>
+        <p:spPr>
+          <a:xfrm rot="14806405">
+            <a:off x="6866087" y="4801198"/>
+            <a:ext cx="1170739" cy="1522804"/>
+          </a:xfrm>
+          <a:custGeom>
+            <a:avLst/>
+            <a:gdLst>
+              <a:gd name="connsiteX0" fmla="*/ 83820 w 641604"/>
+              <a:gd name="connsiteY0" fmla="*/ 0 h 1344168"/>
+              <a:gd name="connsiteX1" fmla="*/ 92964 w 641604"/>
+              <a:gd name="connsiteY1" fmla="*/ 740664 h 1344168"/>
+              <a:gd name="connsiteX2" fmla="*/ 641604 w 641604"/>
+              <a:gd name="connsiteY2" fmla="*/ 1344168 h 1344168"/>
+            </a:gdLst>
+            <a:ahLst/>
+            <a:cxnLst>
+              <a:cxn ang="0">
+                <a:pos x="connsiteX0" y="connsiteY0"/>
+              </a:cxn>
+              <a:cxn ang="0">
+                <a:pos x="connsiteX1" y="connsiteY1"/>
+              </a:cxn>
+              <a:cxn ang="0">
+                <a:pos x="connsiteX2" y="connsiteY2"/>
+              </a:cxn>
+            </a:cxnLst>
+            <a:rect l="l" t="t" r="r" b="b"/>
+            <a:pathLst>
+              <a:path w="641604" h="1344168">
+                <a:moveTo>
+                  <a:pt x="83820" y="0"/>
+                </a:moveTo>
+                <a:cubicBezTo>
+                  <a:pt x="41910" y="258318"/>
+                  <a:pt x="0" y="516636"/>
+                  <a:pt x="92964" y="740664"/>
+                </a:cubicBezTo>
+                <a:cubicBezTo>
+                  <a:pt x="185928" y="964692"/>
+                  <a:pt x="413766" y="1154430"/>
+                  <a:pt x="641604" y="1344168"/>
+                </a:cubicBezTo>
+              </a:path>
+            </a:pathLst>
+          </a:custGeom>
+          <a:ln w="19050">
+            <a:solidFill>
+              <a:schemeClr val="tx1"/>
+            </a:solidFill>
+            <a:tailEnd type="arrow"/>
+          </a:ln>
+        </p:spPr>
+        <p:style>
+          <a:lnRef idx="1">
+            <a:schemeClr val="accent1"/>
+          </a:lnRef>
+          <a:fillRef idx="0">
+            <a:schemeClr val="accent1"/>
+          </a:fillRef>
+          <a:effectRef idx="0">
+            <a:schemeClr val="accent1"/>
+          </a:effectRef>
+          <a:fontRef idx="minor">
+            <a:schemeClr val="tx1"/>
+          </a:fontRef>
+        </p:style>
+        <p:txBody>
+          <a:bodyPr rtlCol="1" anchor="ctr"/>
+          <a:lstStyle/>
+          <a:p>
+            <a:pPr algn="ctr"/>
+            <a:endParaRPr lang="he-IL"/>
+          </a:p>
+        </p:txBody>
+      </p:sp>
+      <p:sp>
+        <p:nvSpPr>
+          <p:cNvPr id="47" name="צורה חופשית 46"/>
+          <p:cNvSpPr/>
+          <p:nvPr/>
+        </p:nvSpPr>
+        <p:spPr>
+          <a:xfrm>
+            <a:off x="6355080" y="3813048"/>
+            <a:ext cx="905256" cy="1380744"/>
+          </a:xfrm>
+          <a:custGeom>
+            <a:avLst/>
+            <a:gdLst>
+              <a:gd name="connsiteX0" fmla="*/ 905256 w 905256"/>
+              <a:gd name="connsiteY0" fmla="*/ 0 h 1380744"/>
+              <a:gd name="connsiteX1" fmla="*/ 173736 w 905256"/>
+              <a:gd name="connsiteY1" fmla="*/ 393192 h 1380744"/>
+              <a:gd name="connsiteX2" fmla="*/ 0 w 905256"/>
+              <a:gd name="connsiteY2" fmla="*/ 1380744 h 1380744"/>
+            </a:gdLst>
+            <a:ahLst/>
+            <a:cxnLst>
+              <a:cxn ang="0">
+                <a:pos x="connsiteX0" y="connsiteY0"/>
+              </a:cxn>
+              <a:cxn ang="0">
+                <a:pos x="connsiteX1" y="connsiteY1"/>
+              </a:cxn>
+              <a:cxn ang="0">
+                <a:pos x="connsiteX2" y="connsiteY2"/>
+              </a:cxn>
+            </a:cxnLst>
+            <a:rect l="l" t="t" r="r" b="b"/>
+            <a:pathLst>
+              <a:path w="905256" h="1380744">
+                <a:moveTo>
+                  <a:pt x="905256" y="0"/>
+                </a:moveTo>
+                <a:cubicBezTo>
+                  <a:pt x="614934" y="81534"/>
+                  <a:pt x="324612" y="163068"/>
+                  <a:pt x="173736" y="393192"/>
+                </a:cubicBezTo>
+                <a:cubicBezTo>
+                  <a:pt x="22860" y="623316"/>
+                  <a:pt x="11430" y="1002030"/>
+                  <a:pt x="0" y="1380744"/>
+                </a:cubicBezTo>
+              </a:path>
+            </a:pathLst>
+          </a:custGeom>
+          <a:ln w="19050">
+            <a:solidFill>
+              <a:schemeClr val="tx1"/>
+            </a:solidFill>
+            <a:tailEnd type="arrow"/>
+          </a:ln>
+        </p:spPr>
+        <p:style>
+          <a:lnRef idx="1">
+            <a:schemeClr val="accent1"/>
+          </a:lnRef>
+          <a:fillRef idx="0">
+            <a:schemeClr val="accent1"/>
+          </a:fillRef>
+          <a:effectRef idx="0">
+            <a:schemeClr val="accent1"/>
+          </a:effectRef>
+          <a:fontRef idx="minor">
+            <a:schemeClr val="tx1"/>
+          </a:fontRef>
+        </p:style>
+        <p:txBody>
+          <a:bodyPr rtlCol="1" anchor="ctr"/>
+          <a:lstStyle/>
+          <a:p>
+            <a:pPr algn="ctr"/>
+            <a:endParaRPr lang="he-IL"/>
+          </a:p>
+        </p:txBody>
+      </p:sp>
+      <p:sp>
+        <p:nvSpPr>
+          <p:cNvPr id="48" name="צורה חופשית 47"/>
+          <p:cNvSpPr/>
+          <p:nvPr/>
+        </p:nvSpPr>
+        <p:spPr>
+          <a:xfrm>
+            <a:off x="2011680" y="2613660"/>
+            <a:ext cx="5888736" cy="824484"/>
+          </a:xfrm>
+          <a:custGeom>
+            <a:avLst/>
+            <a:gdLst>
+              <a:gd name="connsiteX0" fmla="*/ 5888736 w 5888736"/>
+              <a:gd name="connsiteY0" fmla="*/ 650748 h 824484"/>
+              <a:gd name="connsiteX1" fmla="*/ 2414016 w 5888736"/>
+              <a:gd name="connsiteY1" fmla="*/ 28956 h 824484"/>
+              <a:gd name="connsiteX2" fmla="*/ 0 w 5888736"/>
+              <a:gd name="connsiteY2" fmla="*/ 824484 h 824484"/>
+            </a:gdLst>
+            <a:ahLst/>
+            <a:cxnLst>
+              <a:cxn ang="0">
+                <a:pos x="connsiteX0" y="connsiteY0"/>
+              </a:cxn>
+              <a:cxn ang="0">
+                <a:pos x="connsiteX1" y="connsiteY1"/>
+              </a:cxn>
+              <a:cxn ang="0">
+                <a:pos x="connsiteX2" y="connsiteY2"/>
+              </a:cxn>
+            </a:cxnLst>
+            <a:rect l="l" t="t" r="r" b="b"/>
+            <a:pathLst>
+              <a:path w="5888736" h="824484">
+                <a:moveTo>
+                  <a:pt x="5888736" y="650748"/>
+                </a:moveTo>
+                <a:cubicBezTo>
+                  <a:pt x="4642104" y="325374"/>
+                  <a:pt x="3395472" y="0"/>
+                  <a:pt x="2414016" y="28956"/>
+                </a:cubicBezTo>
+                <a:cubicBezTo>
+                  <a:pt x="1432560" y="57912"/>
+                  <a:pt x="716280" y="441198"/>
+                  <a:pt x="0" y="824484"/>
+                </a:cubicBezTo>
+              </a:path>
+            </a:pathLst>
+          </a:custGeom>
+          <a:ln w="19050">
+            <a:solidFill>
+              <a:schemeClr val="tx1"/>
+            </a:solidFill>
+            <a:tailEnd type="arrow"/>
+          </a:ln>
+        </p:spPr>
+        <p:style>
+          <a:lnRef idx="1">
+            <a:schemeClr val="accent1"/>
+          </a:lnRef>
+          <a:fillRef idx="0">
+            <a:schemeClr val="accent1"/>
+          </a:fillRef>
+          <a:effectRef idx="0">
+            <a:schemeClr val="accent1"/>
+          </a:effectRef>
+          <a:fontRef idx="minor">
+            <a:schemeClr val="tx1"/>
+          </a:fontRef>
+        </p:style>
+        <p:txBody>
+          <a:bodyPr rtlCol="1" anchor="ctr"/>
+          <a:lstStyle/>
+          <a:p>
+            <a:pPr algn="ctr"/>
+            <a:endParaRPr lang="he-IL"/>
+          </a:p>
+        </p:txBody>
+      </p:sp>
+      <p:sp>
+        <p:nvSpPr>
+          <p:cNvPr id="49" name="TextBox 48"/>
+          <p:cNvSpPr txBox="1"/>
+          <p:nvPr/>
+        </p:nvSpPr>
+        <p:spPr>
+          <a:xfrm rot="503816">
+            <a:off x="5461292" y="2501812"/>
+            <a:ext cx="1939222" cy="369332"/>
+          </a:xfrm>
+          <a:prstGeom prst="rect">
+            <a:avLst/>
+          </a:prstGeom>
+          <a:noFill/>
+        </p:spPr>
+        <p:txBody>
+          <a:bodyPr wrap="square" rtlCol="1">
+            <a:spAutoFit/>
+          </a:bodyPr>
+          <a:lstStyle/>
+          <a:p>
+            <a:pPr algn="ctr"/>
+            <a:r>
+              <a:rPr lang="en-US" dirty="0" smtClean="0"/>
+              <a:t>GET ALL DATA = 1</a:t>
+            </a:r>
+            <a:endParaRPr lang="he-IL" dirty="0"/>
+          </a:p>
+        </p:txBody>
+      </p:sp>
+      <p:sp>
+        <p:nvSpPr>
+          <p:cNvPr id="51" name="TextBox 50"/>
+          <p:cNvSpPr txBox="1"/>
+          <p:nvPr/>
+        </p:nvSpPr>
+        <p:spPr>
+          <a:xfrm rot="20042984">
+            <a:off x="5621847" y="3682274"/>
+            <a:ext cx="1939222" cy="369332"/>
+          </a:xfrm>
+          <a:prstGeom prst="rect">
+            <a:avLst/>
+          </a:prstGeom>
+          <a:noFill/>
+        </p:spPr>
+        <p:txBody>
+          <a:bodyPr wrap="square" rtlCol="1">
+            <a:spAutoFit/>
+          </a:bodyPr>
+          <a:lstStyle/>
+          <a:p>
+            <a:pPr algn="ctr"/>
+            <a:r>
+              <a:rPr lang="en-US" dirty="0" smtClean="0"/>
+              <a:t>GET ALL DATA = 0</a:t>
             </a:r>
             <a:endParaRPr lang="he-IL" dirty="0"/>
           </a:p>
@@ -5377,7 +11315,7 @@
   <a:objectDefaults>
     <a:spDef>
       <a:spPr>
-        <a:ln w="28575">
+        <a:ln w="19050">
           <a:solidFill>
             <a:schemeClr val="tx1"/>
           </a:solidFill>

--- a/trunk/core/State machine.pptx
+++ b/trunk/core/State machine.pptx
@@ -292,7 +292,7 @@
             <a:fld id="{1D8BD707-D9CF-40AE-B4C6-C98DA3205C09}" type="datetimeFigureOut">
               <a:rPr lang="en-US" smtClean="0"/>
               <a:pPr/>
-              <a:t>9/20/2012</a:t>
+              <a:t>9/24/2012</a:t>
             </a:fld>
             <a:endParaRPr lang="en-US"/>
           </a:p>
@@ -459,7 +459,7 @@
             <a:fld id="{1D8BD707-D9CF-40AE-B4C6-C98DA3205C09}" type="datetimeFigureOut">
               <a:rPr lang="en-US" smtClean="0"/>
               <a:pPr/>
-              <a:t>9/20/2012</a:t>
+              <a:t>9/24/2012</a:t>
             </a:fld>
             <a:endParaRPr lang="en-US"/>
           </a:p>
@@ -636,7 +636,7 @@
             <a:fld id="{1D8BD707-D9CF-40AE-B4C6-C98DA3205C09}" type="datetimeFigureOut">
               <a:rPr lang="en-US" smtClean="0"/>
               <a:pPr/>
-              <a:t>9/20/2012</a:t>
+              <a:t>9/24/2012</a:t>
             </a:fld>
             <a:endParaRPr lang="en-US"/>
           </a:p>
@@ -803,7 +803,7 @@
             <a:fld id="{1D8BD707-D9CF-40AE-B4C6-C98DA3205C09}" type="datetimeFigureOut">
               <a:rPr lang="en-US" smtClean="0"/>
               <a:pPr/>
-              <a:t>9/20/2012</a:t>
+              <a:t>9/24/2012</a:t>
             </a:fld>
             <a:endParaRPr lang="en-US"/>
           </a:p>
@@ -1046,7 +1046,7 @@
             <a:fld id="{1D8BD707-D9CF-40AE-B4C6-C98DA3205C09}" type="datetimeFigureOut">
               <a:rPr lang="en-US" smtClean="0"/>
               <a:pPr/>
-              <a:t>9/20/2012</a:t>
+              <a:t>9/24/2012</a:t>
             </a:fld>
             <a:endParaRPr lang="en-US"/>
           </a:p>
@@ -1331,7 +1331,7 @@
             <a:fld id="{1D8BD707-D9CF-40AE-B4C6-C98DA3205C09}" type="datetimeFigureOut">
               <a:rPr lang="en-US" smtClean="0"/>
               <a:pPr/>
-              <a:t>9/20/2012</a:t>
+              <a:t>9/24/2012</a:t>
             </a:fld>
             <a:endParaRPr lang="en-US"/>
           </a:p>
@@ -1750,7 +1750,7 @@
             <a:fld id="{1D8BD707-D9CF-40AE-B4C6-C98DA3205C09}" type="datetimeFigureOut">
               <a:rPr lang="en-US" smtClean="0"/>
               <a:pPr/>
-              <a:t>9/20/2012</a:t>
+              <a:t>9/24/2012</a:t>
             </a:fld>
             <a:endParaRPr lang="en-US"/>
           </a:p>
@@ -1865,7 +1865,7 @@
             <a:fld id="{1D8BD707-D9CF-40AE-B4C6-C98DA3205C09}" type="datetimeFigureOut">
               <a:rPr lang="en-US" smtClean="0"/>
               <a:pPr/>
-              <a:t>9/20/2012</a:t>
+              <a:t>9/24/2012</a:t>
             </a:fld>
             <a:endParaRPr lang="en-US"/>
           </a:p>
@@ -1957,7 +1957,7 @@
             <a:fld id="{1D8BD707-D9CF-40AE-B4C6-C98DA3205C09}" type="datetimeFigureOut">
               <a:rPr lang="en-US" smtClean="0"/>
               <a:pPr/>
-              <a:t>9/20/2012</a:t>
+              <a:t>9/24/2012</a:t>
             </a:fld>
             <a:endParaRPr lang="en-US"/>
           </a:p>
@@ -2231,7 +2231,7 @@
             <a:fld id="{1D8BD707-D9CF-40AE-B4C6-C98DA3205C09}" type="datetimeFigureOut">
               <a:rPr lang="en-US" smtClean="0"/>
               <a:pPr/>
-              <a:t>9/20/2012</a:t>
+              <a:t>9/24/2012</a:t>
             </a:fld>
             <a:endParaRPr lang="en-US"/>
           </a:p>
@@ -2481,7 +2481,7 @@
             <a:fld id="{1D8BD707-D9CF-40AE-B4C6-C98DA3205C09}" type="datetimeFigureOut">
               <a:rPr lang="en-US" smtClean="0"/>
               <a:pPr/>
-              <a:t>9/20/2012</a:t>
+              <a:t>9/24/2012</a:t>
             </a:fld>
             <a:endParaRPr lang="en-US"/>
           </a:p>
@@ -2691,7 +2691,7 @@
             <a:fld id="{1D8BD707-D9CF-40AE-B4C6-C98DA3205C09}" type="datetimeFigureOut">
               <a:rPr lang="en-US" smtClean="0"/>
               <a:pPr/>
-              <a:t>9/20/2012</a:t>
+              <a:t>9/24/2012</a:t>
             </a:fld>
             <a:endParaRPr lang="en-US"/>
           </a:p>
@@ -4045,14 +4045,14 @@
       </p:sp>
       <p:sp>
         <p:nvSpPr>
-          <p:cNvPr id="38" name="TextBox 37"/>
+          <p:cNvPr id="39" name="TextBox 38"/>
           <p:cNvSpPr txBox="1"/>
           <p:nvPr/>
         </p:nvSpPr>
         <p:spPr>
-          <a:xfrm rot="20830289">
-            <a:off x="4896011" y="2260834"/>
-            <a:ext cx="1746065" cy="369332"/>
+          <a:xfrm rot="20672965">
+            <a:off x="4871528" y="2601414"/>
+            <a:ext cx="1845951" cy="369332"/>
           </a:xfrm>
           <a:prstGeom prst="rect">
             <a:avLst/>
@@ -4066,42 +4066,12 @@
           <a:lstStyle/>
           <a:p>
             <a:r>
-              <a:rPr lang="en-US" dirty="0" err="1" smtClean="0"/>
-              <a:t>Clk</a:t>
+              <a:rPr lang="en-US" dirty="0" smtClean="0"/>
+              <a:t>System status </a:t>
             </a:r>
             <a:r>
               <a:rPr lang="en-US" dirty="0" smtClean="0"/>
-              <a:t> to start  ≠ 0</a:t>
-            </a:r>
-            <a:endParaRPr lang="he-IL" dirty="0"/>
-          </a:p>
-        </p:txBody>
-      </p:sp>
-      <p:sp>
-        <p:nvSpPr>
-          <p:cNvPr id="39" name="TextBox 38"/>
-          <p:cNvSpPr txBox="1"/>
-          <p:nvPr/>
-        </p:nvSpPr>
-        <p:spPr>
-          <a:xfrm rot="20672965">
-            <a:off x="4871528" y="2601414"/>
-            <a:ext cx="1845951" cy="369332"/>
-          </a:xfrm>
-          <a:prstGeom prst="rect">
-            <a:avLst/>
-          </a:prstGeom>
-          <a:noFill/>
-        </p:spPr>
-        <p:txBody>
-          <a:bodyPr wrap="square" rtlCol="1">
-            <a:spAutoFit/>
-          </a:bodyPr>
-          <a:lstStyle/>
-          <a:p>
-            <a:r>
-              <a:rPr lang="en-US" dirty="0" smtClean="0"/>
-              <a:t>System status ≠ 0</a:t>
+              <a:t>= 1</a:t>
             </a:r>
             <a:endParaRPr lang="he-IL" dirty="0"/>
           </a:p>
@@ -4452,14 +4422,14 @@
       </p:sp>
       <p:sp>
         <p:nvSpPr>
-          <p:cNvPr id="46" name="TextBox 45"/>
+          <p:cNvPr id="47" name="TextBox 46"/>
           <p:cNvSpPr txBox="1"/>
           <p:nvPr/>
         </p:nvSpPr>
         <p:spPr>
-          <a:xfrm rot="19605981">
-            <a:off x="5048411" y="3099034"/>
-            <a:ext cx="1746065" cy="369332"/>
+          <a:xfrm rot="19461078">
+            <a:off x="5421066" y="3439614"/>
+            <a:ext cx="1845951" cy="369332"/>
           </a:xfrm>
           <a:prstGeom prst="rect">
             <a:avLst/>
@@ -4473,42 +4443,12 @@
           <a:lstStyle/>
           <a:p>
             <a:r>
-              <a:rPr lang="en-US" dirty="0" err="1" smtClean="0"/>
-              <a:t>Clk</a:t>
+              <a:rPr lang="en-US" dirty="0" smtClean="0"/>
+              <a:t>System status </a:t>
             </a:r>
             <a:r>
               <a:rPr lang="en-US" dirty="0" smtClean="0"/>
-              <a:t> to start  ≠ 0</a:t>
-            </a:r>
-            <a:endParaRPr lang="he-IL" dirty="0"/>
-          </a:p>
-        </p:txBody>
-      </p:sp>
-      <p:sp>
-        <p:nvSpPr>
-          <p:cNvPr id="47" name="TextBox 46"/>
-          <p:cNvSpPr txBox="1"/>
-          <p:nvPr/>
-        </p:nvSpPr>
-        <p:spPr>
-          <a:xfrm rot="19461078">
-            <a:off x="5421066" y="3439614"/>
-            <a:ext cx="1845951" cy="369332"/>
-          </a:xfrm>
-          <a:prstGeom prst="rect">
-            <a:avLst/>
-          </a:prstGeom>
-          <a:noFill/>
-        </p:spPr>
-        <p:txBody>
-          <a:bodyPr wrap="square" rtlCol="1">
-            <a:spAutoFit/>
-          </a:bodyPr>
-          <a:lstStyle/>
-          <a:p>
-            <a:r>
-              <a:rPr lang="en-US" dirty="0" smtClean="0"/>
-              <a:t>System status ≠ 0</a:t>
+              <a:t>= 1</a:t>
             </a:r>
             <a:endParaRPr lang="he-IL" dirty="0"/>
           </a:p>
@@ -4603,40 +4543,6 @@
           <a:p>
             <a:pPr algn="ctr"/>
             <a:endParaRPr lang="he-IL"/>
-          </a:p>
-        </p:txBody>
-      </p:sp>
-      <p:sp>
-        <p:nvSpPr>
-          <p:cNvPr id="50" name="TextBox 49"/>
-          <p:cNvSpPr txBox="1"/>
-          <p:nvPr/>
-        </p:nvSpPr>
-        <p:spPr>
-          <a:xfrm>
-            <a:off x="3429000" y="6096000"/>
-            <a:ext cx="1746065" cy="369332"/>
-          </a:xfrm>
-          <a:prstGeom prst="rect">
-            <a:avLst/>
-          </a:prstGeom>
-          <a:noFill/>
-        </p:spPr>
-        <p:txBody>
-          <a:bodyPr wrap="square" rtlCol="1">
-            <a:spAutoFit/>
-          </a:bodyPr>
-          <a:lstStyle/>
-          <a:p>
-            <a:r>
-              <a:rPr lang="en-US" dirty="0" err="1" smtClean="0"/>
-              <a:t>Clk</a:t>
-            </a:r>
-            <a:r>
-              <a:rPr lang="en-US" dirty="0" smtClean="0"/>
-              <a:t> to start  = 0</a:t>
-            </a:r>
-            <a:endParaRPr lang="he-IL" dirty="0"/>
           </a:p>
         </p:txBody>
       </p:sp>
@@ -5021,6 +4927,128 @@
             <a:r>
               <a:rPr lang="en-US" dirty="0" smtClean="0"/>
               <a:t>Reset = 1</a:t>
+            </a:r>
+            <a:endParaRPr lang="he-IL" dirty="0"/>
+          </a:p>
+        </p:txBody>
+      </p:sp>
+      <p:sp>
+        <p:nvSpPr>
+          <p:cNvPr id="48" name="Freeform 48"/>
+          <p:cNvSpPr/>
+          <p:nvPr/>
+        </p:nvSpPr>
+        <p:spPr>
+          <a:xfrm rot="21059879">
+            <a:off x="915204" y="5165128"/>
+            <a:ext cx="846162" cy="1050878"/>
+          </a:xfrm>
+          <a:custGeom>
+            <a:avLst/>
+            <a:gdLst>
+              <a:gd name="connsiteX0" fmla="*/ 846162 w 846162"/>
+              <a:gd name="connsiteY0" fmla="*/ 382138 h 1050878"/>
+              <a:gd name="connsiteX1" fmla="*/ 409433 w 846162"/>
+              <a:gd name="connsiteY1" fmla="*/ 982639 h 1050878"/>
+              <a:gd name="connsiteX2" fmla="*/ 13648 w 846162"/>
+              <a:gd name="connsiteY2" fmla="*/ 791571 h 1050878"/>
+              <a:gd name="connsiteX3" fmla="*/ 491320 w 846162"/>
+              <a:gd name="connsiteY3" fmla="*/ 0 h 1050878"/>
+            </a:gdLst>
+            <a:ahLst/>
+            <a:cxnLst>
+              <a:cxn ang="0">
+                <a:pos x="connsiteX0" y="connsiteY0"/>
+              </a:cxn>
+              <a:cxn ang="0">
+                <a:pos x="connsiteX1" y="connsiteY1"/>
+              </a:cxn>
+              <a:cxn ang="0">
+                <a:pos x="connsiteX2" y="connsiteY2"/>
+              </a:cxn>
+              <a:cxn ang="0">
+                <a:pos x="connsiteX3" y="connsiteY3"/>
+              </a:cxn>
+            </a:cxnLst>
+            <a:rect l="l" t="t" r="r" b="b"/>
+            <a:pathLst>
+              <a:path w="846162" h="1050878">
+                <a:moveTo>
+                  <a:pt x="846162" y="382138"/>
+                </a:moveTo>
+                <a:cubicBezTo>
+                  <a:pt x="697173" y="648269"/>
+                  <a:pt x="548185" y="914400"/>
+                  <a:pt x="409433" y="982639"/>
+                </a:cubicBezTo>
+                <a:cubicBezTo>
+                  <a:pt x="270681" y="1050878"/>
+                  <a:pt x="0" y="955344"/>
+                  <a:pt x="13648" y="791571"/>
+                </a:cubicBezTo>
+                <a:cubicBezTo>
+                  <a:pt x="27296" y="627798"/>
+                  <a:pt x="259308" y="313899"/>
+                  <a:pt x="491320" y="0"/>
+                </a:cubicBezTo>
+              </a:path>
+            </a:pathLst>
+          </a:custGeom>
+          <a:ln w="28575">
+            <a:solidFill>
+              <a:schemeClr val="tx1"/>
+            </a:solidFill>
+            <a:tailEnd type="arrow"/>
+          </a:ln>
+        </p:spPr>
+        <p:style>
+          <a:lnRef idx="1">
+            <a:schemeClr val="accent1"/>
+          </a:lnRef>
+          <a:fillRef idx="0">
+            <a:schemeClr val="accent1"/>
+          </a:fillRef>
+          <a:effectRef idx="0">
+            <a:schemeClr val="accent1"/>
+          </a:effectRef>
+          <a:fontRef idx="minor">
+            <a:schemeClr val="tx1"/>
+          </a:fontRef>
+        </p:style>
+        <p:txBody>
+          <a:bodyPr rtlCol="1" anchor="ctr"/>
+          <a:lstStyle/>
+          <a:p>
+            <a:pPr algn="ctr"/>
+            <a:endParaRPr lang="he-IL"/>
+          </a:p>
+        </p:txBody>
+      </p:sp>
+      <p:sp>
+        <p:nvSpPr>
+          <p:cNvPr id="58" name="TextBox 57"/>
+          <p:cNvSpPr txBox="1"/>
+          <p:nvPr/>
+        </p:nvSpPr>
+        <p:spPr>
+          <a:xfrm>
+            <a:off x="381000" y="6096000"/>
+            <a:ext cx="1845951" cy="369332"/>
+          </a:xfrm>
+          <a:prstGeom prst="rect">
+            <a:avLst/>
+          </a:prstGeom>
+          <a:noFill/>
+        </p:spPr>
+        <p:txBody>
+          <a:bodyPr wrap="square" rtlCol="1">
+            <a:spAutoFit/>
+          </a:bodyPr>
+          <a:lstStyle/>
+          <a:p>
+            <a:r>
+              <a:rPr lang="en-US" dirty="0" smtClean="0"/>
+              <a:t>System status = 0</a:t>
             </a:r>
             <a:endParaRPr lang="he-IL" dirty="0"/>
           </a:p>
@@ -5462,15 +5490,7 @@
               <a:pPr algn="ctr"/>
               <a:r>
                 <a:rPr lang="en-US" sz="2000" dirty="0" smtClean="0"/>
-                <a:t>SEND </a:t>
-              </a:r>
-              <a:r>
-                <a:rPr lang="en-US" sz="2000" dirty="0" smtClean="0"/>
-                <a:t>DATA ADDR </a:t>
-              </a:r>
-              <a:r>
-                <a:rPr lang="en-US" sz="2000" dirty="0" smtClean="0"/>
-                <a:t>TO RAM</a:t>
+                <a:t>SEND DATA ADDR TO RAM</a:t>
               </a:r>
               <a:endParaRPr lang="he-IL" sz="2000" dirty="0"/>
             </a:p>
@@ -7139,11 +7159,7 @@
             <a:pPr algn="ctr"/>
             <a:r>
               <a:rPr lang="en-US" dirty="0" smtClean="0"/>
-              <a:t>SYS STAT= </a:t>
-            </a:r>
-            <a:r>
-              <a:rPr lang="en-US" dirty="0" smtClean="0"/>
-              <a:t>1</a:t>
+              <a:t>SYS STAT= 1</a:t>
             </a:r>
             <a:endParaRPr lang="he-IL" dirty="0"/>
           </a:p>
@@ -7239,15 +7255,7 @@
               <a:pPr algn="ctr"/>
               <a:r>
                 <a:rPr lang="en-US" sz="2400" dirty="0" smtClean="0"/>
-                <a:t>SEND </a:t>
-              </a:r>
-              <a:r>
-                <a:rPr lang="en-US" sz="2400" dirty="0" smtClean="0"/>
-                <a:t>DATA TO </a:t>
-              </a:r>
-              <a:r>
-                <a:rPr lang="en-US" sz="2400" dirty="0" smtClean="0"/>
-                <a:t>RAM</a:t>
+                <a:t>SEND DATA TO RAM</a:t>
               </a:r>
               <a:endParaRPr lang="he-IL" sz="2400" dirty="0"/>
             </a:p>
@@ -8837,11 +8845,7 @@
           <a:p>
             <a:r>
               <a:rPr lang="en-US" dirty="0" smtClean="0"/>
-              <a:t>FINISH </a:t>
-            </a:r>
-            <a:r>
-              <a:rPr lang="en-US" dirty="0" smtClean="0"/>
-              <a:t>= 1</a:t>
+              <a:t>FINISH = 1</a:t>
             </a:r>
             <a:endParaRPr lang="he-IL" dirty="0"/>
           </a:p>
@@ -8871,15 +8875,7 @@
           <a:p>
             <a:r>
               <a:rPr lang="en-US" dirty="0" smtClean="0"/>
-              <a:t>FINISH </a:t>
-            </a:r>
-            <a:r>
-              <a:rPr lang="en-US" dirty="0" smtClean="0"/>
-              <a:t>= </a:t>
-            </a:r>
-            <a:r>
-              <a:rPr lang="en-US" dirty="0" smtClean="0"/>
-              <a:t>0</a:t>
+              <a:t>FINISH = 0</a:t>
             </a:r>
             <a:endParaRPr lang="he-IL" dirty="0"/>
           </a:p>
@@ -8913,11 +8909,7 @@
             </a:r>
             <a:r>
               <a:rPr lang="en-US" dirty="0" smtClean="0"/>
-              <a:t> valid </a:t>
-            </a:r>
-            <a:r>
-              <a:rPr lang="en-US" dirty="0" smtClean="0"/>
-              <a:t>= 1</a:t>
+              <a:t> valid = 1</a:t>
             </a:r>
             <a:endParaRPr lang="he-IL" dirty="0"/>
           </a:p>
@@ -8951,15 +8943,7 @@
             </a:r>
             <a:r>
               <a:rPr lang="en-US" dirty="0" smtClean="0"/>
-              <a:t> valid </a:t>
-            </a:r>
-            <a:r>
-              <a:rPr lang="en-US" dirty="0" smtClean="0"/>
-              <a:t>= </a:t>
-            </a:r>
-            <a:r>
-              <a:rPr lang="en-US" dirty="0" smtClean="0"/>
-              <a:t>0</a:t>
+              <a:t> valid = 0</a:t>
             </a:r>
             <a:endParaRPr lang="he-IL" dirty="0"/>
           </a:p>
@@ -9245,11 +9229,7 @@
           <a:p>
             <a:r>
               <a:rPr lang="en-US" dirty="0" smtClean="0"/>
-              <a:t>FINISH </a:t>
-            </a:r>
-            <a:r>
-              <a:rPr lang="en-US" dirty="0" smtClean="0"/>
-              <a:t>= 1</a:t>
+              <a:t>FINISH = 1</a:t>
             </a:r>
             <a:endParaRPr lang="he-IL" dirty="0"/>
           </a:p>
@@ -9279,15 +9259,7 @@
           <a:p>
             <a:r>
               <a:rPr lang="en-US" dirty="0" smtClean="0"/>
-              <a:t>FINISH </a:t>
-            </a:r>
-            <a:r>
-              <a:rPr lang="en-US" dirty="0" smtClean="0"/>
-              <a:t>= </a:t>
-            </a:r>
-            <a:r>
-              <a:rPr lang="en-US" dirty="0" smtClean="0"/>
-              <a:t>0</a:t>
+              <a:t>FINISH = 0</a:t>
             </a:r>
             <a:endParaRPr lang="he-IL" dirty="0"/>
           </a:p>
